--- a/Presentations/P1.2 - Introducció a Ionic.pptx
+++ b/Presentations/P1.2 - Introducció a Ionic.pptx
@@ -4382,8 +4382,8 @@
         </p:nvSpPr>
         <p:spPr>
           <a:xfrm>
-            <a:off x="0" y="1581825"/>
-            <a:ext cx="9144000" cy="2075700"/>
+            <a:off x="0" y="1429425"/>
+            <a:ext cx="9144000" cy="1046400"/>
           </a:xfrm>
           <a:prstGeom prst="rect">
             <a:avLst/>
@@ -4411,19 +4411,7 @@
                 <a:cs typeface="Open Sans"/>
                 <a:sym typeface="Open Sans"/>
               </a:rPr>
-              <a:t>Aplicacions mòbils amb </a:t>
-            </a:r>
-            <a:r>
-              <a:rPr lang="en" sz="7200">
-                <a:solidFill>
-                  <a:srgbClr val="FFFFFF"/>
-                </a:solidFill>
-                <a:latin typeface="Open Sans"/>
-                <a:ea typeface="Open Sans"/>
-                <a:cs typeface="Open Sans"/>
-                <a:sym typeface="Open Sans"/>
-              </a:rPr>
-              <a:t>        </a:t>
+              <a:t>Apps mòbils amb</a:t>
             </a:r>
           </a:p>
         </p:txBody>
@@ -4488,7 +4476,7 @@
         </p:blipFill>
         <p:spPr>
           <a:xfrm>
-            <a:off x="4608092" y="2522199"/>
+            <a:off x="3066392" y="2603249"/>
             <a:ext cx="3011210" cy="1046400"/>
           </a:xfrm>
           <a:prstGeom prst="rect">
@@ -4869,6 +4857,285 @@
 </file>
 
 <file path=ppt/theme/theme.xml><?xml version="1.0" encoding="utf-8"?>
+<a:theme xmlns:a="http://schemas.openxmlformats.org/drawingml/2006/main" xmlns:r="http://schemas.openxmlformats.org/officeDocument/2006/relationships" name="simple-light-2">
+  <a:themeElements>
+    <a:clrScheme name="Simple Light">
+      <a:dk1>
+        <a:srgbClr val="000000"/>
+      </a:dk1>
+      <a:lt1>
+        <a:srgbClr val="FFFFFF"/>
+      </a:lt1>
+      <a:dk2>
+        <a:srgbClr val="595959"/>
+      </a:dk2>
+      <a:lt2>
+        <a:srgbClr val="EEEEEE"/>
+      </a:lt2>
+      <a:accent1>
+        <a:srgbClr val="FFAB40"/>
+      </a:accent1>
+      <a:accent2>
+        <a:srgbClr val="212121"/>
+      </a:accent2>
+      <a:accent3>
+        <a:srgbClr val="78909C"/>
+      </a:accent3>
+      <a:accent4>
+        <a:srgbClr val="FFAB40"/>
+      </a:accent4>
+      <a:accent5>
+        <a:srgbClr val="0097A7"/>
+      </a:accent5>
+      <a:accent6>
+        <a:srgbClr val="EEFF41"/>
+      </a:accent6>
+      <a:hlink>
+        <a:srgbClr val="0097A7"/>
+      </a:hlink>
+      <a:folHlink>
+        <a:srgbClr val="0097A7"/>
+      </a:folHlink>
+    </a:clrScheme>
+    <a:fontScheme name="Office">
+      <a:majorFont>
+        <a:latin typeface="Arial"/>
+        <a:ea typeface=""/>
+        <a:cs typeface=""/>
+        <a:font script="Jpan" typeface="ＭＳ Ｐゴシック"/>
+        <a:font script="Hang" typeface="맑은 고딕"/>
+        <a:font script="Hans" typeface="宋体"/>
+        <a:font script="Hant" typeface="新細明體"/>
+        <a:font script="Arab" typeface="Times New Roman"/>
+        <a:font script="Hebr" typeface="Times New Roman"/>
+        <a:font script="Thai" typeface="Angsana New"/>
+        <a:font script="Ethi" typeface="Nyala"/>
+        <a:font script="Beng" typeface="Vrinda"/>
+        <a:font script="Gujr" typeface="Shruti"/>
+        <a:font script="Khmr" typeface="MoolBoran"/>
+        <a:font script="Knda" typeface="Tunga"/>
+        <a:font script="Guru" typeface="Raavi"/>
+        <a:font script="Cans" typeface="Euphemia"/>
+        <a:font script="Cher" typeface="Plantagenet Cherokee"/>
+        <a:font script="Yiii" typeface="Microsoft Yi Baiti"/>
+        <a:font script="Tibt" typeface="Microsoft Himalaya"/>
+        <a:font script="Thaa" typeface="MV Boli"/>
+        <a:font script="Deva" typeface="Mangal"/>
+        <a:font script="Telu" typeface="Gautami"/>
+        <a:font script="Taml" typeface="Latha"/>
+        <a:font script="Syrc" typeface="Estrangelo Edessa"/>
+        <a:font script="Orya" typeface="Kalinga"/>
+        <a:font script="Mlym" typeface="Kartika"/>
+        <a:font script="Laoo" typeface="DokChampa"/>
+        <a:font script="Sinh" typeface="Iskoola Pota"/>
+        <a:font script="Mong" typeface="Mongolian Baiti"/>
+        <a:font script="Viet" typeface="Times New Roman"/>
+        <a:font script="Uigh" typeface="Microsoft Uighur"/>
+        <a:font script="Geor" typeface="Sylfaen"/>
+      </a:majorFont>
+      <a:minorFont>
+        <a:latin typeface="Arial"/>
+        <a:ea typeface=""/>
+        <a:cs typeface=""/>
+        <a:font script="Jpan" typeface="ＭＳ Ｐゴシック"/>
+        <a:font script="Hang" typeface="맑은 고딕"/>
+        <a:font script="Hans" typeface="宋体"/>
+        <a:font script="Hant" typeface="新細明體"/>
+        <a:font script="Arab" typeface="Arial"/>
+        <a:font script="Hebr" typeface="Arial"/>
+        <a:font script="Thai" typeface="Cordia New"/>
+        <a:font script="Ethi" typeface="Nyala"/>
+        <a:font script="Beng" typeface="Vrinda"/>
+        <a:font script="Gujr" typeface="Shruti"/>
+        <a:font script="Khmr" typeface="DaunPenh"/>
+        <a:font script="Knda" typeface="Tunga"/>
+        <a:font script="Guru" typeface="Raavi"/>
+        <a:font script="Cans" typeface="Euphemia"/>
+        <a:font script="Cher" typeface="Plantagenet Cherokee"/>
+        <a:font script="Yiii" typeface="Microsoft Yi Baiti"/>
+        <a:font script="Tibt" typeface="Microsoft Himalaya"/>
+        <a:font script="Thaa" typeface="MV Boli"/>
+        <a:font script="Deva" typeface="Mangal"/>
+        <a:font script="Telu" typeface="Gautami"/>
+        <a:font script="Taml" typeface="Latha"/>
+        <a:font script="Syrc" typeface="Estrangelo Edessa"/>
+        <a:font script="Orya" typeface="Kalinga"/>
+        <a:font script="Mlym" typeface="Kartika"/>
+        <a:font script="Laoo" typeface="DokChampa"/>
+        <a:font script="Sinh" typeface="Iskoola Pota"/>
+        <a:font script="Mong" typeface="Mongolian Baiti"/>
+        <a:font script="Viet" typeface="Arial"/>
+        <a:font script="Uigh" typeface="Microsoft Uighur"/>
+        <a:font script="Geor" typeface="Sylfaen"/>
+      </a:minorFont>
+    </a:fontScheme>
+    <a:fmtScheme name="Office">
+      <a:fillStyleLst>
+        <a:solidFill>
+          <a:schemeClr val="phClr"/>
+        </a:solidFill>
+        <a:gradFill rotWithShape="1">
+          <a:gsLst>
+            <a:gs pos="0">
+              <a:schemeClr val="phClr">
+                <a:tint val="50000"/>
+                <a:satMod val="300000"/>
+              </a:schemeClr>
+            </a:gs>
+            <a:gs pos="35000">
+              <a:schemeClr val="phClr">
+                <a:tint val="37000"/>
+                <a:satMod val="300000"/>
+              </a:schemeClr>
+            </a:gs>
+            <a:gs pos="100000">
+              <a:schemeClr val="phClr">
+                <a:tint val="15000"/>
+                <a:satMod val="350000"/>
+              </a:schemeClr>
+            </a:gs>
+          </a:gsLst>
+          <a:lin ang="16200000" scaled="1"/>
+        </a:gradFill>
+        <a:gradFill rotWithShape="1">
+          <a:gsLst>
+            <a:gs pos="0">
+              <a:schemeClr val="phClr">
+                <a:tint val="100000"/>
+                <a:shade val="100000"/>
+                <a:satMod val="130000"/>
+              </a:schemeClr>
+            </a:gs>
+            <a:gs pos="100000">
+              <a:schemeClr val="phClr">
+                <a:tint val="50000"/>
+                <a:shade val="100000"/>
+                <a:satMod val="350000"/>
+              </a:schemeClr>
+            </a:gs>
+          </a:gsLst>
+          <a:lin ang="16200000" scaled="0"/>
+        </a:gradFill>
+      </a:fillStyleLst>
+      <a:lnStyleLst>
+        <a:ln w="9525" cap="flat" cmpd="sng" algn="ctr">
+          <a:solidFill>
+            <a:schemeClr val="phClr">
+              <a:shade val="95000"/>
+              <a:satMod val="105000"/>
+            </a:schemeClr>
+          </a:solidFill>
+          <a:prstDash val="solid"/>
+        </a:ln>
+        <a:ln w="25400" cap="flat" cmpd="sng" algn="ctr">
+          <a:solidFill>
+            <a:schemeClr val="phClr"/>
+          </a:solidFill>
+          <a:prstDash val="solid"/>
+        </a:ln>
+        <a:ln w="38100" cap="flat" cmpd="sng" algn="ctr">
+          <a:solidFill>
+            <a:schemeClr val="phClr"/>
+          </a:solidFill>
+          <a:prstDash val="solid"/>
+        </a:ln>
+      </a:lnStyleLst>
+      <a:effectStyleLst>
+        <a:effectStyle>
+          <a:effectLst>
+            <a:outerShdw blurRad="40000" dist="20000" dir="5400000" rotWithShape="0">
+              <a:srgbClr val="000000">
+                <a:alpha val="38000"/>
+              </a:srgbClr>
+            </a:outerShdw>
+          </a:effectLst>
+        </a:effectStyle>
+        <a:effectStyle>
+          <a:effectLst>
+            <a:outerShdw blurRad="40000" dist="23000" dir="5400000" rotWithShape="0">
+              <a:srgbClr val="000000">
+                <a:alpha val="35000"/>
+              </a:srgbClr>
+            </a:outerShdw>
+          </a:effectLst>
+        </a:effectStyle>
+        <a:effectStyle>
+          <a:effectLst>
+            <a:outerShdw blurRad="40000" dist="23000" dir="5400000" rotWithShape="0">
+              <a:srgbClr val="000000">
+                <a:alpha val="35000"/>
+              </a:srgbClr>
+            </a:outerShdw>
+          </a:effectLst>
+          <a:scene3d>
+            <a:camera prst="orthographicFront">
+              <a:rot lat="0" lon="0" rev="0"/>
+            </a:camera>
+            <a:lightRig rig="threePt" dir="t">
+              <a:rot lat="0" lon="0" rev="1200000"/>
+            </a:lightRig>
+          </a:scene3d>
+          <a:sp3d>
+            <a:bevelT w="63500" h="25400"/>
+          </a:sp3d>
+        </a:effectStyle>
+      </a:effectStyleLst>
+      <a:bgFillStyleLst>
+        <a:solidFill>
+          <a:schemeClr val="phClr"/>
+        </a:solidFill>
+        <a:gradFill rotWithShape="1">
+          <a:gsLst>
+            <a:gs pos="0">
+              <a:schemeClr val="phClr">
+                <a:tint val="40000"/>
+                <a:satMod val="350000"/>
+              </a:schemeClr>
+            </a:gs>
+            <a:gs pos="40000">
+              <a:schemeClr val="phClr">
+                <a:tint val="45000"/>
+                <a:shade val="99000"/>
+                <a:satMod val="350000"/>
+              </a:schemeClr>
+            </a:gs>
+            <a:gs pos="100000">
+              <a:schemeClr val="phClr">
+                <a:shade val="20000"/>
+                <a:satMod val="255000"/>
+              </a:schemeClr>
+            </a:gs>
+          </a:gsLst>
+          <a:path path="circle">
+            <a:fillToRect l="50000" t="-80000" r="50000" b="180000"/>
+          </a:path>
+        </a:gradFill>
+        <a:gradFill rotWithShape="1">
+          <a:gsLst>
+            <a:gs pos="0">
+              <a:schemeClr val="phClr">
+                <a:tint val="80000"/>
+                <a:satMod val="300000"/>
+              </a:schemeClr>
+            </a:gs>
+            <a:gs pos="100000">
+              <a:schemeClr val="phClr">
+                <a:shade val="30000"/>
+                <a:satMod val="200000"/>
+              </a:schemeClr>
+            </a:gs>
+          </a:gsLst>
+          <a:path path="circle">
+            <a:fillToRect l="50000" t="50000" r="50000" b="50000"/>
+          </a:path>
+        </a:gradFill>
+      </a:bgFillStyleLst>
+    </a:fmtScheme>
+  </a:themeElements>
+</a:theme>
+</file>
+
+<file path=ppt/theme/theme1.xml><?xml version="1.0" encoding="utf-8"?>
 <a:theme xmlns:a="http://schemas.openxmlformats.org/drawingml/2006/main" xmlns:r="http://schemas.openxmlformats.org/officeDocument/2006/relationships" name="Custom Theme">
   <a:themeElements>
     <a:clrScheme name="Default">
@@ -5145,283 +5412,4 @@
     </a:fmtScheme>
   </a:themeElements>
 </a:theme>
-</file>
-
-<file path=ppt/theme/theme1.xml><?xml version="1.0" encoding="utf-8"?>
-<a:theme xmlns:a="http://schemas.openxmlformats.org/drawingml/2006/main" xmlns:r="http://schemas.openxmlformats.org/officeDocument/2006/relationships" name="simple-light-2">
-  <a:themeElements>
-    <a:clrScheme name="Simple Light">
-      <a:dk1>
-        <a:srgbClr val="000000"/>
-      </a:dk1>
-      <a:lt1>
-        <a:srgbClr val="FFFFFF"/>
-      </a:lt1>
-      <a:dk2>
-        <a:srgbClr val="595959"/>
-      </a:dk2>
-      <a:lt2>
-        <a:srgbClr val="EEEEEE"/>
-      </a:lt2>
-      <a:accent1>
-        <a:srgbClr val="FFAB40"/>
-      </a:accent1>
-      <a:accent2>
-        <a:srgbClr val="212121"/>
-      </a:accent2>
-      <a:accent3>
-        <a:srgbClr val="78909C"/>
-      </a:accent3>
-      <a:accent4>
-        <a:srgbClr val="FFAB40"/>
-      </a:accent4>
-      <a:accent5>
-        <a:srgbClr val="0097A7"/>
-      </a:accent5>
-      <a:accent6>
-        <a:srgbClr val="EEFF41"/>
-      </a:accent6>
-      <a:hlink>
-        <a:srgbClr val="0097A7"/>
-      </a:hlink>
-      <a:folHlink>
-        <a:srgbClr val="0097A7"/>
-      </a:folHlink>
-    </a:clrScheme>
-    <a:fontScheme name="Office">
-      <a:majorFont>
-        <a:latin typeface="Arial"/>
-        <a:ea typeface=""/>
-        <a:cs typeface=""/>
-        <a:font script="Jpan" typeface="ＭＳ Ｐゴシック"/>
-        <a:font script="Hang" typeface="맑은 고딕"/>
-        <a:font script="Hans" typeface="宋体"/>
-        <a:font script="Hant" typeface="新細明體"/>
-        <a:font script="Arab" typeface="Times New Roman"/>
-        <a:font script="Hebr" typeface="Times New Roman"/>
-        <a:font script="Thai" typeface="Angsana New"/>
-        <a:font script="Ethi" typeface="Nyala"/>
-        <a:font script="Beng" typeface="Vrinda"/>
-        <a:font script="Gujr" typeface="Shruti"/>
-        <a:font script="Khmr" typeface="MoolBoran"/>
-        <a:font script="Knda" typeface="Tunga"/>
-        <a:font script="Guru" typeface="Raavi"/>
-        <a:font script="Cans" typeface="Euphemia"/>
-        <a:font script="Cher" typeface="Plantagenet Cherokee"/>
-        <a:font script="Yiii" typeface="Microsoft Yi Baiti"/>
-        <a:font script="Tibt" typeface="Microsoft Himalaya"/>
-        <a:font script="Thaa" typeface="MV Boli"/>
-        <a:font script="Deva" typeface="Mangal"/>
-        <a:font script="Telu" typeface="Gautami"/>
-        <a:font script="Taml" typeface="Latha"/>
-        <a:font script="Syrc" typeface="Estrangelo Edessa"/>
-        <a:font script="Orya" typeface="Kalinga"/>
-        <a:font script="Mlym" typeface="Kartika"/>
-        <a:font script="Laoo" typeface="DokChampa"/>
-        <a:font script="Sinh" typeface="Iskoola Pota"/>
-        <a:font script="Mong" typeface="Mongolian Baiti"/>
-        <a:font script="Viet" typeface="Times New Roman"/>
-        <a:font script="Uigh" typeface="Microsoft Uighur"/>
-        <a:font script="Geor" typeface="Sylfaen"/>
-      </a:majorFont>
-      <a:minorFont>
-        <a:latin typeface="Arial"/>
-        <a:ea typeface=""/>
-        <a:cs typeface=""/>
-        <a:font script="Jpan" typeface="ＭＳ Ｐゴシック"/>
-        <a:font script="Hang" typeface="맑은 고딕"/>
-        <a:font script="Hans" typeface="宋体"/>
-        <a:font script="Hant" typeface="新細明體"/>
-        <a:font script="Arab" typeface="Arial"/>
-        <a:font script="Hebr" typeface="Arial"/>
-        <a:font script="Thai" typeface="Cordia New"/>
-        <a:font script="Ethi" typeface="Nyala"/>
-        <a:font script="Beng" typeface="Vrinda"/>
-        <a:font script="Gujr" typeface="Shruti"/>
-        <a:font script="Khmr" typeface="DaunPenh"/>
-        <a:font script="Knda" typeface="Tunga"/>
-        <a:font script="Guru" typeface="Raavi"/>
-        <a:font script="Cans" typeface="Euphemia"/>
-        <a:font script="Cher" typeface="Plantagenet Cherokee"/>
-        <a:font script="Yiii" typeface="Microsoft Yi Baiti"/>
-        <a:font script="Tibt" typeface="Microsoft Himalaya"/>
-        <a:font script="Thaa" typeface="MV Boli"/>
-        <a:font script="Deva" typeface="Mangal"/>
-        <a:font script="Telu" typeface="Gautami"/>
-        <a:font script="Taml" typeface="Latha"/>
-        <a:font script="Syrc" typeface="Estrangelo Edessa"/>
-        <a:font script="Orya" typeface="Kalinga"/>
-        <a:font script="Mlym" typeface="Kartika"/>
-        <a:font script="Laoo" typeface="DokChampa"/>
-        <a:font script="Sinh" typeface="Iskoola Pota"/>
-        <a:font script="Mong" typeface="Mongolian Baiti"/>
-        <a:font script="Viet" typeface="Arial"/>
-        <a:font script="Uigh" typeface="Microsoft Uighur"/>
-        <a:font script="Geor" typeface="Sylfaen"/>
-      </a:minorFont>
-    </a:fontScheme>
-    <a:fmtScheme name="Office">
-      <a:fillStyleLst>
-        <a:solidFill>
-          <a:schemeClr val="phClr"/>
-        </a:solidFill>
-        <a:gradFill rotWithShape="1">
-          <a:gsLst>
-            <a:gs pos="0">
-              <a:schemeClr val="phClr">
-                <a:tint val="50000"/>
-                <a:satMod val="300000"/>
-              </a:schemeClr>
-            </a:gs>
-            <a:gs pos="35000">
-              <a:schemeClr val="phClr">
-                <a:tint val="37000"/>
-                <a:satMod val="300000"/>
-              </a:schemeClr>
-            </a:gs>
-            <a:gs pos="100000">
-              <a:schemeClr val="phClr">
-                <a:tint val="15000"/>
-                <a:satMod val="350000"/>
-              </a:schemeClr>
-            </a:gs>
-          </a:gsLst>
-          <a:lin ang="16200000" scaled="1"/>
-        </a:gradFill>
-        <a:gradFill rotWithShape="1">
-          <a:gsLst>
-            <a:gs pos="0">
-              <a:schemeClr val="phClr">
-                <a:tint val="100000"/>
-                <a:shade val="100000"/>
-                <a:satMod val="130000"/>
-              </a:schemeClr>
-            </a:gs>
-            <a:gs pos="100000">
-              <a:schemeClr val="phClr">
-                <a:tint val="50000"/>
-                <a:shade val="100000"/>
-                <a:satMod val="350000"/>
-              </a:schemeClr>
-            </a:gs>
-          </a:gsLst>
-          <a:lin ang="16200000" scaled="0"/>
-        </a:gradFill>
-      </a:fillStyleLst>
-      <a:lnStyleLst>
-        <a:ln w="9525" cap="flat" cmpd="sng" algn="ctr">
-          <a:solidFill>
-            <a:schemeClr val="phClr">
-              <a:shade val="95000"/>
-              <a:satMod val="105000"/>
-            </a:schemeClr>
-          </a:solidFill>
-          <a:prstDash val="solid"/>
-        </a:ln>
-        <a:ln w="25400" cap="flat" cmpd="sng" algn="ctr">
-          <a:solidFill>
-            <a:schemeClr val="phClr"/>
-          </a:solidFill>
-          <a:prstDash val="solid"/>
-        </a:ln>
-        <a:ln w="38100" cap="flat" cmpd="sng" algn="ctr">
-          <a:solidFill>
-            <a:schemeClr val="phClr"/>
-          </a:solidFill>
-          <a:prstDash val="solid"/>
-        </a:ln>
-      </a:lnStyleLst>
-      <a:effectStyleLst>
-        <a:effectStyle>
-          <a:effectLst>
-            <a:outerShdw blurRad="40000" dist="20000" dir="5400000" rotWithShape="0">
-              <a:srgbClr val="000000">
-                <a:alpha val="38000"/>
-              </a:srgbClr>
-            </a:outerShdw>
-          </a:effectLst>
-        </a:effectStyle>
-        <a:effectStyle>
-          <a:effectLst>
-            <a:outerShdw blurRad="40000" dist="23000" dir="5400000" rotWithShape="0">
-              <a:srgbClr val="000000">
-                <a:alpha val="35000"/>
-              </a:srgbClr>
-            </a:outerShdw>
-          </a:effectLst>
-        </a:effectStyle>
-        <a:effectStyle>
-          <a:effectLst>
-            <a:outerShdw blurRad="40000" dist="23000" dir="5400000" rotWithShape="0">
-              <a:srgbClr val="000000">
-                <a:alpha val="35000"/>
-              </a:srgbClr>
-            </a:outerShdw>
-          </a:effectLst>
-          <a:scene3d>
-            <a:camera prst="orthographicFront">
-              <a:rot lat="0" lon="0" rev="0"/>
-            </a:camera>
-            <a:lightRig rig="threePt" dir="t">
-              <a:rot lat="0" lon="0" rev="1200000"/>
-            </a:lightRig>
-          </a:scene3d>
-          <a:sp3d>
-            <a:bevelT w="63500" h="25400"/>
-          </a:sp3d>
-        </a:effectStyle>
-      </a:effectStyleLst>
-      <a:bgFillStyleLst>
-        <a:solidFill>
-          <a:schemeClr val="phClr"/>
-        </a:solidFill>
-        <a:gradFill rotWithShape="1">
-          <a:gsLst>
-            <a:gs pos="0">
-              <a:schemeClr val="phClr">
-                <a:tint val="40000"/>
-                <a:satMod val="350000"/>
-              </a:schemeClr>
-            </a:gs>
-            <a:gs pos="40000">
-              <a:schemeClr val="phClr">
-                <a:tint val="45000"/>
-                <a:shade val="99000"/>
-                <a:satMod val="350000"/>
-              </a:schemeClr>
-            </a:gs>
-            <a:gs pos="100000">
-              <a:schemeClr val="phClr">
-                <a:shade val="20000"/>
-                <a:satMod val="255000"/>
-              </a:schemeClr>
-            </a:gs>
-          </a:gsLst>
-          <a:path path="circle">
-            <a:fillToRect l="50000" t="-80000" r="50000" b="180000"/>
-          </a:path>
-        </a:gradFill>
-        <a:gradFill rotWithShape="1">
-          <a:gsLst>
-            <a:gs pos="0">
-              <a:schemeClr val="phClr">
-                <a:tint val="80000"/>
-                <a:satMod val="300000"/>
-              </a:schemeClr>
-            </a:gs>
-            <a:gs pos="100000">
-              <a:schemeClr val="phClr">
-                <a:shade val="30000"/>
-                <a:satMod val="200000"/>
-              </a:schemeClr>
-            </a:gs>
-          </a:gsLst>
-          <a:path path="circle">
-            <a:fillToRect l="50000" t="50000" r="50000" b="50000"/>
-          </a:path>
-        </a:gradFill>
-      </a:bgFillStyleLst>
-    </a:fmtScheme>
-  </a:themeElements>
-</a:theme>
 </file>
--- a/Presentations/P1.2 - Introducció a Ionic.pptx
+++ b/Presentations/P1.2 - Introducció a Ionic.pptx
@@ -11,16 +11,36 @@
     <p:sldId id="256" r:id="rId5"/>
     <p:sldId id="257" r:id="rId6"/>
     <p:sldId id="258" r:id="rId7"/>
+    <p:sldId id="259" r:id="rId8"/>
+    <p:sldId id="260" r:id="rId9"/>
+    <p:sldId id="261" r:id="rId10"/>
+    <p:sldId id="262" r:id="rId11"/>
+    <p:sldId id="263" r:id="rId12"/>
+    <p:sldId id="264" r:id="rId13"/>
+    <p:sldId id="265" r:id="rId14"/>
+    <p:sldId id="266" r:id="rId15"/>
+    <p:sldId id="267" r:id="rId16"/>
+    <p:sldId id="268" r:id="rId17"/>
+    <p:sldId id="269" r:id="rId18"/>
+    <p:sldId id="270" r:id="rId19"/>
+    <p:sldId id="271" r:id="rId20"/>
+    <p:sldId id="272" r:id="rId21"/>
+    <p:sldId id="273" r:id="rId22"/>
+    <p:sldId id="274" r:id="rId23"/>
+    <p:sldId id="275" r:id="rId24"/>
+    <p:sldId id="276" r:id="rId25"/>
+    <p:sldId id="277" r:id="rId26"/>
+    <p:sldId id="278" r:id="rId27"/>
   </p:sldIdLst>
   <p:sldSz cy="6858000" cx="9144000"/>
   <p:notesSz cx="6858000" cy="9144000"/>
   <p:embeddedFontLst>
     <p:embeddedFont>
       <p:font typeface="Open Sans"/>
-      <p:regular r:id="rId8"/>
-      <p:bold r:id="rId9"/>
-      <p:italic r:id="rId10"/>
-      <p:boldItalic r:id="rId11"/>
+      <p:regular r:id="rId28"/>
+      <p:bold r:id="rId29"/>
+      <p:italic r:id="rId30"/>
+      <p:boldItalic r:id="rId31"/>
     </p:embeddedFont>
   </p:embeddedFontLst>
   <p:defaultTextStyle>
@@ -435,16 +455,6 @@
               </a:path>
             </a:pathLst>
           </a:custGeom>
-          <a:noFill/>
-          <a:ln cap="flat" cmpd="sng" w="9525">
-            <a:solidFill>
-              <a:srgbClr val="000000"/>
-            </a:solidFill>
-            <a:prstDash val="solid"/>
-            <a:round/>
-            <a:headEnd len="med" w="med" type="none"/>
-            <a:tailEnd len="med" w="med" type="none"/>
-          </a:ln>
         </p:spPr>
       </p:sp>
       <p:sp>
@@ -540,16 +550,6 @@
               </a:path>
             </a:pathLst>
           </a:custGeom>
-          <a:noFill/>
-          <a:ln cap="flat" cmpd="sng" w="9525">
-            <a:solidFill>
-              <a:srgbClr val="000000"/>
-            </a:solidFill>
-            <a:prstDash val="solid"/>
-            <a:round/>
-            <a:headEnd len="med" w="med" type="none"/>
-            <a:tailEnd len="med" w="med" type="none"/>
-          </a:ln>
         </p:spPr>
       </p:sp>
       <p:sp>
@@ -576,6 +576,956 @@
           <a:lstStyle/>
           <a:p>
             <a:pPr lvl="0">
+              <a:spcBef>
+                <a:spcPts val="0"/>
+              </a:spcBef>
+              <a:buNone/>
+            </a:pPr>
+            <a:r>
+              <a:t/>
+            </a:r>
+            <a:endParaRPr/>
+          </a:p>
+        </p:txBody>
+      </p:sp>
+    </p:spTree>
+  </p:cSld>
+  <p:clrMapOvr>
+    <a:masterClrMapping/>
+  </p:clrMapOvr>
+</p:notes>
+</file>
+
+<file path=ppt/notesSlides/notesSlide10.xml><?xml version="1.0" encoding="utf-8"?>
+<p:notes xmlns:a="http://schemas.openxmlformats.org/drawingml/2006/main" xmlns:r="http://schemas.openxmlformats.org/officeDocument/2006/relationships" xmlns:mc="http://schemas.openxmlformats.org/markup-compatibility/2006" xmlns:mv="urn:schemas-microsoft-com:mac:vml" xmlns:p="http://schemas.openxmlformats.org/presentationml/2006/main" xmlns:c="http://schemas.openxmlformats.org/drawingml/2006/chart" xmlns:dgm="http://schemas.openxmlformats.org/drawingml/2006/diagram" xmlns:o="urn:schemas-microsoft-com:office:office" xmlns:v="urn:schemas-microsoft-com:vml" xmlns:pvml="urn:schemas-microsoft-com:office:powerpoint" xmlns:com="http://schemas.openxmlformats.org/drawingml/2006/compatibility" xmlns:p14="http://schemas.microsoft.com/office/powerpoint/2010/main" showMasterPhAnim="0" showMasterSp="0">
+  <p:cSld>
+    <p:spTree>
+      <p:nvGrpSpPr>
+        <p:cNvPr id="141" name="Shape 141"/>
+        <p:cNvGrpSpPr/>
+        <p:nvPr/>
+      </p:nvGrpSpPr>
+      <p:grpSpPr>
+        <a:xfrm>
+          <a:off x="0" y="0"/>
+          <a:ext cx="0" cy="0"/>
+          <a:chOff x="0" y="0"/>
+          <a:chExt cx="0" cy="0"/>
+        </a:xfrm>
+      </p:grpSpPr>
+      <p:sp>
+        <p:nvSpPr>
+          <p:cNvPr id="142" name="Shape 142"/>
+          <p:cNvSpPr/>
+          <p:nvPr>
+            <p:ph idx="2" type="sldImg"/>
+          </p:nvPr>
+        </p:nvSpPr>
+        <p:spPr>
+          <a:xfrm>
+            <a:off x="1143309" y="685800"/>
+            <a:ext cx="4572000" cy="3429000"/>
+          </a:xfrm>
+          <a:custGeom>
+            <a:pathLst>
+              <a:path extrusionOk="0" h="120000" w="120000">
+                <a:moveTo>
+                  <a:pt x="0" y="0"/>
+                </a:moveTo>
+                <a:lnTo>
+                  <a:pt x="120000" y="0"/>
+                </a:lnTo>
+                <a:lnTo>
+                  <a:pt x="120000" y="120000"/>
+                </a:lnTo>
+                <a:lnTo>
+                  <a:pt x="0" y="120000"/>
+                </a:lnTo>
+                <a:close/>
+              </a:path>
+            </a:pathLst>
+          </a:custGeom>
+        </p:spPr>
+      </p:sp>
+      <p:sp>
+        <p:nvSpPr>
+          <p:cNvPr id="143" name="Shape 143"/>
+          <p:cNvSpPr txBox="1"/>
+          <p:nvPr>
+            <p:ph idx="1" type="body"/>
+          </p:nvPr>
+        </p:nvSpPr>
+        <p:spPr>
+          <a:xfrm>
+            <a:off x="685800" y="4343400"/>
+            <a:ext cx="5486399" cy="4114800"/>
+          </a:xfrm>
+          <a:prstGeom prst="rect">
+            <a:avLst/>
+          </a:prstGeom>
+        </p:spPr>
+        <p:txBody>
+          <a:bodyPr anchorCtr="0" anchor="t" bIns="91425" lIns="91425" rIns="91425" tIns="91425">
+            <a:noAutofit/>
+          </a:bodyPr>
+          <a:lstStyle/>
+          <a:p>
+            <a:pPr lvl="0">
+              <a:spcBef>
+                <a:spcPts val="0"/>
+              </a:spcBef>
+              <a:buNone/>
+            </a:pPr>
+            <a:r>
+              <a:t/>
+            </a:r>
+            <a:endParaRPr/>
+          </a:p>
+        </p:txBody>
+      </p:sp>
+    </p:spTree>
+  </p:cSld>
+  <p:clrMapOvr>
+    <a:masterClrMapping/>
+  </p:clrMapOvr>
+</p:notes>
+</file>
+
+<file path=ppt/notesSlides/notesSlide11.xml><?xml version="1.0" encoding="utf-8"?>
+<p:notes xmlns:a="http://schemas.openxmlformats.org/drawingml/2006/main" xmlns:r="http://schemas.openxmlformats.org/officeDocument/2006/relationships" xmlns:mc="http://schemas.openxmlformats.org/markup-compatibility/2006" xmlns:mv="urn:schemas-microsoft-com:mac:vml" xmlns:p="http://schemas.openxmlformats.org/presentationml/2006/main" xmlns:c="http://schemas.openxmlformats.org/drawingml/2006/chart" xmlns:dgm="http://schemas.openxmlformats.org/drawingml/2006/diagram" xmlns:o="urn:schemas-microsoft-com:office:office" xmlns:v="urn:schemas-microsoft-com:vml" xmlns:pvml="urn:schemas-microsoft-com:office:powerpoint" xmlns:com="http://schemas.openxmlformats.org/drawingml/2006/compatibility" xmlns:p14="http://schemas.microsoft.com/office/powerpoint/2010/main" showMasterPhAnim="0" showMasterSp="0">
+  <p:cSld>
+    <p:spTree>
+      <p:nvGrpSpPr>
+        <p:cNvPr id="149" name="Shape 149"/>
+        <p:cNvGrpSpPr/>
+        <p:nvPr/>
+      </p:nvGrpSpPr>
+      <p:grpSpPr>
+        <a:xfrm>
+          <a:off x="0" y="0"/>
+          <a:ext cx="0" cy="0"/>
+          <a:chOff x="0" y="0"/>
+          <a:chExt cx="0" cy="0"/>
+        </a:xfrm>
+      </p:grpSpPr>
+      <p:sp>
+        <p:nvSpPr>
+          <p:cNvPr id="150" name="Shape 150"/>
+          <p:cNvSpPr/>
+          <p:nvPr>
+            <p:ph idx="2" type="sldImg"/>
+          </p:nvPr>
+        </p:nvSpPr>
+        <p:spPr>
+          <a:xfrm>
+            <a:off x="1143309" y="685800"/>
+            <a:ext cx="4572000" cy="3429000"/>
+          </a:xfrm>
+          <a:custGeom>
+            <a:pathLst>
+              <a:path extrusionOk="0" h="120000" w="120000">
+                <a:moveTo>
+                  <a:pt x="0" y="0"/>
+                </a:moveTo>
+                <a:lnTo>
+                  <a:pt x="120000" y="0"/>
+                </a:lnTo>
+                <a:lnTo>
+                  <a:pt x="120000" y="120000"/>
+                </a:lnTo>
+                <a:lnTo>
+                  <a:pt x="0" y="120000"/>
+                </a:lnTo>
+                <a:close/>
+              </a:path>
+            </a:pathLst>
+          </a:custGeom>
+        </p:spPr>
+      </p:sp>
+      <p:sp>
+        <p:nvSpPr>
+          <p:cNvPr id="151" name="Shape 151"/>
+          <p:cNvSpPr txBox="1"/>
+          <p:nvPr>
+            <p:ph idx="1" type="body"/>
+          </p:nvPr>
+        </p:nvSpPr>
+        <p:spPr>
+          <a:xfrm>
+            <a:off x="685800" y="4343400"/>
+            <a:ext cx="5486399" cy="4114800"/>
+          </a:xfrm>
+          <a:prstGeom prst="rect">
+            <a:avLst/>
+          </a:prstGeom>
+        </p:spPr>
+        <p:txBody>
+          <a:bodyPr anchorCtr="0" anchor="t" bIns="91425" lIns="91425" rIns="91425" tIns="91425">
+            <a:noAutofit/>
+          </a:bodyPr>
+          <a:lstStyle/>
+          <a:p>
+            <a:pPr lvl="0" rtl="0">
+              <a:spcBef>
+                <a:spcPts val="0"/>
+              </a:spcBef>
+              <a:buNone/>
+            </a:pPr>
+            <a:r>
+              <a:t/>
+            </a:r>
+            <a:endParaRPr/>
+          </a:p>
+        </p:txBody>
+      </p:sp>
+    </p:spTree>
+  </p:cSld>
+  <p:clrMapOvr>
+    <a:masterClrMapping/>
+  </p:clrMapOvr>
+</p:notes>
+</file>
+
+<file path=ppt/notesSlides/notesSlide12.xml><?xml version="1.0" encoding="utf-8"?>
+<p:notes xmlns:a="http://schemas.openxmlformats.org/drawingml/2006/main" xmlns:r="http://schemas.openxmlformats.org/officeDocument/2006/relationships" xmlns:mc="http://schemas.openxmlformats.org/markup-compatibility/2006" xmlns:mv="urn:schemas-microsoft-com:mac:vml" xmlns:p="http://schemas.openxmlformats.org/presentationml/2006/main" xmlns:c="http://schemas.openxmlformats.org/drawingml/2006/chart" xmlns:dgm="http://schemas.openxmlformats.org/drawingml/2006/diagram" xmlns:o="urn:schemas-microsoft-com:office:office" xmlns:v="urn:schemas-microsoft-com:vml" xmlns:pvml="urn:schemas-microsoft-com:office:powerpoint" xmlns:com="http://schemas.openxmlformats.org/drawingml/2006/compatibility" xmlns:p14="http://schemas.microsoft.com/office/powerpoint/2010/main" showMasterPhAnim="0" showMasterSp="0">
+  <p:cSld>
+    <p:spTree>
+      <p:nvGrpSpPr>
+        <p:cNvPr id="157" name="Shape 157"/>
+        <p:cNvGrpSpPr/>
+        <p:nvPr/>
+      </p:nvGrpSpPr>
+      <p:grpSpPr>
+        <a:xfrm>
+          <a:off x="0" y="0"/>
+          <a:ext cx="0" cy="0"/>
+          <a:chOff x="0" y="0"/>
+          <a:chExt cx="0" cy="0"/>
+        </a:xfrm>
+      </p:grpSpPr>
+      <p:sp>
+        <p:nvSpPr>
+          <p:cNvPr id="158" name="Shape 158"/>
+          <p:cNvSpPr/>
+          <p:nvPr>
+            <p:ph idx="2" type="sldImg"/>
+          </p:nvPr>
+        </p:nvSpPr>
+        <p:spPr>
+          <a:xfrm>
+            <a:off x="1143309" y="685800"/>
+            <a:ext cx="4572000" cy="3429000"/>
+          </a:xfrm>
+          <a:custGeom>
+            <a:pathLst>
+              <a:path extrusionOk="0" h="120000" w="120000">
+                <a:moveTo>
+                  <a:pt x="0" y="0"/>
+                </a:moveTo>
+                <a:lnTo>
+                  <a:pt x="120000" y="0"/>
+                </a:lnTo>
+                <a:lnTo>
+                  <a:pt x="120000" y="120000"/>
+                </a:lnTo>
+                <a:lnTo>
+                  <a:pt x="0" y="120000"/>
+                </a:lnTo>
+                <a:close/>
+              </a:path>
+            </a:pathLst>
+          </a:custGeom>
+        </p:spPr>
+      </p:sp>
+      <p:sp>
+        <p:nvSpPr>
+          <p:cNvPr id="159" name="Shape 159"/>
+          <p:cNvSpPr txBox="1"/>
+          <p:nvPr>
+            <p:ph idx="1" type="body"/>
+          </p:nvPr>
+        </p:nvSpPr>
+        <p:spPr>
+          <a:xfrm>
+            <a:off x="685800" y="4343400"/>
+            <a:ext cx="5486399" cy="4114800"/>
+          </a:xfrm>
+          <a:prstGeom prst="rect">
+            <a:avLst/>
+          </a:prstGeom>
+        </p:spPr>
+        <p:txBody>
+          <a:bodyPr anchorCtr="0" anchor="t" bIns="91425" lIns="91425" rIns="91425" tIns="91425">
+            <a:noAutofit/>
+          </a:bodyPr>
+          <a:lstStyle/>
+          <a:p>
+            <a:pPr lvl="0" rtl="0">
+              <a:spcBef>
+                <a:spcPts val="0"/>
+              </a:spcBef>
+              <a:buNone/>
+            </a:pPr>
+            <a:r>
+              <a:t/>
+            </a:r>
+            <a:endParaRPr/>
+          </a:p>
+        </p:txBody>
+      </p:sp>
+    </p:spTree>
+  </p:cSld>
+  <p:clrMapOvr>
+    <a:masterClrMapping/>
+  </p:clrMapOvr>
+</p:notes>
+</file>
+
+<file path=ppt/notesSlides/notesSlide13.xml><?xml version="1.0" encoding="utf-8"?>
+<p:notes xmlns:a="http://schemas.openxmlformats.org/drawingml/2006/main" xmlns:r="http://schemas.openxmlformats.org/officeDocument/2006/relationships" xmlns:mc="http://schemas.openxmlformats.org/markup-compatibility/2006" xmlns:mv="urn:schemas-microsoft-com:mac:vml" xmlns:p="http://schemas.openxmlformats.org/presentationml/2006/main" xmlns:c="http://schemas.openxmlformats.org/drawingml/2006/chart" xmlns:dgm="http://schemas.openxmlformats.org/drawingml/2006/diagram" xmlns:o="urn:schemas-microsoft-com:office:office" xmlns:v="urn:schemas-microsoft-com:vml" xmlns:pvml="urn:schemas-microsoft-com:office:powerpoint" xmlns:com="http://schemas.openxmlformats.org/drawingml/2006/compatibility" xmlns:p14="http://schemas.microsoft.com/office/powerpoint/2010/main" showMasterPhAnim="0" showMasterSp="0">
+  <p:cSld>
+    <p:spTree>
+      <p:nvGrpSpPr>
+        <p:cNvPr id="165" name="Shape 165"/>
+        <p:cNvGrpSpPr/>
+        <p:nvPr/>
+      </p:nvGrpSpPr>
+      <p:grpSpPr>
+        <a:xfrm>
+          <a:off x="0" y="0"/>
+          <a:ext cx="0" cy="0"/>
+          <a:chOff x="0" y="0"/>
+          <a:chExt cx="0" cy="0"/>
+        </a:xfrm>
+      </p:grpSpPr>
+      <p:sp>
+        <p:nvSpPr>
+          <p:cNvPr id="166" name="Shape 166"/>
+          <p:cNvSpPr/>
+          <p:nvPr>
+            <p:ph idx="2" type="sldImg"/>
+          </p:nvPr>
+        </p:nvSpPr>
+        <p:spPr>
+          <a:xfrm>
+            <a:off x="1143309" y="685800"/>
+            <a:ext cx="4572000" cy="3429000"/>
+          </a:xfrm>
+          <a:custGeom>
+            <a:pathLst>
+              <a:path extrusionOk="0" h="120000" w="120000">
+                <a:moveTo>
+                  <a:pt x="0" y="0"/>
+                </a:moveTo>
+                <a:lnTo>
+                  <a:pt x="120000" y="0"/>
+                </a:lnTo>
+                <a:lnTo>
+                  <a:pt x="120000" y="120000"/>
+                </a:lnTo>
+                <a:lnTo>
+                  <a:pt x="0" y="120000"/>
+                </a:lnTo>
+                <a:close/>
+              </a:path>
+            </a:pathLst>
+          </a:custGeom>
+        </p:spPr>
+      </p:sp>
+      <p:sp>
+        <p:nvSpPr>
+          <p:cNvPr id="167" name="Shape 167"/>
+          <p:cNvSpPr txBox="1"/>
+          <p:nvPr>
+            <p:ph idx="1" type="body"/>
+          </p:nvPr>
+        </p:nvSpPr>
+        <p:spPr>
+          <a:xfrm>
+            <a:off x="685800" y="4343400"/>
+            <a:ext cx="5486399" cy="4114800"/>
+          </a:xfrm>
+          <a:prstGeom prst="rect">
+            <a:avLst/>
+          </a:prstGeom>
+        </p:spPr>
+        <p:txBody>
+          <a:bodyPr anchorCtr="0" anchor="t" bIns="91425" lIns="91425" rIns="91425" tIns="91425">
+            <a:noAutofit/>
+          </a:bodyPr>
+          <a:lstStyle/>
+          <a:p>
+            <a:pPr lvl="0" rtl="0">
+              <a:spcBef>
+                <a:spcPts val="0"/>
+              </a:spcBef>
+              <a:buNone/>
+            </a:pPr>
+            <a:r>
+              <a:t/>
+            </a:r>
+            <a:endParaRPr/>
+          </a:p>
+        </p:txBody>
+      </p:sp>
+    </p:spTree>
+  </p:cSld>
+  <p:clrMapOvr>
+    <a:masterClrMapping/>
+  </p:clrMapOvr>
+</p:notes>
+</file>
+
+<file path=ppt/notesSlides/notesSlide14.xml><?xml version="1.0" encoding="utf-8"?>
+<p:notes xmlns:a="http://schemas.openxmlformats.org/drawingml/2006/main" xmlns:r="http://schemas.openxmlformats.org/officeDocument/2006/relationships" xmlns:mc="http://schemas.openxmlformats.org/markup-compatibility/2006" xmlns:mv="urn:schemas-microsoft-com:mac:vml" xmlns:p="http://schemas.openxmlformats.org/presentationml/2006/main" xmlns:c="http://schemas.openxmlformats.org/drawingml/2006/chart" xmlns:dgm="http://schemas.openxmlformats.org/drawingml/2006/diagram" xmlns:o="urn:schemas-microsoft-com:office:office" xmlns:v="urn:schemas-microsoft-com:vml" xmlns:pvml="urn:schemas-microsoft-com:office:powerpoint" xmlns:com="http://schemas.openxmlformats.org/drawingml/2006/compatibility" xmlns:p14="http://schemas.microsoft.com/office/powerpoint/2010/main" showMasterPhAnim="0" showMasterSp="0">
+  <p:cSld>
+    <p:spTree>
+      <p:nvGrpSpPr>
+        <p:cNvPr id="173" name="Shape 173"/>
+        <p:cNvGrpSpPr/>
+        <p:nvPr/>
+      </p:nvGrpSpPr>
+      <p:grpSpPr>
+        <a:xfrm>
+          <a:off x="0" y="0"/>
+          <a:ext cx="0" cy="0"/>
+          <a:chOff x="0" y="0"/>
+          <a:chExt cx="0" cy="0"/>
+        </a:xfrm>
+      </p:grpSpPr>
+      <p:sp>
+        <p:nvSpPr>
+          <p:cNvPr id="174" name="Shape 174"/>
+          <p:cNvSpPr/>
+          <p:nvPr>
+            <p:ph idx="2" type="sldImg"/>
+          </p:nvPr>
+        </p:nvSpPr>
+        <p:spPr>
+          <a:xfrm>
+            <a:off x="1143309" y="685800"/>
+            <a:ext cx="4572000" cy="3429000"/>
+          </a:xfrm>
+          <a:custGeom>
+            <a:pathLst>
+              <a:path extrusionOk="0" h="120000" w="120000">
+                <a:moveTo>
+                  <a:pt x="0" y="0"/>
+                </a:moveTo>
+                <a:lnTo>
+                  <a:pt x="120000" y="0"/>
+                </a:lnTo>
+                <a:lnTo>
+                  <a:pt x="120000" y="120000"/>
+                </a:lnTo>
+                <a:lnTo>
+                  <a:pt x="0" y="120000"/>
+                </a:lnTo>
+                <a:close/>
+              </a:path>
+            </a:pathLst>
+          </a:custGeom>
+        </p:spPr>
+      </p:sp>
+      <p:sp>
+        <p:nvSpPr>
+          <p:cNvPr id="175" name="Shape 175"/>
+          <p:cNvSpPr txBox="1"/>
+          <p:nvPr>
+            <p:ph idx="1" type="body"/>
+          </p:nvPr>
+        </p:nvSpPr>
+        <p:spPr>
+          <a:xfrm>
+            <a:off x="685800" y="4343400"/>
+            <a:ext cx="5486399" cy="4114800"/>
+          </a:xfrm>
+          <a:prstGeom prst="rect">
+            <a:avLst/>
+          </a:prstGeom>
+        </p:spPr>
+        <p:txBody>
+          <a:bodyPr anchorCtr="0" anchor="t" bIns="91425" lIns="91425" rIns="91425" tIns="91425">
+            <a:noAutofit/>
+          </a:bodyPr>
+          <a:lstStyle/>
+          <a:p>
+            <a:pPr lvl="0" rtl="0">
+              <a:spcBef>
+                <a:spcPts val="0"/>
+              </a:spcBef>
+              <a:buNone/>
+            </a:pPr>
+            <a:r>
+              <a:t/>
+            </a:r>
+            <a:endParaRPr/>
+          </a:p>
+        </p:txBody>
+      </p:sp>
+    </p:spTree>
+  </p:cSld>
+  <p:clrMapOvr>
+    <a:masterClrMapping/>
+  </p:clrMapOvr>
+</p:notes>
+</file>
+
+<file path=ppt/notesSlides/notesSlide15.xml><?xml version="1.0" encoding="utf-8"?>
+<p:notes xmlns:a="http://schemas.openxmlformats.org/drawingml/2006/main" xmlns:r="http://schemas.openxmlformats.org/officeDocument/2006/relationships" xmlns:mc="http://schemas.openxmlformats.org/markup-compatibility/2006" xmlns:mv="urn:schemas-microsoft-com:mac:vml" xmlns:p="http://schemas.openxmlformats.org/presentationml/2006/main" xmlns:c="http://schemas.openxmlformats.org/drawingml/2006/chart" xmlns:dgm="http://schemas.openxmlformats.org/drawingml/2006/diagram" xmlns:o="urn:schemas-microsoft-com:office:office" xmlns:v="urn:schemas-microsoft-com:vml" xmlns:pvml="urn:schemas-microsoft-com:office:powerpoint" xmlns:com="http://schemas.openxmlformats.org/drawingml/2006/compatibility" xmlns:p14="http://schemas.microsoft.com/office/powerpoint/2010/main" showMasterPhAnim="0" showMasterSp="0">
+  <p:cSld>
+    <p:spTree>
+      <p:nvGrpSpPr>
+        <p:cNvPr id="181" name="Shape 181"/>
+        <p:cNvGrpSpPr/>
+        <p:nvPr/>
+      </p:nvGrpSpPr>
+      <p:grpSpPr>
+        <a:xfrm>
+          <a:off x="0" y="0"/>
+          <a:ext cx="0" cy="0"/>
+          <a:chOff x="0" y="0"/>
+          <a:chExt cx="0" cy="0"/>
+        </a:xfrm>
+      </p:grpSpPr>
+      <p:sp>
+        <p:nvSpPr>
+          <p:cNvPr id="182" name="Shape 182"/>
+          <p:cNvSpPr/>
+          <p:nvPr>
+            <p:ph idx="2" type="sldImg"/>
+          </p:nvPr>
+        </p:nvSpPr>
+        <p:spPr>
+          <a:xfrm>
+            <a:off x="1143309" y="685800"/>
+            <a:ext cx="4572000" cy="3429000"/>
+          </a:xfrm>
+          <a:custGeom>
+            <a:pathLst>
+              <a:path extrusionOk="0" h="120000" w="120000">
+                <a:moveTo>
+                  <a:pt x="0" y="0"/>
+                </a:moveTo>
+                <a:lnTo>
+                  <a:pt x="120000" y="0"/>
+                </a:lnTo>
+                <a:lnTo>
+                  <a:pt x="120000" y="120000"/>
+                </a:lnTo>
+                <a:lnTo>
+                  <a:pt x="0" y="120000"/>
+                </a:lnTo>
+                <a:close/>
+              </a:path>
+            </a:pathLst>
+          </a:custGeom>
+        </p:spPr>
+      </p:sp>
+      <p:sp>
+        <p:nvSpPr>
+          <p:cNvPr id="183" name="Shape 183"/>
+          <p:cNvSpPr txBox="1"/>
+          <p:nvPr>
+            <p:ph idx="1" type="body"/>
+          </p:nvPr>
+        </p:nvSpPr>
+        <p:spPr>
+          <a:xfrm>
+            <a:off x="685800" y="4343400"/>
+            <a:ext cx="5486399" cy="4114800"/>
+          </a:xfrm>
+          <a:prstGeom prst="rect">
+            <a:avLst/>
+          </a:prstGeom>
+        </p:spPr>
+        <p:txBody>
+          <a:bodyPr anchorCtr="0" anchor="t" bIns="91425" lIns="91425" rIns="91425" tIns="91425">
+            <a:noAutofit/>
+          </a:bodyPr>
+          <a:lstStyle/>
+          <a:p>
+            <a:pPr lvl="0" rtl="0">
+              <a:spcBef>
+                <a:spcPts val="0"/>
+              </a:spcBef>
+              <a:buNone/>
+            </a:pPr>
+            <a:r>
+              <a:t/>
+            </a:r>
+            <a:endParaRPr/>
+          </a:p>
+        </p:txBody>
+      </p:sp>
+    </p:spTree>
+  </p:cSld>
+  <p:clrMapOvr>
+    <a:masterClrMapping/>
+  </p:clrMapOvr>
+</p:notes>
+</file>
+
+<file path=ppt/notesSlides/notesSlide16.xml><?xml version="1.0" encoding="utf-8"?>
+<p:notes xmlns:a="http://schemas.openxmlformats.org/drawingml/2006/main" xmlns:r="http://schemas.openxmlformats.org/officeDocument/2006/relationships" xmlns:mc="http://schemas.openxmlformats.org/markup-compatibility/2006" xmlns:mv="urn:schemas-microsoft-com:mac:vml" xmlns:p="http://schemas.openxmlformats.org/presentationml/2006/main" xmlns:c="http://schemas.openxmlformats.org/drawingml/2006/chart" xmlns:dgm="http://schemas.openxmlformats.org/drawingml/2006/diagram" xmlns:o="urn:schemas-microsoft-com:office:office" xmlns:v="urn:schemas-microsoft-com:vml" xmlns:pvml="urn:schemas-microsoft-com:office:powerpoint" xmlns:com="http://schemas.openxmlformats.org/drawingml/2006/compatibility" xmlns:p14="http://schemas.microsoft.com/office/powerpoint/2010/main" showMasterPhAnim="0" showMasterSp="0">
+  <p:cSld>
+    <p:spTree>
+      <p:nvGrpSpPr>
+        <p:cNvPr id="189" name="Shape 189"/>
+        <p:cNvGrpSpPr/>
+        <p:nvPr/>
+      </p:nvGrpSpPr>
+      <p:grpSpPr>
+        <a:xfrm>
+          <a:off x="0" y="0"/>
+          <a:ext cx="0" cy="0"/>
+          <a:chOff x="0" y="0"/>
+          <a:chExt cx="0" cy="0"/>
+        </a:xfrm>
+      </p:grpSpPr>
+      <p:sp>
+        <p:nvSpPr>
+          <p:cNvPr id="190" name="Shape 190"/>
+          <p:cNvSpPr/>
+          <p:nvPr>
+            <p:ph idx="2" type="sldImg"/>
+          </p:nvPr>
+        </p:nvSpPr>
+        <p:spPr>
+          <a:xfrm>
+            <a:off x="1143309" y="685800"/>
+            <a:ext cx="4572000" cy="3429000"/>
+          </a:xfrm>
+          <a:custGeom>
+            <a:pathLst>
+              <a:path extrusionOk="0" h="120000" w="120000">
+                <a:moveTo>
+                  <a:pt x="0" y="0"/>
+                </a:moveTo>
+                <a:lnTo>
+                  <a:pt x="120000" y="0"/>
+                </a:lnTo>
+                <a:lnTo>
+                  <a:pt x="120000" y="120000"/>
+                </a:lnTo>
+                <a:lnTo>
+                  <a:pt x="0" y="120000"/>
+                </a:lnTo>
+                <a:close/>
+              </a:path>
+            </a:pathLst>
+          </a:custGeom>
+        </p:spPr>
+      </p:sp>
+      <p:sp>
+        <p:nvSpPr>
+          <p:cNvPr id="191" name="Shape 191"/>
+          <p:cNvSpPr txBox="1"/>
+          <p:nvPr>
+            <p:ph idx="1" type="body"/>
+          </p:nvPr>
+        </p:nvSpPr>
+        <p:spPr>
+          <a:xfrm>
+            <a:off x="685800" y="4343400"/>
+            <a:ext cx="5486399" cy="4114800"/>
+          </a:xfrm>
+          <a:prstGeom prst="rect">
+            <a:avLst/>
+          </a:prstGeom>
+        </p:spPr>
+        <p:txBody>
+          <a:bodyPr anchorCtr="0" anchor="t" bIns="91425" lIns="91425" rIns="91425" tIns="91425">
+            <a:noAutofit/>
+          </a:bodyPr>
+          <a:lstStyle/>
+          <a:p>
+            <a:pPr lvl="0" rtl="0">
+              <a:spcBef>
+                <a:spcPts val="0"/>
+              </a:spcBef>
+              <a:buNone/>
+            </a:pPr>
+            <a:r>
+              <a:t/>
+            </a:r>
+            <a:endParaRPr/>
+          </a:p>
+        </p:txBody>
+      </p:sp>
+    </p:spTree>
+  </p:cSld>
+  <p:clrMapOvr>
+    <a:masterClrMapping/>
+  </p:clrMapOvr>
+</p:notes>
+</file>
+
+<file path=ppt/notesSlides/notesSlide17.xml><?xml version="1.0" encoding="utf-8"?>
+<p:notes xmlns:a="http://schemas.openxmlformats.org/drawingml/2006/main" xmlns:r="http://schemas.openxmlformats.org/officeDocument/2006/relationships" xmlns:mc="http://schemas.openxmlformats.org/markup-compatibility/2006" xmlns:mv="urn:schemas-microsoft-com:mac:vml" xmlns:p="http://schemas.openxmlformats.org/presentationml/2006/main" xmlns:c="http://schemas.openxmlformats.org/drawingml/2006/chart" xmlns:dgm="http://schemas.openxmlformats.org/drawingml/2006/diagram" xmlns:o="urn:schemas-microsoft-com:office:office" xmlns:v="urn:schemas-microsoft-com:vml" xmlns:pvml="urn:schemas-microsoft-com:office:powerpoint" xmlns:com="http://schemas.openxmlformats.org/drawingml/2006/compatibility" xmlns:p14="http://schemas.microsoft.com/office/powerpoint/2010/main" showMasterPhAnim="0" showMasterSp="0">
+  <p:cSld>
+    <p:spTree>
+      <p:nvGrpSpPr>
+        <p:cNvPr id="197" name="Shape 197"/>
+        <p:cNvGrpSpPr/>
+        <p:nvPr/>
+      </p:nvGrpSpPr>
+      <p:grpSpPr>
+        <a:xfrm>
+          <a:off x="0" y="0"/>
+          <a:ext cx="0" cy="0"/>
+          <a:chOff x="0" y="0"/>
+          <a:chExt cx="0" cy="0"/>
+        </a:xfrm>
+      </p:grpSpPr>
+      <p:sp>
+        <p:nvSpPr>
+          <p:cNvPr id="198" name="Shape 198"/>
+          <p:cNvSpPr/>
+          <p:nvPr>
+            <p:ph idx="2" type="sldImg"/>
+          </p:nvPr>
+        </p:nvSpPr>
+        <p:spPr>
+          <a:xfrm>
+            <a:off x="1143309" y="685800"/>
+            <a:ext cx="4572000" cy="3429000"/>
+          </a:xfrm>
+          <a:custGeom>
+            <a:pathLst>
+              <a:path extrusionOk="0" h="120000" w="120000">
+                <a:moveTo>
+                  <a:pt x="0" y="0"/>
+                </a:moveTo>
+                <a:lnTo>
+                  <a:pt x="120000" y="0"/>
+                </a:lnTo>
+                <a:lnTo>
+                  <a:pt x="120000" y="120000"/>
+                </a:lnTo>
+                <a:lnTo>
+                  <a:pt x="0" y="120000"/>
+                </a:lnTo>
+                <a:close/>
+              </a:path>
+            </a:pathLst>
+          </a:custGeom>
+        </p:spPr>
+      </p:sp>
+      <p:sp>
+        <p:nvSpPr>
+          <p:cNvPr id="199" name="Shape 199"/>
+          <p:cNvSpPr txBox="1"/>
+          <p:nvPr>
+            <p:ph idx="1" type="body"/>
+          </p:nvPr>
+        </p:nvSpPr>
+        <p:spPr>
+          <a:xfrm>
+            <a:off x="685800" y="4343400"/>
+            <a:ext cx="5486399" cy="4114800"/>
+          </a:xfrm>
+          <a:prstGeom prst="rect">
+            <a:avLst/>
+          </a:prstGeom>
+        </p:spPr>
+        <p:txBody>
+          <a:bodyPr anchorCtr="0" anchor="t" bIns="91425" lIns="91425" rIns="91425" tIns="91425">
+            <a:noAutofit/>
+          </a:bodyPr>
+          <a:lstStyle/>
+          <a:p>
+            <a:pPr lvl="0" rtl="0">
+              <a:spcBef>
+                <a:spcPts val="0"/>
+              </a:spcBef>
+              <a:buNone/>
+            </a:pPr>
+            <a:r>
+              <a:t/>
+            </a:r>
+            <a:endParaRPr/>
+          </a:p>
+        </p:txBody>
+      </p:sp>
+    </p:spTree>
+  </p:cSld>
+  <p:clrMapOvr>
+    <a:masterClrMapping/>
+  </p:clrMapOvr>
+</p:notes>
+</file>
+
+<file path=ppt/notesSlides/notesSlide18.xml><?xml version="1.0" encoding="utf-8"?>
+<p:notes xmlns:a="http://schemas.openxmlformats.org/drawingml/2006/main" xmlns:r="http://schemas.openxmlformats.org/officeDocument/2006/relationships" xmlns:mc="http://schemas.openxmlformats.org/markup-compatibility/2006" xmlns:mv="urn:schemas-microsoft-com:mac:vml" xmlns:p="http://schemas.openxmlformats.org/presentationml/2006/main" xmlns:c="http://schemas.openxmlformats.org/drawingml/2006/chart" xmlns:dgm="http://schemas.openxmlformats.org/drawingml/2006/diagram" xmlns:o="urn:schemas-microsoft-com:office:office" xmlns:v="urn:schemas-microsoft-com:vml" xmlns:pvml="urn:schemas-microsoft-com:office:powerpoint" xmlns:com="http://schemas.openxmlformats.org/drawingml/2006/compatibility" xmlns:p14="http://schemas.microsoft.com/office/powerpoint/2010/main" showMasterPhAnim="0" showMasterSp="0">
+  <p:cSld>
+    <p:spTree>
+      <p:nvGrpSpPr>
+        <p:cNvPr id="205" name="Shape 205"/>
+        <p:cNvGrpSpPr/>
+        <p:nvPr/>
+      </p:nvGrpSpPr>
+      <p:grpSpPr>
+        <a:xfrm>
+          <a:off x="0" y="0"/>
+          <a:ext cx="0" cy="0"/>
+          <a:chOff x="0" y="0"/>
+          <a:chExt cx="0" cy="0"/>
+        </a:xfrm>
+      </p:grpSpPr>
+      <p:sp>
+        <p:nvSpPr>
+          <p:cNvPr id="206" name="Shape 206"/>
+          <p:cNvSpPr/>
+          <p:nvPr>
+            <p:ph idx="2" type="sldImg"/>
+          </p:nvPr>
+        </p:nvSpPr>
+        <p:spPr>
+          <a:xfrm>
+            <a:off x="1143309" y="685800"/>
+            <a:ext cx="4572000" cy="3429000"/>
+          </a:xfrm>
+          <a:custGeom>
+            <a:pathLst>
+              <a:path extrusionOk="0" h="120000" w="120000">
+                <a:moveTo>
+                  <a:pt x="0" y="0"/>
+                </a:moveTo>
+                <a:lnTo>
+                  <a:pt x="120000" y="0"/>
+                </a:lnTo>
+                <a:lnTo>
+                  <a:pt x="120000" y="120000"/>
+                </a:lnTo>
+                <a:lnTo>
+                  <a:pt x="0" y="120000"/>
+                </a:lnTo>
+                <a:close/>
+              </a:path>
+            </a:pathLst>
+          </a:custGeom>
+        </p:spPr>
+      </p:sp>
+      <p:sp>
+        <p:nvSpPr>
+          <p:cNvPr id="207" name="Shape 207"/>
+          <p:cNvSpPr txBox="1"/>
+          <p:nvPr>
+            <p:ph idx="1" type="body"/>
+          </p:nvPr>
+        </p:nvSpPr>
+        <p:spPr>
+          <a:xfrm>
+            <a:off x="685800" y="4343400"/>
+            <a:ext cx="5486399" cy="4114800"/>
+          </a:xfrm>
+          <a:prstGeom prst="rect">
+            <a:avLst/>
+          </a:prstGeom>
+        </p:spPr>
+        <p:txBody>
+          <a:bodyPr anchorCtr="0" anchor="t" bIns="91425" lIns="91425" rIns="91425" tIns="91425">
+            <a:noAutofit/>
+          </a:bodyPr>
+          <a:lstStyle/>
+          <a:p>
+            <a:pPr lvl="0" rtl="0">
+              <a:spcBef>
+                <a:spcPts val="0"/>
+              </a:spcBef>
+              <a:buNone/>
+            </a:pPr>
+            <a:r>
+              <a:t/>
+            </a:r>
+            <a:endParaRPr/>
+          </a:p>
+        </p:txBody>
+      </p:sp>
+    </p:spTree>
+  </p:cSld>
+  <p:clrMapOvr>
+    <a:masterClrMapping/>
+  </p:clrMapOvr>
+</p:notes>
+</file>
+
+<file path=ppt/notesSlides/notesSlide19.xml><?xml version="1.0" encoding="utf-8"?>
+<p:notes xmlns:a="http://schemas.openxmlformats.org/drawingml/2006/main" xmlns:r="http://schemas.openxmlformats.org/officeDocument/2006/relationships" xmlns:mc="http://schemas.openxmlformats.org/markup-compatibility/2006" xmlns:mv="urn:schemas-microsoft-com:mac:vml" xmlns:p="http://schemas.openxmlformats.org/presentationml/2006/main" xmlns:c="http://schemas.openxmlformats.org/drawingml/2006/chart" xmlns:dgm="http://schemas.openxmlformats.org/drawingml/2006/diagram" xmlns:o="urn:schemas-microsoft-com:office:office" xmlns:v="urn:schemas-microsoft-com:vml" xmlns:pvml="urn:schemas-microsoft-com:office:powerpoint" xmlns:com="http://schemas.openxmlformats.org/drawingml/2006/compatibility" xmlns:p14="http://schemas.microsoft.com/office/powerpoint/2010/main" showMasterPhAnim="0" showMasterSp="0">
+  <p:cSld>
+    <p:spTree>
+      <p:nvGrpSpPr>
+        <p:cNvPr id="213" name="Shape 213"/>
+        <p:cNvGrpSpPr/>
+        <p:nvPr/>
+      </p:nvGrpSpPr>
+      <p:grpSpPr>
+        <a:xfrm>
+          <a:off x="0" y="0"/>
+          <a:ext cx="0" cy="0"/>
+          <a:chOff x="0" y="0"/>
+          <a:chExt cx="0" cy="0"/>
+        </a:xfrm>
+      </p:grpSpPr>
+      <p:sp>
+        <p:nvSpPr>
+          <p:cNvPr id="214" name="Shape 214"/>
+          <p:cNvSpPr/>
+          <p:nvPr>
+            <p:ph idx="2" type="sldImg"/>
+          </p:nvPr>
+        </p:nvSpPr>
+        <p:spPr>
+          <a:xfrm>
+            <a:off x="1143309" y="685800"/>
+            <a:ext cx="4572000" cy="3429000"/>
+          </a:xfrm>
+          <a:custGeom>
+            <a:pathLst>
+              <a:path extrusionOk="0" h="120000" w="120000">
+                <a:moveTo>
+                  <a:pt x="0" y="0"/>
+                </a:moveTo>
+                <a:lnTo>
+                  <a:pt x="120000" y="0"/>
+                </a:lnTo>
+                <a:lnTo>
+                  <a:pt x="120000" y="120000"/>
+                </a:lnTo>
+                <a:lnTo>
+                  <a:pt x="0" y="120000"/>
+                </a:lnTo>
+                <a:close/>
+              </a:path>
+            </a:pathLst>
+          </a:custGeom>
+        </p:spPr>
+      </p:sp>
+      <p:sp>
+        <p:nvSpPr>
+          <p:cNvPr id="215" name="Shape 215"/>
+          <p:cNvSpPr txBox="1"/>
+          <p:nvPr>
+            <p:ph idx="1" type="body"/>
+          </p:nvPr>
+        </p:nvSpPr>
+        <p:spPr>
+          <a:xfrm>
+            <a:off x="685800" y="4343400"/>
+            <a:ext cx="5486399" cy="4114800"/>
+          </a:xfrm>
+          <a:prstGeom prst="rect">
+            <a:avLst/>
+          </a:prstGeom>
+        </p:spPr>
+        <p:txBody>
+          <a:bodyPr anchorCtr="0" anchor="t" bIns="91425" lIns="91425" rIns="91425" tIns="91425">
+            <a:noAutofit/>
+          </a:bodyPr>
+          <a:lstStyle/>
+          <a:p>
+            <a:pPr lvl="0" rtl="0">
               <a:spcBef>
                 <a:spcPts val="0"/>
               </a:spcBef>
@@ -623,8 +1573,8 @@
         </p:nvSpPr>
         <p:spPr>
           <a:xfrm>
-            <a:off x="1143210" y="685800"/>
-            <a:ext cx="4572225" cy="3429000"/>
+            <a:off x="1143309" y="685800"/>
+            <a:ext cx="4572000" cy="3429000"/>
           </a:xfrm>
           <a:custGeom>
             <a:pathLst>
@@ -645,16 +1595,6 @@
               </a:path>
             </a:pathLst>
           </a:custGeom>
-          <a:noFill/>
-          <a:ln cap="flat" cmpd="sng" w="9525">
-            <a:solidFill>
-              <a:srgbClr val="000000"/>
-            </a:solidFill>
-            <a:prstDash val="solid"/>
-            <a:round/>
-            <a:headEnd len="med" w="med" type="none"/>
-            <a:tailEnd len="med" w="med" type="none"/>
-          </a:ln>
         </p:spPr>
       </p:sp>
       <p:sp>
@@ -680,6 +1620,196 @@
           </a:bodyPr>
           <a:lstStyle/>
           <a:p>
+            <a:pPr lvl="0" rtl="0">
+              <a:spcBef>
+                <a:spcPts val="0"/>
+              </a:spcBef>
+              <a:buNone/>
+            </a:pPr>
+            <a:r>
+              <a:t/>
+            </a:r>
+            <a:endParaRPr/>
+          </a:p>
+        </p:txBody>
+      </p:sp>
+    </p:spTree>
+  </p:cSld>
+  <p:clrMapOvr>
+    <a:masterClrMapping/>
+  </p:clrMapOvr>
+</p:notes>
+</file>
+
+<file path=ppt/notesSlides/notesSlide20.xml><?xml version="1.0" encoding="utf-8"?>
+<p:notes xmlns:a="http://schemas.openxmlformats.org/drawingml/2006/main" xmlns:r="http://schemas.openxmlformats.org/officeDocument/2006/relationships" xmlns:mc="http://schemas.openxmlformats.org/markup-compatibility/2006" xmlns:mv="urn:schemas-microsoft-com:mac:vml" xmlns:p="http://schemas.openxmlformats.org/presentationml/2006/main" xmlns:c="http://schemas.openxmlformats.org/drawingml/2006/chart" xmlns:dgm="http://schemas.openxmlformats.org/drawingml/2006/diagram" xmlns:o="urn:schemas-microsoft-com:office:office" xmlns:v="urn:schemas-microsoft-com:vml" xmlns:pvml="urn:schemas-microsoft-com:office:powerpoint" xmlns:com="http://schemas.openxmlformats.org/drawingml/2006/compatibility" xmlns:p14="http://schemas.microsoft.com/office/powerpoint/2010/main" showMasterPhAnim="0" showMasterSp="0">
+  <p:cSld>
+    <p:spTree>
+      <p:nvGrpSpPr>
+        <p:cNvPr id="221" name="Shape 221"/>
+        <p:cNvGrpSpPr/>
+        <p:nvPr/>
+      </p:nvGrpSpPr>
+      <p:grpSpPr>
+        <a:xfrm>
+          <a:off x="0" y="0"/>
+          <a:ext cx="0" cy="0"/>
+          <a:chOff x="0" y="0"/>
+          <a:chExt cx="0" cy="0"/>
+        </a:xfrm>
+      </p:grpSpPr>
+      <p:sp>
+        <p:nvSpPr>
+          <p:cNvPr id="222" name="Shape 222"/>
+          <p:cNvSpPr/>
+          <p:nvPr>
+            <p:ph idx="2" type="sldImg"/>
+          </p:nvPr>
+        </p:nvSpPr>
+        <p:spPr>
+          <a:xfrm>
+            <a:off x="1143309" y="685800"/>
+            <a:ext cx="4572000" cy="3429000"/>
+          </a:xfrm>
+          <a:custGeom>
+            <a:pathLst>
+              <a:path extrusionOk="0" h="120000" w="120000">
+                <a:moveTo>
+                  <a:pt x="0" y="0"/>
+                </a:moveTo>
+                <a:lnTo>
+                  <a:pt x="120000" y="0"/>
+                </a:lnTo>
+                <a:lnTo>
+                  <a:pt x="120000" y="120000"/>
+                </a:lnTo>
+                <a:lnTo>
+                  <a:pt x="0" y="120000"/>
+                </a:lnTo>
+                <a:close/>
+              </a:path>
+            </a:pathLst>
+          </a:custGeom>
+        </p:spPr>
+      </p:sp>
+      <p:sp>
+        <p:nvSpPr>
+          <p:cNvPr id="223" name="Shape 223"/>
+          <p:cNvSpPr txBox="1"/>
+          <p:nvPr>
+            <p:ph idx="1" type="body"/>
+          </p:nvPr>
+        </p:nvSpPr>
+        <p:spPr>
+          <a:xfrm>
+            <a:off x="685800" y="4343400"/>
+            <a:ext cx="5486399" cy="4114800"/>
+          </a:xfrm>
+          <a:prstGeom prst="rect">
+            <a:avLst/>
+          </a:prstGeom>
+        </p:spPr>
+        <p:txBody>
+          <a:bodyPr anchorCtr="0" anchor="t" bIns="91425" lIns="91425" rIns="91425" tIns="91425">
+            <a:noAutofit/>
+          </a:bodyPr>
+          <a:lstStyle/>
+          <a:p>
+            <a:pPr lvl="0" rtl="0">
+              <a:spcBef>
+                <a:spcPts val="0"/>
+              </a:spcBef>
+              <a:buNone/>
+            </a:pPr>
+            <a:r>
+              <a:t/>
+            </a:r>
+            <a:endParaRPr/>
+          </a:p>
+        </p:txBody>
+      </p:sp>
+    </p:spTree>
+  </p:cSld>
+  <p:clrMapOvr>
+    <a:masterClrMapping/>
+  </p:clrMapOvr>
+</p:notes>
+</file>
+
+<file path=ppt/notesSlides/notesSlide21.xml><?xml version="1.0" encoding="utf-8"?>
+<p:notes xmlns:a="http://schemas.openxmlformats.org/drawingml/2006/main" xmlns:r="http://schemas.openxmlformats.org/officeDocument/2006/relationships" xmlns:mc="http://schemas.openxmlformats.org/markup-compatibility/2006" xmlns:mv="urn:schemas-microsoft-com:mac:vml" xmlns:p="http://schemas.openxmlformats.org/presentationml/2006/main" xmlns:c="http://schemas.openxmlformats.org/drawingml/2006/chart" xmlns:dgm="http://schemas.openxmlformats.org/drawingml/2006/diagram" xmlns:o="urn:schemas-microsoft-com:office:office" xmlns:v="urn:schemas-microsoft-com:vml" xmlns:pvml="urn:schemas-microsoft-com:office:powerpoint" xmlns:com="http://schemas.openxmlformats.org/drawingml/2006/compatibility" xmlns:p14="http://schemas.microsoft.com/office/powerpoint/2010/main" showMasterPhAnim="0" showMasterSp="0">
+  <p:cSld>
+    <p:spTree>
+      <p:nvGrpSpPr>
+        <p:cNvPr id="229" name="Shape 229"/>
+        <p:cNvGrpSpPr/>
+        <p:nvPr/>
+      </p:nvGrpSpPr>
+      <p:grpSpPr>
+        <a:xfrm>
+          <a:off x="0" y="0"/>
+          <a:ext cx="0" cy="0"/>
+          <a:chOff x="0" y="0"/>
+          <a:chExt cx="0" cy="0"/>
+        </a:xfrm>
+      </p:grpSpPr>
+      <p:sp>
+        <p:nvSpPr>
+          <p:cNvPr id="230" name="Shape 230"/>
+          <p:cNvSpPr/>
+          <p:nvPr>
+            <p:ph idx="2" type="sldImg"/>
+          </p:nvPr>
+        </p:nvSpPr>
+        <p:spPr>
+          <a:xfrm>
+            <a:off x="1143210" y="685800"/>
+            <a:ext cx="4572225" cy="3429000"/>
+          </a:xfrm>
+          <a:custGeom>
+            <a:pathLst>
+              <a:path extrusionOk="0" h="120000" w="120000">
+                <a:moveTo>
+                  <a:pt x="0" y="0"/>
+                </a:moveTo>
+                <a:lnTo>
+                  <a:pt x="120000" y="0"/>
+                </a:lnTo>
+                <a:lnTo>
+                  <a:pt x="120000" y="120000"/>
+                </a:lnTo>
+                <a:lnTo>
+                  <a:pt x="0" y="120000"/>
+                </a:lnTo>
+                <a:close/>
+              </a:path>
+            </a:pathLst>
+          </a:custGeom>
+        </p:spPr>
+      </p:sp>
+      <p:sp>
+        <p:nvSpPr>
+          <p:cNvPr id="231" name="Shape 231"/>
+          <p:cNvSpPr txBox="1"/>
+          <p:nvPr>
+            <p:ph idx="1" type="body"/>
+          </p:nvPr>
+        </p:nvSpPr>
+        <p:spPr>
+          <a:xfrm>
+            <a:off x="685800" y="4343400"/>
+            <a:ext cx="5486399" cy="4114800"/>
+          </a:xfrm>
+          <a:prstGeom prst="rect">
+            <a:avLst/>
+          </a:prstGeom>
+        </p:spPr>
+        <p:txBody>
+          <a:bodyPr anchorCtr="0" anchor="t" bIns="91425" lIns="91425" rIns="91425" tIns="91425">
+            <a:noAutofit/>
+          </a:bodyPr>
+          <a:lstStyle/>
+          <a:p>
             <a:pPr lvl="0">
               <a:spcBef>
                 <a:spcPts val="0"/>
@@ -690,6 +1820,1026 @@
               <a:rPr lang="en"/>
               <a:t>Presentación de Gavi!</a:t>
             </a:r>
+          </a:p>
+        </p:txBody>
+      </p:sp>
+    </p:spTree>
+  </p:cSld>
+  <p:clrMapOvr>
+    <a:masterClrMapping/>
+  </p:clrMapOvr>
+</p:notes>
+</file>
+
+<file path=ppt/notesSlides/notesSlide22.xml><?xml version="1.0" encoding="utf-8"?>
+<p:notes xmlns:a="http://schemas.openxmlformats.org/drawingml/2006/main" xmlns:r="http://schemas.openxmlformats.org/officeDocument/2006/relationships" xmlns:mc="http://schemas.openxmlformats.org/markup-compatibility/2006" xmlns:mv="urn:schemas-microsoft-com:mac:vml" xmlns:p="http://schemas.openxmlformats.org/presentationml/2006/main" xmlns:c="http://schemas.openxmlformats.org/drawingml/2006/chart" xmlns:dgm="http://schemas.openxmlformats.org/drawingml/2006/diagram" xmlns:o="urn:schemas-microsoft-com:office:office" xmlns:v="urn:schemas-microsoft-com:vml" xmlns:pvml="urn:schemas-microsoft-com:office:powerpoint" xmlns:com="http://schemas.openxmlformats.org/drawingml/2006/compatibility" xmlns:p14="http://schemas.microsoft.com/office/powerpoint/2010/main" showMasterPhAnim="0" showMasterSp="0">
+  <p:cSld>
+    <p:spTree>
+      <p:nvGrpSpPr>
+        <p:cNvPr id="235" name="Shape 235"/>
+        <p:cNvGrpSpPr/>
+        <p:nvPr/>
+      </p:nvGrpSpPr>
+      <p:grpSpPr>
+        <a:xfrm>
+          <a:off x="0" y="0"/>
+          <a:ext cx="0" cy="0"/>
+          <a:chOff x="0" y="0"/>
+          <a:chExt cx="0" cy="0"/>
+        </a:xfrm>
+      </p:grpSpPr>
+      <p:sp>
+        <p:nvSpPr>
+          <p:cNvPr id="236" name="Shape 236"/>
+          <p:cNvSpPr/>
+          <p:nvPr>
+            <p:ph idx="2" type="sldImg"/>
+          </p:nvPr>
+        </p:nvSpPr>
+        <p:spPr>
+          <a:xfrm>
+            <a:off x="1143309" y="685800"/>
+            <a:ext cx="4572000" cy="3429000"/>
+          </a:xfrm>
+          <a:custGeom>
+            <a:pathLst>
+              <a:path extrusionOk="0" h="120000" w="120000">
+                <a:moveTo>
+                  <a:pt x="0" y="0"/>
+                </a:moveTo>
+                <a:lnTo>
+                  <a:pt x="120000" y="0"/>
+                </a:lnTo>
+                <a:lnTo>
+                  <a:pt x="120000" y="120000"/>
+                </a:lnTo>
+                <a:lnTo>
+                  <a:pt x="0" y="120000"/>
+                </a:lnTo>
+                <a:close/>
+              </a:path>
+            </a:pathLst>
+          </a:custGeom>
+        </p:spPr>
+      </p:sp>
+      <p:sp>
+        <p:nvSpPr>
+          <p:cNvPr id="237" name="Shape 237"/>
+          <p:cNvSpPr txBox="1"/>
+          <p:nvPr>
+            <p:ph idx="1" type="body"/>
+          </p:nvPr>
+        </p:nvSpPr>
+        <p:spPr>
+          <a:xfrm>
+            <a:off x="685800" y="4343400"/>
+            <a:ext cx="5486399" cy="4114800"/>
+          </a:xfrm>
+          <a:prstGeom prst="rect">
+            <a:avLst/>
+          </a:prstGeom>
+        </p:spPr>
+        <p:txBody>
+          <a:bodyPr anchorCtr="0" anchor="t" bIns="91425" lIns="91425" rIns="91425" tIns="91425">
+            <a:noAutofit/>
+          </a:bodyPr>
+          <a:lstStyle/>
+          <a:p>
+            <a:pPr lvl="0" rtl="0">
+              <a:spcBef>
+                <a:spcPts val="0"/>
+              </a:spcBef>
+              <a:buNone/>
+            </a:pPr>
+            <a:r>
+              <a:t/>
+            </a:r>
+            <a:endParaRPr/>
+          </a:p>
+        </p:txBody>
+      </p:sp>
+    </p:spTree>
+  </p:cSld>
+  <p:clrMapOvr>
+    <a:masterClrMapping/>
+  </p:clrMapOvr>
+</p:notes>
+</file>
+
+<file path=ppt/notesSlides/notesSlide3.xml><?xml version="1.0" encoding="utf-8"?>
+<p:notes xmlns:a="http://schemas.openxmlformats.org/drawingml/2006/main" xmlns:r="http://schemas.openxmlformats.org/officeDocument/2006/relationships" xmlns:mc="http://schemas.openxmlformats.org/markup-compatibility/2006" xmlns:mv="urn:schemas-microsoft-com:mac:vml" xmlns:p="http://schemas.openxmlformats.org/presentationml/2006/main" xmlns:c="http://schemas.openxmlformats.org/drawingml/2006/chart" xmlns:dgm="http://schemas.openxmlformats.org/drawingml/2006/diagram" xmlns:o="urn:schemas-microsoft-com:office:office" xmlns:v="urn:schemas-microsoft-com:vml" xmlns:pvml="urn:schemas-microsoft-com:office:powerpoint" xmlns:com="http://schemas.openxmlformats.org/drawingml/2006/compatibility" xmlns:p14="http://schemas.microsoft.com/office/powerpoint/2010/main" showMasterPhAnim="0" showMasterSp="0">
+  <p:cSld>
+    <p:spTree>
+      <p:nvGrpSpPr>
+        <p:cNvPr id="80" name="Shape 80"/>
+        <p:cNvGrpSpPr/>
+        <p:nvPr/>
+      </p:nvGrpSpPr>
+      <p:grpSpPr>
+        <a:xfrm>
+          <a:off x="0" y="0"/>
+          <a:ext cx="0" cy="0"/>
+          <a:chOff x="0" y="0"/>
+          <a:chExt cx="0" cy="0"/>
+        </a:xfrm>
+      </p:grpSpPr>
+      <p:sp>
+        <p:nvSpPr>
+          <p:cNvPr id="81" name="Shape 81"/>
+          <p:cNvSpPr/>
+          <p:nvPr>
+            <p:ph idx="2" type="sldImg"/>
+          </p:nvPr>
+        </p:nvSpPr>
+        <p:spPr>
+          <a:xfrm>
+            <a:off x="1143309" y="685800"/>
+            <a:ext cx="4572000" cy="3429000"/>
+          </a:xfrm>
+          <a:custGeom>
+            <a:pathLst>
+              <a:path extrusionOk="0" h="120000" w="120000">
+                <a:moveTo>
+                  <a:pt x="0" y="0"/>
+                </a:moveTo>
+                <a:lnTo>
+                  <a:pt x="120000" y="0"/>
+                </a:lnTo>
+                <a:lnTo>
+                  <a:pt x="120000" y="120000"/>
+                </a:lnTo>
+                <a:lnTo>
+                  <a:pt x="0" y="120000"/>
+                </a:lnTo>
+                <a:close/>
+              </a:path>
+            </a:pathLst>
+          </a:custGeom>
+        </p:spPr>
+      </p:sp>
+      <p:sp>
+        <p:nvSpPr>
+          <p:cNvPr id="82" name="Shape 82"/>
+          <p:cNvSpPr txBox="1"/>
+          <p:nvPr>
+            <p:ph idx="1" type="body"/>
+          </p:nvPr>
+        </p:nvSpPr>
+        <p:spPr>
+          <a:xfrm>
+            <a:off x="685800" y="4343400"/>
+            <a:ext cx="5486399" cy="4114800"/>
+          </a:xfrm>
+          <a:prstGeom prst="rect">
+            <a:avLst/>
+          </a:prstGeom>
+        </p:spPr>
+        <p:txBody>
+          <a:bodyPr anchorCtr="0" anchor="t" bIns="91425" lIns="91425" rIns="91425" tIns="91425">
+            <a:noAutofit/>
+          </a:bodyPr>
+          <a:lstStyle/>
+          <a:p>
+            <a:pPr lvl="0">
+              <a:spcBef>
+                <a:spcPts val="0"/>
+              </a:spcBef>
+              <a:buNone/>
+            </a:pPr>
+            <a:r>
+              <a:t/>
+            </a:r>
+            <a:endParaRPr/>
+          </a:p>
+        </p:txBody>
+      </p:sp>
+    </p:spTree>
+  </p:cSld>
+  <p:clrMapOvr>
+    <a:masterClrMapping/>
+  </p:clrMapOvr>
+</p:notes>
+</file>
+
+<file path=ppt/notesSlides/notesSlide4.xml><?xml version="1.0" encoding="utf-8"?>
+<p:notes xmlns:a="http://schemas.openxmlformats.org/drawingml/2006/main" xmlns:r="http://schemas.openxmlformats.org/officeDocument/2006/relationships" xmlns:mc="http://schemas.openxmlformats.org/markup-compatibility/2006" xmlns:mv="urn:schemas-microsoft-com:mac:vml" xmlns:p="http://schemas.openxmlformats.org/presentationml/2006/main" xmlns:c="http://schemas.openxmlformats.org/drawingml/2006/chart" xmlns:dgm="http://schemas.openxmlformats.org/drawingml/2006/diagram" xmlns:o="urn:schemas-microsoft-com:office:office" xmlns:v="urn:schemas-microsoft-com:vml" xmlns:pvml="urn:schemas-microsoft-com:office:powerpoint" xmlns:com="http://schemas.openxmlformats.org/drawingml/2006/compatibility" xmlns:p14="http://schemas.microsoft.com/office/powerpoint/2010/main" showMasterPhAnim="0" showMasterSp="0">
+  <p:cSld>
+    <p:spTree>
+      <p:nvGrpSpPr>
+        <p:cNvPr id="90" name="Shape 90"/>
+        <p:cNvGrpSpPr/>
+        <p:nvPr/>
+      </p:nvGrpSpPr>
+      <p:grpSpPr>
+        <a:xfrm>
+          <a:off x="0" y="0"/>
+          <a:ext cx="0" cy="0"/>
+          <a:chOff x="0" y="0"/>
+          <a:chExt cx="0" cy="0"/>
+        </a:xfrm>
+      </p:grpSpPr>
+      <p:sp>
+        <p:nvSpPr>
+          <p:cNvPr id="91" name="Shape 91"/>
+          <p:cNvSpPr/>
+          <p:nvPr>
+            <p:ph idx="2" type="sldImg"/>
+          </p:nvPr>
+        </p:nvSpPr>
+        <p:spPr>
+          <a:xfrm>
+            <a:off x="1143309" y="685800"/>
+            <a:ext cx="4572000" cy="3429000"/>
+          </a:xfrm>
+          <a:custGeom>
+            <a:pathLst>
+              <a:path extrusionOk="0" h="120000" w="120000">
+                <a:moveTo>
+                  <a:pt x="0" y="0"/>
+                </a:moveTo>
+                <a:lnTo>
+                  <a:pt x="120000" y="0"/>
+                </a:lnTo>
+                <a:lnTo>
+                  <a:pt x="120000" y="120000"/>
+                </a:lnTo>
+                <a:lnTo>
+                  <a:pt x="0" y="120000"/>
+                </a:lnTo>
+                <a:close/>
+              </a:path>
+            </a:pathLst>
+          </a:custGeom>
+        </p:spPr>
+      </p:sp>
+      <p:sp>
+        <p:nvSpPr>
+          <p:cNvPr id="92" name="Shape 92"/>
+          <p:cNvSpPr txBox="1"/>
+          <p:nvPr>
+            <p:ph idx="1" type="body"/>
+          </p:nvPr>
+        </p:nvSpPr>
+        <p:spPr>
+          <a:xfrm>
+            <a:off x="685800" y="4343400"/>
+            <a:ext cx="5486399" cy="4114800"/>
+          </a:xfrm>
+          <a:prstGeom prst="rect">
+            <a:avLst/>
+          </a:prstGeom>
+        </p:spPr>
+        <p:txBody>
+          <a:bodyPr anchorCtr="0" anchor="t" bIns="91425" lIns="91425" rIns="91425" tIns="91425">
+            <a:noAutofit/>
+          </a:bodyPr>
+          <a:lstStyle/>
+          <a:p>
+            <a:pPr lvl="0" rtl="0">
+              <a:lnSpc>
+                <a:spcPct val="115000"/>
+              </a:lnSpc>
+              <a:spcBef>
+                <a:spcPts val="0"/>
+              </a:spcBef>
+              <a:buNone/>
+            </a:pPr>
+            <a:r>
+              <a:rPr lang="en" sz="1200">
+                <a:latin typeface="Open Sans"/>
+                <a:ea typeface="Open Sans"/>
+                <a:cs typeface="Open Sans"/>
+                <a:sym typeface="Open Sans"/>
+              </a:rPr>
+              <a:t>Hybrid Apps: HTML5 that acts like native</a:t>
+            </a:r>
+          </a:p>
+          <a:p>
+            <a:pPr lvl="0" rtl="0">
+              <a:lnSpc>
+                <a:spcPct val="115000"/>
+              </a:lnSpc>
+              <a:spcBef>
+                <a:spcPts val="0"/>
+              </a:spcBef>
+              <a:buNone/>
+            </a:pPr>
+            <a:r>
+              <a:rPr lang="en" sz="1200">
+                <a:latin typeface="Open Sans"/>
+                <a:ea typeface="Open Sans"/>
+                <a:cs typeface="Open Sans"/>
+                <a:sym typeface="Open Sans"/>
+              </a:rPr>
+              <a:t>Phonegap renamed to Cordova</a:t>
+            </a:r>
+          </a:p>
+          <a:p>
+            <a:pPr lvl="0" rtl="0">
+              <a:lnSpc>
+                <a:spcPct val="115000"/>
+              </a:lnSpc>
+              <a:spcBef>
+                <a:spcPts val="0"/>
+              </a:spcBef>
+              <a:buNone/>
+            </a:pPr>
+            <a:r>
+              <a:rPr lang="en" sz="1200">
+                <a:latin typeface="Open Sans"/>
+                <a:ea typeface="Open Sans"/>
+                <a:cs typeface="Open Sans"/>
+                <a:sym typeface="Open Sans"/>
+              </a:rPr>
+              <a:t>Web wrapped in native layer</a:t>
+            </a:r>
+          </a:p>
+          <a:p>
+            <a:pPr lvl="0" rtl="0">
+              <a:lnSpc>
+                <a:spcPct val="115000"/>
+              </a:lnSpc>
+              <a:spcBef>
+                <a:spcPts val="0"/>
+              </a:spcBef>
+              <a:buNone/>
+            </a:pPr>
+            <a:r>
+              <a:rPr lang="en" sz="1200">
+                <a:latin typeface="Open Sans"/>
+                <a:ea typeface="Open Sans"/>
+                <a:cs typeface="Open Sans"/>
+                <a:sym typeface="Open Sans"/>
+              </a:rPr>
+              <a:t>Direct access to native APIs</a:t>
+            </a:r>
+          </a:p>
+          <a:p>
+            <a:pPr lvl="0" rtl="0">
+              <a:lnSpc>
+                <a:spcPct val="115000"/>
+              </a:lnSpc>
+              <a:spcBef>
+                <a:spcPts val="0"/>
+              </a:spcBef>
+              <a:buNone/>
+            </a:pPr>
+            <a:r>
+              <a:rPr lang="en" sz="1200">
+                <a:latin typeface="Open Sans"/>
+                <a:ea typeface="Open Sans"/>
+                <a:cs typeface="Open Sans"/>
+                <a:sym typeface="Open Sans"/>
+              </a:rPr>
+              <a:t>Familiar web dev environment</a:t>
+            </a:r>
+          </a:p>
+          <a:p>
+            <a:pPr lvl="0" rtl="0">
+              <a:lnSpc>
+                <a:spcPct val="115000"/>
+              </a:lnSpc>
+              <a:spcBef>
+                <a:spcPts val="0"/>
+              </a:spcBef>
+              <a:buNone/>
+            </a:pPr>
+            <a:r>
+              <a:rPr lang="en" sz="1200">
+                <a:latin typeface="Open Sans"/>
+                <a:ea typeface="Open Sans"/>
+                <a:cs typeface="Open Sans"/>
+                <a:sym typeface="Open Sans"/>
+              </a:rPr>
+              <a:t>Develop a single code base (web platform)</a:t>
+            </a:r>
+          </a:p>
+        </p:txBody>
+      </p:sp>
+    </p:spTree>
+  </p:cSld>
+  <p:clrMapOvr>
+    <a:masterClrMapping/>
+  </p:clrMapOvr>
+</p:notes>
+</file>
+
+<file path=ppt/notesSlides/notesSlide5.xml><?xml version="1.0" encoding="utf-8"?>
+<p:notes xmlns:a="http://schemas.openxmlformats.org/drawingml/2006/main" xmlns:r="http://schemas.openxmlformats.org/officeDocument/2006/relationships" xmlns:mc="http://schemas.openxmlformats.org/markup-compatibility/2006" xmlns:mv="urn:schemas-microsoft-com:mac:vml" xmlns:p="http://schemas.openxmlformats.org/presentationml/2006/main" xmlns:c="http://schemas.openxmlformats.org/drawingml/2006/chart" xmlns:dgm="http://schemas.openxmlformats.org/drawingml/2006/diagram" xmlns:o="urn:schemas-microsoft-com:office:office" xmlns:v="urn:schemas-microsoft-com:vml" xmlns:pvml="urn:schemas-microsoft-com:office:powerpoint" xmlns:com="http://schemas.openxmlformats.org/drawingml/2006/compatibility" xmlns:p14="http://schemas.microsoft.com/office/powerpoint/2010/main" showMasterPhAnim="0" showMasterSp="0">
+  <p:cSld>
+    <p:spTree>
+      <p:nvGrpSpPr>
+        <p:cNvPr id="99" name="Shape 99"/>
+        <p:cNvGrpSpPr/>
+        <p:nvPr/>
+      </p:nvGrpSpPr>
+      <p:grpSpPr>
+        <a:xfrm>
+          <a:off x="0" y="0"/>
+          <a:ext cx="0" cy="0"/>
+          <a:chOff x="0" y="0"/>
+          <a:chExt cx="0" cy="0"/>
+        </a:xfrm>
+      </p:grpSpPr>
+      <p:sp>
+        <p:nvSpPr>
+          <p:cNvPr id="100" name="Shape 100"/>
+          <p:cNvSpPr/>
+          <p:nvPr>
+            <p:ph idx="2" type="sldImg"/>
+          </p:nvPr>
+        </p:nvSpPr>
+        <p:spPr>
+          <a:xfrm>
+            <a:off x="1143309" y="685800"/>
+            <a:ext cx="4572000" cy="3429000"/>
+          </a:xfrm>
+          <a:custGeom>
+            <a:pathLst>
+              <a:path extrusionOk="0" h="120000" w="120000">
+                <a:moveTo>
+                  <a:pt x="0" y="0"/>
+                </a:moveTo>
+                <a:lnTo>
+                  <a:pt x="120000" y="0"/>
+                </a:lnTo>
+                <a:lnTo>
+                  <a:pt x="120000" y="120000"/>
+                </a:lnTo>
+                <a:lnTo>
+                  <a:pt x="0" y="120000"/>
+                </a:lnTo>
+                <a:close/>
+              </a:path>
+            </a:pathLst>
+          </a:custGeom>
+        </p:spPr>
+      </p:sp>
+      <p:sp>
+        <p:nvSpPr>
+          <p:cNvPr id="101" name="Shape 101"/>
+          <p:cNvSpPr txBox="1"/>
+          <p:nvPr>
+            <p:ph idx="1" type="body"/>
+          </p:nvPr>
+        </p:nvSpPr>
+        <p:spPr>
+          <a:xfrm>
+            <a:off x="685800" y="4343400"/>
+            <a:ext cx="5486399" cy="4114800"/>
+          </a:xfrm>
+          <a:prstGeom prst="rect">
+            <a:avLst/>
+          </a:prstGeom>
+        </p:spPr>
+        <p:txBody>
+          <a:bodyPr anchorCtr="0" anchor="t" bIns="91425" lIns="91425" rIns="91425" tIns="91425">
+            <a:noAutofit/>
+          </a:bodyPr>
+          <a:lstStyle/>
+          <a:p>
+            <a:pPr lvl="0" rtl="0">
+              <a:spcBef>
+                <a:spcPts val="0"/>
+              </a:spcBef>
+              <a:buNone/>
+            </a:pPr>
+            <a:r>
+              <a:t/>
+            </a:r>
+            <a:endParaRPr/>
+          </a:p>
+        </p:txBody>
+      </p:sp>
+    </p:spTree>
+  </p:cSld>
+  <p:clrMapOvr>
+    <a:masterClrMapping/>
+  </p:clrMapOvr>
+</p:notes>
+</file>
+
+<file path=ppt/notesSlides/notesSlide6.xml><?xml version="1.0" encoding="utf-8"?>
+<p:notes xmlns:a="http://schemas.openxmlformats.org/drawingml/2006/main" xmlns:r="http://schemas.openxmlformats.org/officeDocument/2006/relationships" xmlns:mc="http://schemas.openxmlformats.org/markup-compatibility/2006" xmlns:mv="urn:schemas-microsoft-com:mac:vml" xmlns:p="http://schemas.openxmlformats.org/presentationml/2006/main" xmlns:c="http://schemas.openxmlformats.org/drawingml/2006/chart" xmlns:dgm="http://schemas.openxmlformats.org/drawingml/2006/diagram" xmlns:o="urn:schemas-microsoft-com:office:office" xmlns:v="urn:schemas-microsoft-com:vml" xmlns:pvml="urn:schemas-microsoft-com:office:powerpoint" xmlns:com="http://schemas.openxmlformats.org/drawingml/2006/compatibility" xmlns:p14="http://schemas.microsoft.com/office/powerpoint/2010/main" showMasterPhAnim="0" showMasterSp="0">
+  <p:cSld>
+    <p:spTree>
+      <p:nvGrpSpPr>
+        <p:cNvPr id="108" name="Shape 108"/>
+        <p:cNvGrpSpPr/>
+        <p:nvPr/>
+      </p:nvGrpSpPr>
+      <p:grpSpPr>
+        <a:xfrm>
+          <a:off x="0" y="0"/>
+          <a:ext cx="0" cy="0"/>
+          <a:chOff x="0" y="0"/>
+          <a:chExt cx="0" cy="0"/>
+        </a:xfrm>
+      </p:grpSpPr>
+      <p:sp>
+        <p:nvSpPr>
+          <p:cNvPr id="109" name="Shape 109"/>
+          <p:cNvSpPr/>
+          <p:nvPr>
+            <p:ph idx="2" type="sldImg"/>
+          </p:nvPr>
+        </p:nvSpPr>
+        <p:spPr>
+          <a:xfrm>
+            <a:off x="1143309" y="685800"/>
+            <a:ext cx="4572000" cy="3429000"/>
+          </a:xfrm>
+          <a:custGeom>
+            <a:pathLst>
+              <a:path extrusionOk="0" h="120000" w="120000">
+                <a:moveTo>
+                  <a:pt x="0" y="0"/>
+                </a:moveTo>
+                <a:lnTo>
+                  <a:pt x="120000" y="0"/>
+                </a:lnTo>
+                <a:lnTo>
+                  <a:pt x="120000" y="120000"/>
+                </a:lnTo>
+                <a:lnTo>
+                  <a:pt x="0" y="120000"/>
+                </a:lnTo>
+                <a:close/>
+              </a:path>
+            </a:pathLst>
+          </a:custGeom>
+        </p:spPr>
+      </p:sp>
+      <p:sp>
+        <p:nvSpPr>
+          <p:cNvPr id="110" name="Shape 110"/>
+          <p:cNvSpPr txBox="1"/>
+          <p:nvPr>
+            <p:ph idx="1" type="body"/>
+          </p:nvPr>
+        </p:nvSpPr>
+        <p:spPr>
+          <a:xfrm>
+            <a:off x="685800" y="4343400"/>
+            <a:ext cx="5486399" cy="4114800"/>
+          </a:xfrm>
+          <a:prstGeom prst="rect">
+            <a:avLst/>
+          </a:prstGeom>
+        </p:spPr>
+        <p:txBody>
+          <a:bodyPr anchorCtr="0" anchor="t" bIns="91425" lIns="91425" rIns="91425" tIns="91425">
+            <a:noAutofit/>
+          </a:bodyPr>
+          <a:lstStyle/>
+          <a:p>
+            <a:pPr lvl="0" rtl="0">
+              <a:lnSpc>
+                <a:spcPct val="115000"/>
+              </a:lnSpc>
+              <a:spcBef>
+                <a:spcPts val="0"/>
+              </a:spcBef>
+              <a:buClr>
+                <a:schemeClr val="dk1"/>
+              </a:buClr>
+              <a:buSzPct val="91666"/>
+              <a:buFont typeface="Arial"/>
+              <a:buNone/>
+            </a:pPr>
+            <a:r>
+              <a:rPr lang="en" sz="1200">
+                <a:solidFill>
+                  <a:schemeClr val="dk1"/>
+                </a:solidFill>
+                <a:latin typeface="Open Sans"/>
+                <a:ea typeface="Open Sans"/>
+                <a:cs typeface="Open Sans"/>
+                <a:sym typeface="Open Sans"/>
+              </a:rPr>
+              <a:t>CSS generated from the Sass preprocessor</a:t>
+            </a:r>
+          </a:p>
+          <a:p>
+            <a:pPr lvl="0" rtl="0">
+              <a:lnSpc>
+                <a:spcPct val="115000"/>
+              </a:lnSpc>
+              <a:spcBef>
+                <a:spcPts val="0"/>
+              </a:spcBef>
+              <a:buClr>
+                <a:schemeClr val="dk1"/>
+              </a:buClr>
+              <a:buSzPct val="91666"/>
+              <a:buFont typeface="Arial"/>
+              <a:buNone/>
+            </a:pPr>
+            <a:r>
+              <a:rPr lang="en" sz="1200">
+                <a:solidFill>
+                  <a:schemeClr val="dk1"/>
+                </a:solidFill>
+                <a:latin typeface="Open Sans"/>
+                <a:ea typeface="Open Sans"/>
+                <a:cs typeface="Open Sans"/>
+                <a:sym typeface="Open Sans"/>
+              </a:rPr>
+              <a:t>Quickly give your app its own look and feel</a:t>
+            </a:r>
+          </a:p>
+          <a:p>
+            <a:pPr lvl="0" rtl="0">
+              <a:lnSpc>
+                <a:spcPct val="115000"/>
+              </a:lnSpc>
+              <a:spcBef>
+                <a:spcPts val="0"/>
+              </a:spcBef>
+              <a:buClr>
+                <a:schemeClr val="dk1"/>
+              </a:buClr>
+              <a:buSzPct val="91666"/>
+              <a:buFont typeface="Arial"/>
+              <a:buNone/>
+            </a:pPr>
+            <a:r>
+              <a:rPr lang="en" sz="1200">
+                <a:solidFill>
+                  <a:schemeClr val="dk1"/>
+                </a:solidFill>
+                <a:latin typeface="Open Sans"/>
+                <a:ea typeface="Open Sans"/>
+                <a:cs typeface="Open Sans"/>
+                <a:sym typeface="Open Sans"/>
+              </a:rPr>
+              <a:t>CSS designed to be easily overridden</a:t>
+            </a:r>
+          </a:p>
+          <a:p>
+            <a:pPr lvl="0" rtl="0">
+              <a:lnSpc>
+                <a:spcPct val="115000"/>
+              </a:lnSpc>
+              <a:spcBef>
+                <a:spcPts val="0"/>
+              </a:spcBef>
+              <a:buClr>
+                <a:schemeClr val="dk1"/>
+              </a:buClr>
+              <a:buSzPct val="91666"/>
+              <a:buFont typeface="Arial"/>
+              <a:buNone/>
+            </a:pPr>
+            <a:r>
+              <a:rPr lang="en" sz="1200">
+                <a:solidFill>
+                  <a:schemeClr val="dk1"/>
+                </a:solidFill>
+                <a:latin typeface="Open Sans"/>
+                <a:ea typeface="Open Sans"/>
+                <a:cs typeface="Open Sans"/>
+                <a:sym typeface="Open Sans"/>
+              </a:rPr>
+              <a:t>Variables based with default settings</a:t>
+            </a:r>
+          </a:p>
+          <a:p>
+            <a:pPr lvl="0" rtl="0">
+              <a:lnSpc>
+                <a:spcPct val="115000"/>
+              </a:lnSpc>
+              <a:spcBef>
+                <a:spcPts val="0"/>
+              </a:spcBef>
+              <a:buClr>
+                <a:schemeClr val="dk1"/>
+              </a:buClr>
+              <a:buSzPct val="91666"/>
+              <a:buFont typeface="Arial"/>
+              <a:buNone/>
+            </a:pPr>
+            <a:r>
+              <a:rPr lang="en" sz="1200">
+                <a:solidFill>
+                  <a:schemeClr val="dk1"/>
+                </a:solidFill>
+                <a:latin typeface="Open Sans"/>
+                <a:ea typeface="Open Sans"/>
+                <a:cs typeface="Open Sans"/>
+                <a:sym typeface="Open Sans"/>
+              </a:rPr>
+              <a:t>80+ reusable and useful mixins</a:t>
+            </a:r>
+          </a:p>
+          <a:p>
+            <a:pPr lvl="0" rtl="0">
+              <a:spcBef>
+                <a:spcPts val="0"/>
+              </a:spcBef>
+              <a:buNone/>
+            </a:pPr>
+            <a:r>
+              <a:t/>
+            </a:r>
+            <a:endParaRPr/>
+          </a:p>
+          <a:p>
+            <a:pPr lvl="0" rtl="0">
+              <a:spcBef>
+                <a:spcPts val="0"/>
+              </a:spcBef>
+              <a:buNone/>
+            </a:pPr>
+            <a:r>
+              <a:t/>
+            </a:r>
+            <a:endParaRPr/>
+          </a:p>
+        </p:txBody>
+      </p:sp>
+    </p:spTree>
+  </p:cSld>
+  <p:clrMapOvr>
+    <a:masterClrMapping/>
+  </p:clrMapOvr>
+</p:notes>
+</file>
+
+<file path=ppt/notesSlides/notesSlide7.xml><?xml version="1.0" encoding="utf-8"?>
+<p:notes xmlns:a="http://schemas.openxmlformats.org/drawingml/2006/main" xmlns:r="http://schemas.openxmlformats.org/officeDocument/2006/relationships" xmlns:mc="http://schemas.openxmlformats.org/markup-compatibility/2006" xmlns:mv="urn:schemas-microsoft-com:mac:vml" xmlns:p="http://schemas.openxmlformats.org/presentationml/2006/main" xmlns:c="http://schemas.openxmlformats.org/drawingml/2006/chart" xmlns:dgm="http://schemas.openxmlformats.org/drawingml/2006/diagram" xmlns:o="urn:schemas-microsoft-com:office:office" xmlns:v="urn:schemas-microsoft-com:vml" xmlns:pvml="urn:schemas-microsoft-com:office:powerpoint" xmlns:com="http://schemas.openxmlformats.org/drawingml/2006/compatibility" xmlns:p14="http://schemas.microsoft.com/office/powerpoint/2010/main" showMasterPhAnim="0" showMasterSp="0">
+  <p:cSld>
+    <p:spTree>
+      <p:nvGrpSpPr>
+        <p:cNvPr id="117" name="Shape 117"/>
+        <p:cNvGrpSpPr/>
+        <p:nvPr/>
+      </p:nvGrpSpPr>
+      <p:grpSpPr>
+        <a:xfrm>
+          <a:off x="0" y="0"/>
+          <a:ext cx="0" cy="0"/>
+          <a:chOff x="0" y="0"/>
+          <a:chExt cx="0" cy="0"/>
+        </a:xfrm>
+      </p:grpSpPr>
+      <p:sp>
+        <p:nvSpPr>
+          <p:cNvPr id="118" name="Shape 118"/>
+          <p:cNvSpPr/>
+          <p:nvPr>
+            <p:ph idx="2" type="sldImg"/>
+          </p:nvPr>
+        </p:nvSpPr>
+        <p:spPr>
+          <a:xfrm>
+            <a:off x="1143309" y="685800"/>
+            <a:ext cx="4572000" cy="3429000"/>
+          </a:xfrm>
+          <a:custGeom>
+            <a:pathLst>
+              <a:path extrusionOk="0" h="120000" w="120000">
+                <a:moveTo>
+                  <a:pt x="0" y="0"/>
+                </a:moveTo>
+                <a:lnTo>
+                  <a:pt x="120000" y="0"/>
+                </a:lnTo>
+                <a:lnTo>
+                  <a:pt x="120000" y="120000"/>
+                </a:lnTo>
+                <a:lnTo>
+                  <a:pt x="0" y="120000"/>
+                </a:lnTo>
+                <a:close/>
+              </a:path>
+            </a:pathLst>
+          </a:custGeom>
+        </p:spPr>
+      </p:sp>
+      <p:sp>
+        <p:nvSpPr>
+          <p:cNvPr id="119" name="Shape 119"/>
+          <p:cNvSpPr txBox="1"/>
+          <p:nvPr>
+            <p:ph idx="1" type="body"/>
+          </p:nvPr>
+        </p:nvSpPr>
+        <p:spPr>
+          <a:xfrm>
+            <a:off x="685800" y="4343400"/>
+            <a:ext cx="5486399" cy="4114800"/>
+          </a:xfrm>
+          <a:prstGeom prst="rect">
+            <a:avLst/>
+          </a:prstGeom>
+        </p:spPr>
+        <p:txBody>
+          <a:bodyPr anchorCtr="0" anchor="t" bIns="91425" lIns="91425" rIns="91425" tIns="91425">
+            <a:noAutofit/>
+          </a:bodyPr>
+          <a:lstStyle/>
+          <a:p>
+            <a:pPr lvl="0" rtl="0">
+              <a:spcBef>
+                <a:spcPts val="0"/>
+              </a:spcBef>
+              <a:buNone/>
+            </a:pPr>
+            <a:r>
+              <a:t/>
+            </a:r>
+            <a:endParaRPr/>
+          </a:p>
+        </p:txBody>
+      </p:sp>
+    </p:spTree>
+  </p:cSld>
+  <p:clrMapOvr>
+    <a:masterClrMapping/>
+  </p:clrMapOvr>
+</p:notes>
+</file>
+
+<file path=ppt/notesSlides/notesSlide8.xml><?xml version="1.0" encoding="utf-8"?>
+<p:notes xmlns:a="http://schemas.openxmlformats.org/drawingml/2006/main" xmlns:r="http://schemas.openxmlformats.org/officeDocument/2006/relationships" xmlns:mc="http://schemas.openxmlformats.org/markup-compatibility/2006" xmlns:mv="urn:schemas-microsoft-com:mac:vml" xmlns:p="http://schemas.openxmlformats.org/presentationml/2006/main" xmlns:c="http://schemas.openxmlformats.org/drawingml/2006/chart" xmlns:dgm="http://schemas.openxmlformats.org/drawingml/2006/diagram" xmlns:o="urn:schemas-microsoft-com:office:office" xmlns:v="urn:schemas-microsoft-com:vml" xmlns:pvml="urn:schemas-microsoft-com:office:powerpoint" xmlns:com="http://schemas.openxmlformats.org/drawingml/2006/compatibility" xmlns:p14="http://schemas.microsoft.com/office/powerpoint/2010/main" showMasterPhAnim="0" showMasterSp="0">
+  <p:cSld>
+    <p:spTree>
+      <p:nvGrpSpPr>
+        <p:cNvPr id="125" name="Shape 125"/>
+        <p:cNvGrpSpPr/>
+        <p:nvPr/>
+      </p:nvGrpSpPr>
+      <p:grpSpPr>
+        <a:xfrm>
+          <a:off x="0" y="0"/>
+          <a:ext cx="0" cy="0"/>
+          <a:chOff x="0" y="0"/>
+          <a:chExt cx="0" cy="0"/>
+        </a:xfrm>
+      </p:grpSpPr>
+      <p:sp>
+        <p:nvSpPr>
+          <p:cNvPr id="126" name="Shape 126"/>
+          <p:cNvSpPr/>
+          <p:nvPr>
+            <p:ph idx="2" type="sldImg"/>
+          </p:nvPr>
+        </p:nvSpPr>
+        <p:spPr>
+          <a:xfrm>
+            <a:off x="1143309" y="685800"/>
+            <a:ext cx="4572000" cy="3429000"/>
+          </a:xfrm>
+          <a:custGeom>
+            <a:pathLst>
+              <a:path extrusionOk="0" h="120000" w="120000">
+                <a:moveTo>
+                  <a:pt x="0" y="0"/>
+                </a:moveTo>
+                <a:lnTo>
+                  <a:pt x="120000" y="0"/>
+                </a:lnTo>
+                <a:lnTo>
+                  <a:pt x="120000" y="120000"/>
+                </a:lnTo>
+                <a:lnTo>
+                  <a:pt x="0" y="120000"/>
+                </a:lnTo>
+                <a:close/>
+              </a:path>
+            </a:pathLst>
+          </a:custGeom>
+        </p:spPr>
+      </p:sp>
+      <p:sp>
+        <p:nvSpPr>
+          <p:cNvPr id="127" name="Shape 127"/>
+          <p:cNvSpPr txBox="1"/>
+          <p:nvPr>
+            <p:ph idx="1" type="body"/>
+          </p:nvPr>
+        </p:nvSpPr>
+        <p:spPr>
+          <a:xfrm>
+            <a:off x="685800" y="4343400"/>
+            <a:ext cx="5486399" cy="4114800"/>
+          </a:xfrm>
+          <a:prstGeom prst="rect">
+            <a:avLst/>
+          </a:prstGeom>
+        </p:spPr>
+        <p:txBody>
+          <a:bodyPr anchorCtr="0" anchor="t" bIns="91425" lIns="91425" rIns="91425" tIns="91425">
+            <a:noAutofit/>
+          </a:bodyPr>
+          <a:lstStyle/>
+          <a:p>
+            <a:pPr lvl="0" rtl="0">
+              <a:spcBef>
+                <a:spcPts val="0"/>
+              </a:spcBef>
+              <a:buNone/>
+            </a:pPr>
+            <a:r>
+              <a:t/>
+            </a:r>
+            <a:endParaRPr/>
+          </a:p>
+        </p:txBody>
+      </p:sp>
+    </p:spTree>
+  </p:cSld>
+  <p:clrMapOvr>
+    <a:masterClrMapping/>
+  </p:clrMapOvr>
+</p:notes>
+</file>
+
+<file path=ppt/notesSlides/notesSlide9.xml><?xml version="1.0" encoding="utf-8"?>
+<p:notes xmlns:a="http://schemas.openxmlformats.org/drawingml/2006/main" xmlns:r="http://schemas.openxmlformats.org/officeDocument/2006/relationships" xmlns:mc="http://schemas.openxmlformats.org/markup-compatibility/2006" xmlns:mv="urn:schemas-microsoft-com:mac:vml" xmlns:p="http://schemas.openxmlformats.org/presentationml/2006/main" xmlns:c="http://schemas.openxmlformats.org/drawingml/2006/chart" xmlns:dgm="http://schemas.openxmlformats.org/drawingml/2006/diagram" xmlns:o="urn:schemas-microsoft-com:office:office" xmlns:v="urn:schemas-microsoft-com:vml" xmlns:pvml="urn:schemas-microsoft-com:office:powerpoint" xmlns:com="http://schemas.openxmlformats.org/drawingml/2006/compatibility" xmlns:p14="http://schemas.microsoft.com/office/powerpoint/2010/main" showMasterPhAnim="0" showMasterSp="0">
+  <p:cSld>
+    <p:spTree>
+      <p:nvGrpSpPr>
+        <p:cNvPr id="133" name="Shape 133"/>
+        <p:cNvGrpSpPr/>
+        <p:nvPr/>
+      </p:nvGrpSpPr>
+      <p:grpSpPr>
+        <a:xfrm>
+          <a:off x="0" y="0"/>
+          <a:ext cx="0" cy="0"/>
+          <a:chOff x="0" y="0"/>
+          <a:chExt cx="0" cy="0"/>
+        </a:xfrm>
+      </p:grpSpPr>
+      <p:sp>
+        <p:nvSpPr>
+          <p:cNvPr id="134" name="Shape 134"/>
+          <p:cNvSpPr/>
+          <p:nvPr>
+            <p:ph idx="2" type="sldImg"/>
+          </p:nvPr>
+        </p:nvSpPr>
+        <p:spPr>
+          <a:xfrm>
+            <a:off x="1143309" y="685800"/>
+            <a:ext cx="4572000" cy="3429000"/>
+          </a:xfrm>
+          <a:custGeom>
+            <a:pathLst>
+              <a:path extrusionOk="0" h="120000" w="120000">
+                <a:moveTo>
+                  <a:pt x="0" y="0"/>
+                </a:moveTo>
+                <a:lnTo>
+                  <a:pt x="120000" y="0"/>
+                </a:lnTo>
+                <a:lnTo>
+                  <a:pt x="120000" y="120000"/>
+                </a:lnTo>
+                <a:lnTo>
+                  <a:pt x="0" y="120000"/>
+                </a:lnTo>
+                <a:close/>
+              </a:path>
+            </a:pathLst>
+          </a:custGeom>
+        </p:spPr>
+      </p:sp>
+      <p:sp>
+        <p:nvSpPr>
+          <p:cNvPr id="135" name="Shape 135"/>
+          <p:cNvSpPr txBox="1"/>
+          <p:nvPr>
+            <p:ph idx="1" type="body"/>
+          </p:nvPr>
+        </p:nvSpPr>
+        <p:spPr>
+          <a:xfrm>
+            <a:off x="685800" y="4343400"/>
+            <a:ext cx="5486399" cy="4114800"/>
+          </a:xfrm>
+          <a:prstGeom prst="rect">
+            <a:avLst/>
+          </a:prstGeom>
+        </p:spPr>
+        <p:txBody>
+          <a:bodyPr anchorCtr="0" anchor="t" bIns="91425" lIns="91425" rIns="91425" tIns="91425">
+            <a:noAutofit/>
+          </a:bodyPr>
+          <a:lstStyle/>
+          <a:p>
+            <a:pPr lvl="0">
+              <a:spcBef>
+                <a:spcPts val="0"/>
+              </a:spcBef>
+              <a:buNone/>
+            </a:pPr>
+            <a:r>
+              <a:t/>
+            </a:r>
+            <a:endParaRPr/>
           </a:p>
         </p:txBody>
       </p:sp>
@@ -1001,7 +3151,7 @@
 
 <file path=ppt/slideLayouts/slideLayout1.xml><?xml version="1.0" encoding="utf-8"?>
 <p:sldLayout xmlns:a="http://schemas.openxmlformats.org/drawingml/2006/main" xmlns:r="http://schemas.openxmlformats.org/officeDocument/2006/relationships" xmlns:mc="http://schemas.openxmlformats.org/markup-compatibility/2006" xmlns:mv="urn:schemas-microsoft-com:mac:vml" xmlns:p="http://schemas.openxmlformats.org/presentationml/2006/main" xmlns:c="http://schemas.openxmlformats.org/drawingml/2006/chart" xmlns:dgm="http://schemas.openxmlformats.org/drawingml/2006/diagram" xmlns:o="urn:schemas-microsoft-com:office:office" xmlns:v="urn:schemas-microsoft-com:vml" xmlns:pvml="urn:schemas-microsoft-com:office:powerpoint" xmlns:com="http://schemas.openxmlformats.org/drawingml/2006/compatibility" xmlns:p14="http://schemas.microsoft.com/office/powerpoint/2010/main" type="secHead">
-  <p:cSld name="Section title">
+  <p:cSld name="Section header">
     <p:spTree>
       <p:nvGrpSpPr>
         <p:cNvPr id="13" name="Shape 13"/>
@@ -4446,7 +6596,7 @@
               <a:buNone/>
             </a:pPr>
             <a:r>
-              <a:rPr lang="en">
+              <a:rPr b="1" lang="en">
                 <a:solidFill>
                   <a:srgbClr val="FFFFFF"/>
                 </a:solidFill>
@@ -4568,9 +6718,6 @@
           <a:lstStyle/>
           <a:p>
             <a:pPr indent="-457200" lvl="0" marL="457200" rtl="0">
-              <a:lnSpc>
-                <a:spcPct val="150000"/>
-              </a:lnSpc>
               <a:spcBef>
                 <a:spcPts val="0"/>
               </a:spcBef>
@@ -4581,14 +6728,11 @@
             </a:pPr>
             <a:r>
               <a:rPr lang="en" sz="3600"/>
-              <a:t>…</a:t>
+              <a:t>What is Ionic?</a:t>
             </a:r>
           </a:p>
           <a:p>
             <a:pPr indent="-457200" lvl="0" marL="457200" rtl="0">
-              <a:lnSpc>
-                <a:spcPct val="150000"/>
-              </a:lnSpc>
               <a:spcBef>
                 <a:spcPts val="0"/>
               </a:spcBef>
@@ -4599,14 +6743,41 @@
             </a:pPr>
             <a:r>
               <a:rPr lang="en" sz="3600"/>
-              <a:t>…</a:t>
+              <a:t>UI </a:t>
+            </a:r>
+          </a:p>
+          <a:p>
+            <a:pPr indent="-457200" lvl="1" marL="914400" rtl="0">
+              <a:spcBef>
+                <a:spcPts val="0"/>
+              </a:spcBef>
+              <a:spcAft>
+                <a:spcPts val="0"/>
+              </a:spcAft>
+              <a:buSzPct val="100000"/>
+            </a:pPr>
+            <a:r>
+              <a:rPr lang="en" sz="3600"/>
+              <a:t>CSS Components</a:t>
+            </a:r>
+          </a:p>
+          <a:p>
+            <a:pPr indent="-457200" lvl="1" marL="914400" rtl="0">
+              <a:spcBef>
+                <a:spcPts val="0"/>
+              </a:spcBef>
+              <a:spcAft>
+                <a:spcPts val="0"/>
+              </a:spcAft>
+              <a:buSzPct val="100000"/>
+            </a:pPr>
+            <a:r>
+              <a:rPr lang="en" sz="3600"/>
+              <a:t>Javascript</a:t>
             </a:r>
           </a:p>
           <a:p>
             <a:pPr indent="-457200" lvl="0" marL="457200" rtl="0">
-              <a:lnSpc>
-                <a:spcPct val="150000"/>
-              </a:lnSpc>
               <a:spcBef>
                 <a:spcPts val="0"/>
               </a:spcBef>
@@ -4617,7 +6788,37 @@
             </a:pPr>
             <a:r>
               <a:rPr lang="en" sz="3600"/>
-              <a:t>...</a:t>
+              <a:t>CLI</a:t>
+            </a:r>
+          </a:p>
+          <a:p>
+            <a:pPr indent="-457200" lvl="0" marL="457200" rtl="0">
+              <a:spcBef>
+                <a:spcPts val="0"/>
+              </a:spcBef>
+              <a:spcAft>
+                <a:spcPts val="0"/>
+              </a:spcAft>
+              <a:buSzPct val="100000"/>
+            </a:pPr>
+            <a:r>
+              <a:rPr lang="en" sz="3600"/>
+              <a:t>Folder structure</a:t>
+            </a:r>
+          </a:p>
+          <a:p>
+            <a:pPr indent="-457200" lvl="0" marL="457200" rtl="0">
+              <a:spcBef>
+                <a:spcPts val="0"/>
+              </a:spcBef>
+              <a:spcAft>
+                <a:spcPts val="0"/>
+              </a:spcAft>
+              <a:buSzPct val="100000"/>
+            </a:pPr>
+            <a:r>
+              <a:rPr lang="en" sz="3600"/>
+              <a:t>Demo</a:t>
             </a:r>
           </a:p>
         </p:txBody>
@@ -4689,7 +6890,7 @@
             </a:pPr>
             <a:r>
               <a:rPr lang="en"/>
-              <a:t>Índex</a:t>
+              <a:t>Index</a:t>
             </a:r>
           </a:p>
         </p:txBody>
@@ -4718,6 +6919,2069 @@
           <a:lstStyle/>
           <a:p>
             <a:pPr lvl="0">
+              <a:spcBef>
+                <a:spcPts val="0"/>
+              </a:spcBef>
+              <a:buNone/>
+            </a:pPr>
+            <a:fld id="{00000000-1234-1234-1234-123412341234}" type="slidenum">
+              <a:rPr lang="en"/>
+              <a:t>‹#›</a:t>
+            </a:fld>
+          </a:p>
+        </p:txBody>
+      </p:sp>
+    </p:spTree>
+  </p:cSld>
+  <p:clrMapOvr>
+    <a:masterClrMapping/>
+  </p:clrMapOvr>
+  <p:transition spd="slow">
+    <p:cut/>
+  </p:transition>
+</p:sld>
+</file>
+
+<file path=ppt/slides/slide10.xml><?xml version="1.0" encoding="utf-8"?>
+<p:sld xmlns:a="http://schemas.openxmlformats.org/drawingml/2006/main" xmlns:r="http://schemas.openxmlformats.org/officeDocument/2006/relationships" xmlns:mc="http://schemas.openxmlformats.org/markup-compatibility/2006" xmlns:mv="urn:schemas-microsoft-com:mac:vml" xmlns:p="http://schemas.openxmlformats.org/presentationml/2006/main" xmlns:c="http://schemas.openxmlformats.org/drawingml/2006/chart" xmlns:dgm="http://schemas.openxmlformats.org/drawingml/2006/diagram" xmlns:o="urn:schemas-microsoft-com:office:office" xmlns:v="urn:schemas-microsoft-com:vml" xmlns:pvml="urn:schemas-microsoft-com:office:powerpoint" xmlns:com="http://schemas.openxmlformats.org/drawingml/2006/compatibility" xmlns:p14="http://schemas.microsoft.com/office/powerpoint/2010/main">
+  <p:cSld>
+    <p:spTree>
+      <p:nvGrpSpPr>
+        <p:cNvPr id="144" name="Shape 144"/>
+        <p:cNvGrpSpPr/>
+        <p:nvPr/>
+      </p:nvGrpSpPr>
+      <p:grpSpPr>
+        <a:xfrm>
+          <a:off x="0" y="0"/>
+          <a:ext cx="0" cy="0"/>
+          <a:chOff x="0" y="0"/>
+          <a:chExt cx="0" cy="0"/>
+        </a:xfrm>
+      </p:grpSpPr>
+      <p:sp>
+        <p:nvSpPr>
+          <p:cNvPr id="145" name="Shape 145"/>
+          <p:cNvSpPr txBox="1"/>
+          <p:nvPr>
+            <p:ph idx="12" type="sldNum"/>
+          </p:nvPr>
+        </p:nvSpPr>
+        <p:spPr>
+          <a:xfrm>
+            <a:off x="8472457" y="8290163"/>
+            <a:ext cx="548699" cy="699599"/>
+          </a:xfrm>
+          <a:prstGeom prst="rect">
+            <a:avLst/>
+          </a:prstGeom>
+        </p:spPr>
+        <p:txBody>
+          <a:bodyPr anchorCtr="0" anchor="ctr" bIns="91425" lIns="91425" rIns="91425" tIns="91425">
+            <a:noAutofit/>
+          </a:bodyPr>
+          <a:lstStyle/>
+          <a:p>
+            <a:pPr lvl="0">
+              <a:spcBef>
+                <a:spcPts val="0"/>
+              </a:spcBef>
+              <a:buNone/>
+            </a:pPr>
+            <a:fld id="{00000000-1234-1234-1234-123412341234}" type="slidenum">
+              <a:rPr lang="en"/>
+              <a:t>‹#›</a:t>
+            </a:fld>
+          </a:p>
+        </p:txBody>
+      </p:sp>
+      <p:sp>
+        <p:nvSpPr>
+          <p:cNvPr id="146" name="Shape 146"/>
+          <p:cNvSpPr txBox="1"/>
+          <p:nvPr>
+            <p:ph type="title"/>
+          </p:nvPr>
+        </p:nvSpPr>
+        <p:spPr>
+          <a:xfrm>
+            <a:off x="311650" y="123291"/>
+            <a:ext cx="8520599" cy="763500"/>
+          </a:xfrm>
+          <a:prstGeom prst="rect">
+            <a:avLst/>
+          </a:prstGeom>
+        </p:spPr>
+        <p:txBody>
+          <a:bodyPr anchorCtr="0" anchor="t" bIns="91425" lIns="91425" rIns="91425" tIns="91425">
+            <a:noAutofit/>
+          </a:bodyPr>
+          <a:lstStyle/>
+          <a:p>
+            <a:pPr lvl="0">
+              <a:spcBef>
+                <a:spcPts val="0"/>
+              </a:spcBef>
+              <a:buNone/>
+            </a:pPr>
+            <a:r>
+              <a:rPr lang="en"/>
+              <a:t>CSS Components</a:t>
+            </a:r>
+          </a:p>
+        </p:txBody>
+      </p:sp>
+      <p:sp>
+        <p:nvSpPr>
+          <p:cNvPr id="147" name="Shape 147"/>
+          <p:cNvSpPr txBox="1"/>
+          <p:nvPr>
+            <p:ph idx="2" type="sldNum"/>
+          </p:nvPr>
+        </p:nvSpPr>
+        <p:spPr>
+          <a:xfrm>
+            <a:off x="8472457" y="6217622"/>
+            <a:ext cx="548699" cy="524699"/>
+          </a:xfrm>
+          <a:prstGeom prst="rect">
+            <a:avLst/>
+          </a:prstGeom>
+        </p:spPr>
+        <p:txBody>
+          <a:bodyPr anchorCtr="0" anchor="ctr" bIns="91425" lIns="91425" rIns="91425" tIns="91425">
+            <a:noAutofit/>
+          </a:bodyPr>
+          <a:lstStyle/>
+          <a:p>
+            <a:pPr lvl="0">
+              <a:spcBef>
+                <a:spcPts val="0"/>
+              </a:spcBef>
+              <a:buNone/>
+            </a:pPr>
+            <a:fld id="{00000000-1234-1234-1234-123412341234}" type="slidenum">
+              <a:rPr lang="en"/>
+              <a:t>‹#›</a:t>
+            </a:fld>
+          </a:p>
+        </p:txBody>
+      </p:sp>
+      <p:pic>
+        <p:nvPicPr>
+          <p:cNvPr id="148" name="Shape 148"/>
+          <p:cNvPicPr preferRelativeResize="0"/>
+          <p:nvPr/>
+        </p:nvPicPr>
+        <p:blipFill>
+          <a:blip r:embed="rId3">
+            <a:alphaModFix/>
+          </a:blip>
+          <a:stretch>
+            <a:fillRect/>
+          </a:stretch>
+        </p:blipFill>
+        <p:spPr>
+          <a:xfrm>
+            <a:off x="580524" y="1340701"/>
+            <a:ext cx="7982850" cy="5269625"/>
+          </a:xfrm>
+          <a:prstGeom prst="rect">
+            <a:avLst/>
+          </a:prstGeom>
+          <a:noFill/>
+          <a:ln>
+            <a:noFill/>
+          </a:ln>
+        </p:spPr>
+      </p:pic>
+    </p:spTree>
+  </p:cSld>
+  <p:clrMapOvr>
+    <a:masterClrMapping/>
+  </p:clrMapOvr>
+  <p:transition spd="slow">
+    <p:cut/>
+  </p:transition>
+</p:sld>
+</file>
+
+<file path=ppt/slides/slide11.xml><?xml version="1.0" encoding="utf-8"?>
+<p:sld xmlns:a="http://schemas.openxmlformats.org/drawingml/2006/main" xmlns:r="http://schemas.openxmlformats.org/officeDocument/2006/relationships" xmlns:mc="http://schemas.openxmlformats.org/markup-compatibility/2006" xmlns:mv="urn:schemas-microsoft-com:mac:vml" xmlns:p="http://schemas.openxmlformats.org/presentationml/2006/main" xmlns:c="http://schemas.openxmlformats.org/drawingml/2006/chart" xmlns:dgm="http://schemas.openxmlformats.org/drawingml/2006/diagram" xmlns:o="urn:schemas-microsoft-com:office:office" xmlns:v="urn:schemas-microsoft-com:vml" xmlns:pvml="urn:schemas-microsoft-com:office:powerpoint" xmlns:com="http://schemas.openxmlformats.org/drawingml/2006/compatibility" xmlns:p14="http://schemas.microsoft.com/office/powerpoint/2010/main">
+  <p:cSld>
+    <p:spTree>
+      <p:nvGrpSpPr>
+        <p:cNvPr id="152" name="Shape 152"/>
+        <p:cNvGrpSpPr/>
+        <p:nvPr/>
+      </p:nvGrpSpPr>
+      <p:grpSpPr>
+        <a:xfrm>
+          <a:off x="0" y="0"/>
+          <a:ext cx="0" cy="0"/>
+          <a:chOff x="0" y="0"/>
+          <a:chExt cx="0" cy="0"/>
+        </a:xfrm>
+      </p:grpSpPr>
+      <p:sp>
+        <p:nvSpPr>
+          <p:cNvPr id="153" name="Shape 153"/>
+          <p:cNvSpPr txBox="1"/>
+          <p:nvPr>
+            <p:ph idx="12" type="sldNum"/>
+          </p:nvPr>
+        </p:nvSpPr>
+        <p:spPr>
+          <a:xfrm>
+            <a:off x="8472457" y="8290163"/>
+            <a:ext cx="548699" cy="699599"/>
+          </a:xfrm>
+          <a:prstGeom prst="rect">
+            <a:avLst/>
+          </a:prstGeom>
+        </p:spPr>
+        <p:txBody>
+          <a:bodyPr anchorCtr="0" anchor="ctr" bIns="91425" lIns="91425" rIns="91425" tIns="91425">
+            <a:noAutofit/>
+          </a:bodyPr>
+          <a:lstStyle/>
+          <a:p>
+            <a:pPr lvl="0" rtl="0">
+              <a:spcBef>
+                <a:spcPts val="0"/>
+              </a:spcBef>
+              <a:buNone/>
+            </a:pPr>
+            <a:fld id="{00000000-1234-1234-1234-123412341234}" type="slidenum">
+              <a:rPr lang="en"/>
+              <a:t>‹#›</a:t>
+            </a:fld>
+          </a:p>
+        </p:txBody>
+      </p:sp>
+      <p:sp>
+        <p:nvSpPr>
+          <p:cNvPr id="154" name="Shape 154"/>
+          <p:cNvSpPr txBox="1"/>
+          <p:nvPr>
+            <p:ph type="title"/>
+          </p:nvPr>
+        </p:nvSpPr>
+        <p:spPr>
+          <a:xfrm>
+            <a:off x="311650" y="123291"/>
+            <a:ext cx="8520599" cy="763500"/>
+          </a:xfrm>
+          <a:prstGeom prst="rect">
+            <a:avLst/>
+          </a:prstGeom>
+        </p:spPr>
+        <p:txBody>
+          <a:bodyPr anchorCtr="0" anchor="t" bIns="91425" lIns="91425" rIns="91425" tIns="91425">
+            <a:noAutofit/>
+          </a:bodyPr>
+          <a:lstStyle/>
+          <a:p>
+            <a:pPr lvl="0" rtl="0">
+              <a:spcBef>
+                <a:spcPts val="0"/>
+              </a:spcBef>
+              <a:buNone/>
+            </a:pPr>
+            <a:r>
+              <a:rPr lang="en"/>
+              <a:t>CSS Components</a:t>
+            </a:r>
+          </a:p>
+        </p:txBody>
+      </p:sp>
+      <p:sp>
+        <p:nvSpPr>
+          <p:cNvPr id="155" name="Shape 155"/>
+          <p:cNvSpPr txBox="1"/>
+          <p:nvPr>
+            <p:ph idx="2" type="sldNum"/>
+          </p:nvPr>
+        </p:nvSpPr>
+        <p:spPr>
+          <a:xfrm>
+            <a:off x="8472457" y="6217622"/>
+            <a:ext cx="548699" cy="524699"/>
+          </a:xfrm>
+          <a:prstGeom prst="rect">
+            <a:avLst/>
+          </a:prstGeom>
+        </p:spPr>
+        <p:txBody>
+          <a:bodyPr anchorCtr="0" anchor="ctr" bIns="91425" lIns="91425" rIns="91425" tIns="91425">
+            <a:noAutofit/>
+          </a:bodyPr>
+          <a:lstStyle/>
+          <a:p>
+            <a:pPr lvl="0" rtl="0">
+              <a:spcBef>
+                <a:spcPts val="0"/>
+              </a:spcBef>
+              <a:buNone/>
+            </a:pPr>
+            <a:fld id="{00000000-1234-1234-1234-123412341234}" type="slidenum">
+              <a:rPr lang="en"/>
+              <a:t>‹#›</a:t>
+            </a:fld>
+          </a:p>
+        </p:txBody>
+      </p:sp>
+      <p:pic>
+        <p:nvPicPr>
+          <p:cNvPr id="156" name="Shape 156"/>
+          <p:cNvPicPr preferRelativeResize="0"/>
+          <p:nvPr/>
+        </p:nvPicPr>
+        <p:blipFill>
+          <a:blip r:embed="rId3">
+            <a:alphaModFix/>
+          </a:blip>
+          <a:stretch>
+            <a:fillRect/>
+          </a:stretch>
+        </p:blipFill>
+        <p:spPr>
+          <a:xfrm>
+            <a:off x="888962" y="1320024"/>
+            <a:ext cx="7365974" cy="5283975"/>
+          </a:xfrm>
+          <a:prstGeom prst="rect">
+            <a:avLst/>
+          </a:prstGeom>
+          <a:noFill/>
+          <a:ln>
+            <a:noFill/>
+          </a:ln>
+        </p:spPr>
+      </p:pic>
+    </p:spTree>
+  </p:cSld>
+  <p:clrMapOvr>
+    <a:masterClrMapping/>
+  </p:clrMapOvr>
+  <p:transition spd="slow">
+    <p:cut/>
+  </p:transition>
+</p:sld>
+</file>
+
+<file path=ppt/slides/slide12.xml><?xml version="1.0" encoding="utf-8"?>
+<p:sld xmlns:a="http://schemas.openxmlformats.org/drawingml/2006/main" xmlns:r="http://schemas.openxmlformats.org/officeDocument/2006/relationships" xmlns:mc="http://schemas.openxmlformats.org/markup-compatibility/2006" xmlns:mv="urn:schemas-microsoft-com:mac:vml" xmlns:p="http://schemas.openxmlformats.org/presentationml/2006/main" xmlns:c="http://schemas.openxmlformats.org/drawingml/2006/chart" xmlns:dgm="http://schemas.openxmlformats.org/drawingml/2006/diagram" xmlns:o="urn:schemas-microsoft-com:office:office" xmlns:v="urn:schemas-microsoft-com:vml" xmlns:pvml="urn:schemas-microsoft-com:office:powerpoint" xmlns:com="http://schemas.openxmlformats.org/drawingml/2006/compatibility" xmlns:p14="http://schemas.microsoft.com/office/powerpoint/2010/main">
+  <p:cSld>
+    <p:spTree>
+      <p:nvGrpSpPr>
+        <p:cNvPr id="160" name="Shape 160"/>
+        <p:cNvGrpSpPr/>
+        <p:nvPr/>
+      </p:nvGrpSpPr>
+      <p:grpSpPr>
+        <a:xfrm>
+          <a:off x="0" y="0"/>
+          <a:ext cx="0" cy="0"/>
+          <a:chOff x="0" y="0"/>
+          <a:chExt cx="0" cy="0"/>
+        </a:xfrm>
+      </p:grpSpPr>
+      <p:sp>
+        <p:nvSpPr>
+          <p:cNvPr id="161" name="Shape 161"/>
+          <p:cNvSpPr txBox="1"/>
+          <p:nvPr>
+            <p:ph idx="12" type="sldNum"/>
+          </p:nvPr>
+        </p:nvSpPr>
+        <p:spPr>
+          <a:xfrm>
+            <a:off x="8472457" y="8290163"/>
+            <a:ext cx="548699" cy="699599"/>
+          </a:xfrm>
+          <a:prstGeom prst="rect">
+            <a:avLst/>
+          </a:prstGeom>
+        </p:spPr>
+        <p:txBody>
+          <a:bodyPr anchorCtr="0" anchor="ctr" bIns="91425" lIns="91425" rIns="91425" tIns="91425">
+            <a:noAutofit/>
+          </a:bodyPr>
+          <a:lstStyle/>
+          <a:p>
+            <a:pPr lvl="0" rtl="0">
+              <a:spcBef>
+                <a:spcPts val="0"/>
+              </a:spcBef>
+              <a:buNone/>
+            </a:pPr>
+            <a:fld id="{00000000-1234-1234-1234-123412341234}" type="slidenum">
+              <a:rPr lang="en"/>
+              <a:t>‹#›</a:t>
+            </a:fld>
+          </a:p>
+        </p:txBody>
+      </p:sp>
+      <p:sp>
+        <p:nvSpPr>
+          <p:cNvPr id="162" name="Shape 162"/>
+          <p:cNvSpPr txBox="1"/>
+          <p:nvPr>
+            <p:ph type="title"/>
+          </p:nvPr>
+        </p:nvSpPr>
+        <p:spPr>
+          <a:xfrm>
+            <a:off x="311650" y="123291"/>
+            <a:ext cx="8520599" cy="763500"/>
+          </a:xfrm>
+          <a:prstGeom prst="rect">
+            <a:avLst/>
+          </a:prstGeom>
+        </p:spPr>
+        <p:txBody>
+          <a:bodyPr anchorCtr="0" anchor="t" bIns="91425" lIns="91425" rIns="91425" tIns="91425">
+            <a:noAutofit/>
+          </a:bodyPr>
+          <a:lstStyle/>
+          <a:p>
+            <a:pPr lvl="0" rtl="0">
+              <a:spcBef>
+                <a:spcPts val="0"/>
+              </a:spcBef>
+              <a:buNone/>
+            </a:pPr>
+            <a:r>
+              <a:rPr lang="en"/>
+              <a:t>CSS Components</a:t>
+            </a:r>
+          </a:p>
+        </p:txBody>
+      </p:sp>
+      <p:sp>
+        <p:nvSpPr>
+          <p:cNvPr id="163" name="Shape 163"/>
+          <p:cNvSpPr txBox="1"/>
+          <p:nvPr>
+            <p:ph idx="2" type="sldNum"/>
+          </p:nvPr>
+        </p:nvSpPr>
+        <p:spPr>
+          <a:xfrm>
+            <a:off x="8472457" y="6217622"/>
+            <a:ext cx="548699" cy="524699"/>
+          </a:xfrm>
+          <a:prstGeom prst="rect">
+            <a:avLst/>
+          </a:prstGeom>
+        </p:spPr>
+        <p:txBody>
+          <a:bodyPr anchorCtr="0" anchor="ctr" bIns="91425" lIns="91425" rIns="91425" tIns="91425">
+            <a:noAutofit/>
+          </a:bodyPr>
+          <a:lstStyle/>
+          <a:p>
+            <a:pPr lvl="0" rtl="0">
+              <a:spcBef>
+                <a:spcPts val="0"/>
+              </a:spcBef>
+              <a:buNone/>
+            </a:pPr>
+            <a:fld id="{00000000-1234-1234-1234-123412341234}" type="slidenum">
+              <a:rPr lang="en"/>
+              <a:t>‹#›</a:t>
+            </a:fld>
+          </a:p>
+        </p:txBody>
+      </p:sp>
+      <p:pic>
+        <p:nvPicPr>
+          <p:cNvPr id="164" name="Shape 164"/>
+          <p:cNvPicPr preferRelativeResize="0"/>
+          <p:nvPr/>
+        </p:nvPicPr>
+        <p:blipFill>
+          <a:blip r:embed="rId3">
+            <a:alphaModFix/>
+          </a:blip>
+          <a:stretch>
+            <a:fillRect/>
+          </a:stretch>
+        </p:blipFill>
+        <p:spPr>
+          <a:xfrm>
+            <a:off x="858037" y="1324425"/>
+            <a:ext cx="7427924" cy="5284975"/>
+          </a:xfrm>
+          <a:prstGeom prst="rect">
+            <a:avLst/>
+          </a:prstGeom>
+          <a:noFill/>
+          <a:ln>
+            <a:noFill/>
+          </a:ln>
+        </p:spPr>
+      </p:pic>
+    </p:spTree>
+  </p:cSld>
+  <p:clrMapOvr>
+    <a:masterClrMapping/>
+  </p:clrMapOvr>
+  <p:transition spd="slow">
+    <p:cut/>
+  </p:transition>
+</p:sld>
+</file>
+
+<file path=ppt/slides/slide13.xml><?xml version="1.0" encoding="utf-8"?>
+<p:sld xmlns:a="http://schemas.openxmlformats.org/drawingml/2006/main" xmlns:r="http://schemas.openxmlformats.org/officeDocument/2006/relationships" xmlns:mc="http://schemas.openxmlformats.org/markup-compatibility/2006" xmlns:mv="urn:schemas-microsoft-com:mac:vml" xmlns:p="http://schemas.openxmlformats.org/presentationml/2006/main" xmlns:c="http://schemas.openxmlformats.org/drawingml/2006/chart" xmlns:dgm="http://schemas.openxmlformats.org/drawingml/2006/diagram" xmlns:o="urn:schemas-microsoft-com:office:office" xmlns:v="urn:schemas-microsoft-com:vml" xmlns:pvml="urn:schemas-microsoft-com:office:powerpoint" xmlns:com="http://schemas.openxmlformats.org/drawingml/2006/compatibility" xmlns:p14="http://schemas.microsoft.com/office/powerpoint/2010/main">
+  <p:cSld>
+    <p:spTree>
+      <p:nvGrpSpPr>
+        <p:cNvPr id="168" name="Shape 168"/>
+        <p:cNvGrpSpPr/>
+        <p:nvPr/>
+      </p:nvGrpSpPr>
+      <p:grpSpPr>
+        <a:xfrm>
+          <a:off x="0" y="0"/>
+          <a:ext cx="0" cy="0"/>
+          <a:chOff x="0" y="0"/>
+          <a:chExt cx="0" cy="0"/>
+        </a:xfrm>
+      </p:grpSpPr>
+      <p:sp>
+        <p:nvSpPr>
+          <p:cNvPr id="169" name="Shape 169"/>
+          <p:cNvSpPr txBox="1"/>
+          <p:nvPr>
+            <p:ph idx="12" type="sldNum"/>
+          </p:nvPr>
+        </p:nvSpPr>
+        <p:spPr>
+          <a:xfrm>
+            <a:off x="8472457" y="8290163"/>
+            <a:ext cx="548699" cy="699599"/>
+          </a:xfrm>
+          <a:prstGeom prst="rect">
+            <a:avLst/>
+          </a:prstGeom>
+        </p:spPr>
+        <p:txBody>
+          <a:bodyPr anchorCtr="0" anchor="ctr" bIns="91425" lIns="91425" rIns="91425" tIns="91425">
+            <a:noAutofit/>
+          </a:bodyPr>
+          <a:lstStyle/>
+          <a:p>
+            <a:pPr lvl="0" rtl="0">
+              <a:spcBef>
+                <a:spcPts val="0"/>
+              </a:spcBef>
+              <a:buNone/>
+            </a:pPr>
+            <a:fld id="{00000000-1234-1234-1234-123412341234}" type="slidenum">
+              <a:rPr lang="en"/>
+              <a:t>‹#›</a:t>
+            </a:fld>
+          </a:p>
+        </p:txBody>
+      </p:sp>
+      <p:sp>
+        <p:nvSpPr>
+          <p:cNvPr id="170" name="Shape 170"/>
+          <p:cNvSpPr txBox="1"/>
+          <p:nvPr>
+            <p:ph type="title"/>
+          </p:nvPr>
+        </p:nvSpPr>
+        <p:spPr>
+          <a:xfrm>
+            <a:off x="311650" y="123291"/>
+            <a:ext cx="8520599" cy="763500"/>
+          </a:xfrm>
+          <a:prstGeom prst="rect">
+            <a:avLst/>
+          </a:prstGeom>
+        </p:spPr>
+        <p:txBody>
+          <a:bodyPr anchorCtr="0" anchor="t" bIns="91425" lIns="91425" rIns="91425" tIns="91425">
+            <a:noAutofit/>
+          </a:bodyPr>
+          <a:lstStyle/>
+          <a:p>
+            <a:pPr lvl="0" rtl="0">
+              <a:spcBef>
+                <a:spcPts val="0"/>
+              </a:spcBef>
+              <a:buNone/>
+            </a:pPr>
+            <a:r>
+              <a:rPr lang="en"/>
+              <a:t>Javascript Components</a:t>
+            </a:r>
+          </a:p>
+        </p:txBody>
+      </p:sp>
+      <p:sp>
+        <p:nvSpPr>
+          <p:cNvPr id="171" name="Shape 171"/>
+          <p:cNvSpPr txBox="1"/>
+          <p:nvPr>
+            <p:ph idx="2" type="sldNum"/>
+          </p:nvPr>
+        </p:nvSpPr>
+        <p:spPr>
+          <a:xfrm>
+            <a:off x="8472457" y="6217622"/>
+            <a:ext cx="548699" cy="524699"/>
+          </a:xfrm>
+          <a:prstGeom prst="rect">
+            <a:avLst/>
+          </a:prstGeom>
+        </p:spPr>
+        <p:txBody>
+          <a:bodyPr anchorCtr="0" anchor="ctr" bIns="91425" lIns="91425" rIns="91425" tIns="91425">
+            <a:noAutofit/>
+          </a:bodyPr>
+          <a:lstStyle/>
+          <a:p>
+            <a:pPr lvl="0" rtl="0">
+              <a:spcBef>
+                <a:spcPts val="0"/>
+              </a:spcBef>
+              <a:buNone/>
+            </a:pPr>
+            <a:fld id="{00000000-1234-1234-1234-123412341234}" type="slidenum">
+              <a:rPr lang="en"/>
+              <a:t>‹#›</a:t>
+            </a:fld>
+          </a:p>
+        </p:txBody>
+      </p:sp>
+      <p:pic>
+        <p:nvPicPr>
+          <p:cNvPr id="172" name="Shape 172"/>
+          <p:cNvPicPr preferRelativeResize="0"/>
+          <p:nvPr/>
+        </p:nvPicPr>
+        <p:blipFill>
+          <a:blip r:embed="rId3">
+            <a:alphaModFix/>
+          </a:blip>
+          <a:stretch>
+            <a:fillRect/>
+          </a:stretch>
+        </p:blipFill>
+        <p:spPr>
+          <a:xfrm>
+            <a:off x="892100" y="1288075"/>
+            <a:ext cx="7359799" cy="5454251"/>
+          </a:xfrm>
+          <a:prstGeom prst="rect">
+            <a:avLst/>
+          </a:prstGeom>
+          <a:noFill/>
+          <a:ln>
+            <a:noFill/>
+          </a:ln>
+        </p:spPr>
+      </p:pic>
+    </p:spTree>
+  </p:cSld>
+  <p:clrMapOvr>
+    <a:masterClrMapping/>
+  </p:clrMapOvr>
+  <p:transition spd="slow">
+    <p:cut/>
+  </p:transition>
+</p:sld>
+</file>
+
+<file path=ppt/slides/slide14.xml><?xml version="1.0" encoding="utf-8"?>
+<p:sld xmlns:a="http://schemas.openxmlformats.org/drawingml/2006/main" xmlns:r="http://schemas.openxmlformats.org/officeDocument/2006/relationships" xmlns:mc="http://schemas.openxmlformats.org/markup-compatibility/2006" xmlns:mv="urn:schemas-microsoft-com:mac:vml" xmlns:p="http://schemas.openxmlformats.org/presentationml/2006/main" xmlns:c="http://schemas.openxmlformats.org/drawingml/2006/chart" xmlns:dgm="http://schemas.openxmlformats.org/drawingml/2006/diagram" xmlns:o="urn:schemas-microsoft-com:office:office" xmlns:v="urn:schemas-microsoft-com:vml" xmlns:pvml="urn:schemas-microsoft-com:office:powerpoint" xmlns:com="http://schemas.openxmlformats.org/drawingml/2006/compatibility" xmlns:p14="http://schemas.microsoft.com/office/powerpoint/2010/main">
+  <p:cSld>
+    <p:spTree>
+      <p:nvGrpSpPr>
+        <p:cNvPr id="176" name="Shape 176"/>
+        <p:cNvGrpSpPr/>
+        <p:nvPr/>
+      </p:nvGrpSpPr>
+      <p:grpSpPr>
+        <a:xfrm>
+          <a:off x="0" y="0"/>
+          <a:ext cx="0" cy="0"/>
+          <a:chOff x="0" y="0"/>
+          <a:chExt cx="0" cy="0"/>
+        </a:xfrm>
+      </p:grpSpPr>
+      <p:sp>
+        <p:nvSpPr>
+          <p:cNvPr id="177" name="Shape 177"/>
+          <p:cNvSpPr txBox="1"/>
+          <p:nvPr>
+            <p:ph idx="12" type="sldNum"/>
+          </p:nvPr>
+        </p:nvSpPr>
+        <p:spPr>
+          <a:xfrm>
+            <a:off x="8472457" y="8290163"/>
+            <a:ext cx="548699" cy="699599"/>
+          </a:xfrm>
+          <a:prstGeom prst="rect">
+            <a:avLst/>
+          </a:prstGeom>
+        </p:spPr>
+        <p:txBody>
+          <a:bodyPr anchorCtr="0" anchor="ctr" bIns="91425" lIns="91425" rIns="91425" tIns="91425">
+            <a:noAutofit/>
+          </a:bodyPr>
+          <a:lstStyle/>
+          <a:p>
+            <a:pPr lvl="0" rtl="0">
+              <a:spcBef>
+                <a:spcPts val="0"/>
+              </a:spcBef>
+              <a:buNone/>
+            </a:pPr>
+            <a:fld id="{00000000-1234-1234-1234-123412341234}" type="slidenum">
+              <a:rPr lang="en"/>
+              <a:t>‹#›</a:t>
+            </a:fld>
+          </a:p>
+        </p:txBody>
+      </p:sp>
+      <p:sp>
+        <p:nvSpPr>
+          <p:cNvPr id="178" name="Shape 178"/>
+          <p:cNvSpPr txBox="1"/>
+          <p:nvPr>
+            <p:ph type="title"/>
+          </p:nvPr>
+        </p:nvSpPr>
+        <p:spPr>
+          <a:xfrm>
+            <a:off x="311650" y="123291"/>
+            <a:ext cx="8520599" cy="763500"/>
+          </a:xfrm>
+          <a:prstGeom prst="rect">
+            <a:avLst/>
+          </a:prstGeom>
+        </p:spPr>
+        <p:txBody>
+          <a:bodyPr anchorCtr="0" anchor="t" bIns="91425" lIns="91425" rIns="91425" tIns="91425">
+            <a:noAutofit/>
+          </a:bodyPr>
+          <a:lstStyle/>
+          <a:p>
+            <a:pPr lvl="0" rtl="0">
+              <a:spcBef>
+                <a:spcPts val="0"/>
+              </a:spcBef>
+              <a:buNone/>
+            </a:pPr>
+            <a:r>
+              <a:rPr lang="en"/>
+              <a:t>Javascript Components</a:t>
+            </a:r>
+          </a:p>
+        </p:txBody>
+      </p:sp>
+      <p:sp>
+        <p:nvSpPr>
+          <p:cNvPr id="179" name="Shape 179"/>
+          <p:cNvSpPr txBox="1"/>
+          <p:nvPr>
+            <p:ph idx="2" type="sldNum"/>
+          </p:nvPr>
+        </p:nvSpPr>
+        <p:spPr>
+          <a:xfrm>
+            <a:off x="8472457" y="6217622"/>
+            <a:ext cx="548699" cy="524699"/>
+          </a:xfrm>
+          <a:prstGeom prst="rect">
+            <a:avLst/>
+          </a:prstGeom>
+        </p:spPr>
+        <p:txBody>
+          <a:bodyPr anchorCtr="0" anchor="ctr" bIns="91425" lIns="91425" rIns="91425" tIns="91425">
+            <a:noAutofit/>
+          </a:bodyPr>
+          <a:lstStyle/>
+          <a:p>
+            <a:pPr lvl="0" rtl="0">
+              <a:spcBef>
+                <a:spcPts val="0"/>
+              </a:spcBef>
+              <a:buNone/>
+            </a:pPr>
+            <a:fld id="{00000000-1234-1234-1234-123412341234}" type="slidenum">
+              <a:rPr lang="en"/>
+              <a:t>‹#›</a:t>
+            </a:fld>
+          </a:p>
+        </p:txBody>
+      </p:sp>
+      <p:pic>
+        <p:nvPicPr>
+          <p:cNvPr id="180" name="Shape 180"/>
+          <p:cNvPicPr preferRelativeResize="0"/>
+          <p:nvPr/>
+        </p:nvPicPr>
+        <p:blipFill>
+          <a:blip r:embed="rId3">
+            <a:alphaModFix/>
+          </a:blip>
+          <a:stretch>
+            <a:fillRect/>
+          </a:stretch>
+        </p:blipFill>
+        <p:spPr>
+          <a:xfrm>
+            <a:off x="696962" y="1270000"/>
+            <a:ext cx="7749975" cy="5472325"/>
+          </a:xfrm>
+          <a:prstGeom prst="rect">
+            <a:avLst/>
+          </a:prstGeom>
+          <a:noFill/>
+          <a:ln>
+            <a:noFill/>
+          </a:ln>
+        </p:spPr>
+      </p:pic>
+    </p:spTree>
+  </p:cSld>
+  <p:clrMapOvr>
+    <a:masterClrMapping/>
+  </p:clrMapOvr>
+  <p:transition spd="slow">
+    <p:cut/>
+  </p:transition>
+</p:sld>
+</file>
+
+<file path=ppt/slides/slide15.xml><?xml version="1.0" encoding="utf-8"?>
+<p:sld xmlns:a="http://schemas.openxmlformats.org/drawingml/2006/main" xmlns:r="http://schemas.openxmlformats.org/officeDocument/2006/relationships" xmlns:mc="http://schemas.openxmlformats.org/markup-compatibility/2006" xmlns:mv="urn:schemas-microsoft-com:mac:vml" xmlns:p="http://schemas.openxmlformats.org/presentationml/2006/main" xmlns:c="http://schemas.openxmlformats.org/drawingml/2006/chart" xmlns:dgm="http://schemas.openxmlformats.org/drawingml/2006/diagram" xmlns:o="urn:schemas-microsoft-com:office:office" xmlns:v="urn:schemas-microsoft-com:vml" xmlns:pvml="urn:schemas-microsoft-com:office:powerpoint" xmlns:com="http://schemas.openxmlformats.org/drawingml/2006/compatibility" xmlns:p14="http://schemas.microsoft.com/office/powerpoint/2010/main">
+  <p:cSld>
+    <p:spTree>
+      <p:nvGrpSpPr>
+        <p:cNvPr id="184" name="Shape 184"/>
+        <p:cNvGrpSpPr/>
+        <p:nvPr/>
+      </p:nvGrpSpPr>
+      <p:grpSpPr>
+        <a:xfrm>
+          <a:off x="0" y="0"/>
+          <a:ext cx="0" cy="0"/>
+          <a:chOff x="0" y="0"/>
+          <a:chExt cx="0" cy="0"/>
+        </a:xfrm>
+      </p:grpSpPr>
+      <p:sp>
+        <p:nvSpPr>
+          <p:cNvPr id="185" name="Shape 185"/>
+          <p:cNvSpPr txBox="1"/>
+          <p:nvPr>
+            <p:ph idx="12" type="sldNum"/>
+          </p:nvPr>
+        </p:nvSpPr>
+        <p:spPr>
+          <a:xfrm>
+            <a:off x="8472457" y="8290163"/>
+            <a:ext cx="548699" cy="699599"/>
+          </a:xfrm>
+          <a:prstGeom prst="rect">
+            <a:avLst/>
+          </a:prstGeom>
+        </p:spPr>
+        <p:txBody>
+          <a:bodyPr anchorCtr="0" anchor="ctr" bIns="91425" lIns="91425" rIns="91425" tIns="91425">
+            <a:noAutofit/>
+          </a:bodyPr>
+          <a:lstStyle/>
+          <a:p>
+            <a:pPr lvl="0" rtl="0">
+              <a:spcBef>
+                <a:spcPts val="0"/>
+              </a:spcBef>
+              <a:buNone/>
+            </a:pPr>
+            <a:fld id="{00000000-1234-1234-1234-123412341234}" type="slidenum">
+              <a:rPr lang="en"/>
+              <a:t>‹#›</a:t>
+            </a:fld>
+          </a:p>
+        </p:txBody>
+      </p:sp>
+      <p:sp>
+        <p:nvSpPr>
+          <p:cNvPr id="186" name="Shape 186"/>
+          <p:cNvSpPr txBox="1"/>
+          <p:nvPr>
+            <p:ph type="title"/>
+          </p:nvPr>
+        </p:nvSpPr>
+        <p:spPr>
+          <a:xfrm>
+            <a:off x="311650" y="123291"/>
+            <a:ext cx="8520599" cy="763500"/>
+          </a:xfrm>
+          <a:prstGeom prst="rect">
+            <a:avLst/>
+          </a:prstGeom>
+        </p:spPr>
+        <p:txBody>
+          <a:bodyPr anchorCtr="0" anchor="t" bIns="91425" lIns="91425" rIns="91425" tIns="91425">
+            <a:noAutofit/>
+          </a:bodyPr>
+          <a:lstStyle/>
+          <a:p>
+            <a:pPr lvl="0" rtl="0">
+              <a:spcBef>
+                <a:spcPts val="0"/>
+              </a:spcBef>
+              <a:buNone/>
+            </a:pPr>
+            <a:r>
+              <a:rPr lang="en"/>
+              <a:t>Javascript Components</a:t>
+            </a:r>
+          </a:p>
+        </p:txBody>
+      </p:sp>
+      <p:sp>
+        <p:nvSpPr>
+          <p:cNvPr id="187" name="Shape 187"/>
+          <p:cNvSpPr txBox="1"/>
+          <p:nvPr>
+            <p:ph idx="2" type="sldNum"/>
+          </p:nvPr>
+        </p:nvSpPr>
+        <p:spPr>
+          <a:xfrm>
+            <a:off x="8472457" y="6217622"/>
+            <a:ext cx="548699" cy="524699"/>
+          </a:xfrm>
+          <a:prstGeom prst="rect">
+            <a:avLst/>
+          </a:prstGeom>
+        </p:spPr>
+        <p:txBody>
+          <a:bodyPr anchorCtr="0" anchor="ctr" bIns="91425" lIns="91425" rIns="91425" tIns="91425">
+            <a:noAutofit/>
+          </a:bodyPr>
+          <a:lstStyle/>
+          <a:p>
+            <a:pPr lvl="0" rtl="0">
+              <a:spcBef>
+                <a:spcPts val="0"/>
+              </a:spcBef>
+              <a:buNone/>
+            </a:pPr>
+            <a:fld id="{00000000-1234-1234-1234-123412341234}" type="slidenum">
+              <a:rPr lang="en"/>
+              <a:t>‹#›</a:t>
+            </a:fld>
+          </a:p>
+        </p:txBody>
+      </p:sp>
+      <p:pic>
+        <p:nvPicPr>
+          <p:cNvPr id="188" name="Shape 188"/>
+          <p:cNvPicPr preferRelativeResize="0"/>
+          <p:nvPr/>
+        </p:nvPicPr>
+        <p:blipFill>
+          <a:blip r:embed="rId3">
+            <a:alphaModFix/>
+          </a:blip>
+          <a:stretch>
+            <a:fillRect/>
+          </a:stretch>
+        </p:blipFill>
+        <p:spPr>
+          <a:xfrm>
+            <a:off x="780149" y="1315049"/>
+            <a:ext cx="7583699" cy="5427275"/>
+          </a:xfrm>
+          <a:prstGeom prst="rect">
+            <a:avLst/>
+          </a:prstGeom>
+          <a:noFill/>
+          <a:ln>
+            <a:noFill/>
+          </a:ln>
+        </p:spPr>
+      </p:pic>
+    </p:spTree>
+  </p:cSld>
+  <p:clrMapOvr>
+    <a:masterClrMapping/>
+  </p:clrMapOvr>
+  <p:transition spd="slow">
+    <p:cut/>
+  </p:transition>
+</p:sld>
+</file>
+
+<file path=ppt/slides/slide16.xml><?xml version="1.0" encoding="utf-8"?>
+<p:sld xmlns:a="http://schemas.openxmlformats.org/drawingml/2006/main" xmlns:r="http://schemas.openxmlformats.org/officeDocument/2006/relationships" xmlns:mc="http://schemas.openxmlformats.org/markup-compatibility/2006" xmlns:mv="urn:schemas-microsoft-com:mac:vml" xmlns:p="http://schemas.openxmlformats.org/presentationml/2006/main" xmlns:c="http://schemas.openxmlformats.org/drawingml/2006/chart" xmlns:dgm="http://schemas.openxmlformats.org/drawingml/2006/diagram" xmlns:o="urn:schemas-microsoft-com:office:office" xmlns:v="urn:schemas-microsoft-com:vml" xmlns:pvml="urn:schemas-microsoft-com:office:powerpoint" xmlns:com="http://schemas.openxmlformats.org/drawingml/2006/compatibility" xmlns:p14="http://schemas.microsoft.com/office/powerpoint/2010/main">
+  <p:cSld>
+    <p:spTree>
+      <p:nvGrpSpPr>
+        <p:cNvPr id="192" name="Shape 192"/>
+        <p:cNvGrpSpPr/>
+        <p:nvPr/>
+      </p:nvGrpSpPr>
+      <p:grpSpPr>
+        <a:xfrm>
+          <a:off x="0" y="0"/>
+          <a:ext cx="0" cy="0"/>
+          <a:chOff x="0" y="0"/>
+          <a:chExt cx="0" cy="0"/>
+        </a:xfrm>
+      </p:grpSpPr>
+      <p:sp>
+        <p:nvSpPr>
+          <p:cNvPr id="193" name="Shape 193"/>
+          <p:cNvSpPr txBox="1"/>
+          <p:nvPr>
+            <p:ph idx="1" type="body"/>
+          </p:nvPr>
+        </p:nvSpPr>
+        <p:spPr>
+          <a:xfrm>
+            <a:off x="311700" y="1536623"/>
+            <a:ext cx="8520599" cy="5205600"/>
+          </a:xfrm>
+          <a:prstGeom prst="rect">
+            <a:avLst/>
+          </a:prstGeom>
+        </p:spPr>
+        <p:txBody>
+          <a:bodyPr anchorCtr="0" anchor="ctr" bIns="91425" lIns="91425" rIns="91425" tIns="91425">
+            <a:noAutofit/>
+          </a:bodyPr>
+          <a:lstStyle/>
+          <a:p>
+            <a:pPr indent="-381000" lvl="0" marL="457200" rtl="0">
+              <a:lnSpc>
+                <a:spcPct val="200000"/>
+              </a:lnSpc>
+              <a:spcBef>
+                <a:spcPts val="0"/>
+              </a:spcBef>
+              <a:buSzPct val="100000"/>
+            </a:pPr>
+            <a:r>
+              <a:rPr lang="en" sz="2400"/>
+              <a:t>ionic start &lt;appName&gt; &lt;template&gt;</a:t>
+            </a:r>
+          </a:p>
+          <a:p>
+            <a:pPr indent="-381000" lvl="0" marL="457200" rtl="0">
+              <a:lnSpc>
+                <a:spcPct val="200000"/>
+              </a:lnSpc>
+              <a:spcBef>
+                <a:spcPts val="0"/>
+              </a:spcBef>
+              <a:buSzPct val="100000"/>
+            </a:pPr>
+            <a:r>
+              <a:rPr lang="en" sz="2400"/>
+              <a:t>ionic serve [--livereload] [--lab]</a:t>
+            </a:r>
+          </a:p>
+          <a:p>
+            <a:pPr indent="-381000" lvl="0" marL="457200" rtl="0">
+              <a:lnSpc>
+                <a:spcPct val="200000"/>
+              </a:lnSpc>
+              <a:spcBef>
+                <a:spcPts val="0"/>
+              </a:spcBef>
+              <a:buSzPct val="100000"/>
+            </a:pPr>
+            <a:r>
+              <a:rPr lang="en" sz="2400"/>
+              <a:t>ionic platform add &lt;platform&gt;</a:t>
+            </a:r>
+          </a:p>
+          <a:p>
+            <a:pPr indent="-381000" lvl="0" marL="457200" rtl="0">
+              <a:lnSpc>
+                <a:spcPct val="200000"/>
+              </a:lnSpc>
+              <a:spcBef>
+                <a:spcPts val="0"/>
+              </a:spcBef>
+              <a:buSzPct val="100000"/>
+            </a:pPr>
+            <a:r>
+              <a:rPr lang="en" sz="2400"/>
+              <a:t>ionic build &lt;platform&gt;</a:t>
+            </a:r>
+          </a:p>
+          <a:p>
+            <a:pPr indent="-381000" lvl="0" marL="457200" rtl="0">
+              <a:lnSpc>
+                <a:spcPct val="200000"/>
+              </a:lnSpc>
+              <a:spcBef>
+                <a:spcPts val="0"/>
+              </a:spcBef>
+              <a:buSzPct val="100000"/>
+            </a:pPr>
+            <a:r>
+              <a:rPr lang="en" sz="2400"/>
+              <a:t>ionic emulate &lt;platform&gt;</a:t>
+            </a:r>
+          </a:p>
+          <a:p>
+            <a:pPr indent="-381000" lvl="0" marL="457200" rtl="0">
+              <a:lnSpc>
+                <a:spcPct val="200000"/>
+              </a:lnSpc>
+              <a:spcBef>
+                <a:spcPts val="0"/>
+              </a:spcBef>
+              <a:buSzPct val="100000"/>
+            </a:pPr>
+            <a:r>
+              <a:rPr lang="en" sz="2400"/>
+              <a:t>ionic help</a:t>
+            </a:r>
+          </a:p>
+        </p:txBody>
+      </p:sp>
+      <p:sp>
+        <p:nvSpPr>
+          <p:cNvPr id="194" name="Shape 194"/>
+          <p:cNvSpPr txBox="1"/>
+          <p:nvPr>
+            <p:ph idx="12" type="sldNum"/>
+          </p:nvPr>
+        </p:nvSpPr>
+        <p:spPr>
+          <a:xfrm>
+            <a:off x="8472457" y="8290163"/>
+            <a:ext cx="548699" cy="699599"/>
+          </a:xfrm>
+          <a:prstGeom prst="rect">
+            <a:avLst/>
+          </a:prstGeom>
+        </p:spPr>
+        <p:txBody>
+          <a:bodyPr anchorCtr="0" anchor="ctr" bIns="91425" lIns="91425" rIns="91425" tIns="91425">
+            <a:noAutofit/>
+          </a:bodyPr>
+          <a:lstStyle/>
+          <a:p>
+            <a:pPr lvl="0" rtl="0">
+              <a:spcBef>
+                <a:spcPts val="0"/>
+              </a:spcBef>
+              <a:buNone/>
+            </a:pPr>
+            <a:fld id="{00000000-1234-1234-1234-123412341234}" type="slidenum">
+              <a:rPr lang="en"/>
+              <a:t>‹#›</a:t>
+            </a:fld>
+          </a:p>
+        </p:txBody>
+      </p:sp>
+      <p:sp>
+        <p:nvSpPr>
+          <p:cNvPr id="195" name="Shape 195"/>
+          <p:cNvSpPr txBox="1"/>
+          <p:nvPr>
+            <p:ph type="title"/>
+          </p:nvPr>
+        </p:nvSpPr>
+        <p:spPr>
+          <a:xfrm>
+            <a:off x="311650" y="123291"/>
+            <a:ext cx="8520599" cy="763500"/>
+          </a:xfrm>
+          <a:prstGeom prst="rect">
+            <a:avLst/>
+          </a:prstGeom>
+        </p:spPr>
+        <p:txBody>
+          <a:bodyPr anchorCtr="0" anchor="t" bIns="91425" lIns="91425" rIns="91425" tIns="91425">
+            <a:noAutofit/>
+          </a:bodyPr>
+          <a:lstStyle/>
+          <a:p>
+            <a:pPr lvl="0" rtl="0">
+              <a:spcBef>
+                <a:spcPts val="0"/>
+              </a:spcBef>
+              <a:buNone/>
+            </a:pPr>
+            <a:r>
+              <a:rPr lang="en"/>
+              <a:t>CLI</a:t>
+            </a:r>
+          </a:p>
+        </p:txBody>
+      </p:sp>
+      <p:sp>
+        <p:nvSpPr>
+          <p:cNvPr id="196" name="Shape 196"/>
+          <p:cNvSpPr txBox="1"/>
+          <p:nvPr>
+            <p:ph idx="2" type="sldNum"/>
+          </p:nvPr>
+        </p:nvSpPr>
+        <p:spPr>
+          <a:xfrm>
+            <a:off x="8472457" y="6217622"/>
+            <a:ext cx="548699" cy="524699"/>
+          </a:xfrm>
+          <a:prstGeom prst="rect">
+            <a:avLst/>
+          </a:prstGeom>
+        </p:spPr>
+        <p:txBody>
+          <a:bodyPr anchorCtr="0" anchor="ctr" bIns="91425" lIns="91425" rIns="91425" tIns="91425">
+            <a:noAutofit/>
+          </a:bodyPr>
+          <a:lstStyle/>
+          <a:p>
+            <a:pPr lvl="0" rtl="0">
+              <a:spcBef>
+                <a:spcPts val="0"/>
+              </a:spcBef>
+              <a:buNone/>
+            </a:pPr>
+            <a:fld id="{00000000-1234-1234-1234-123412341234}" type="slidenum">
+              <a:rPr lang="en"/>
+              <a:t>‹#›</a:t>
+            </a:fld>
+          </a:p>
+        </p:txBody>
+      </p:sp>
+    </p:spTree>
+  </p:cSld>
+  <p:clrMapOvr>
+    <a:masterClrMapping/>
+  </p:clrMapOvr>
+  <p:transition spd="slow">
+    <p:cut/>
+  </p:transition>
+</p:sld>
+</file>
+
+<file path=ppt/slides/slide17.xml><?xml version="1.0" encoding="utf-8"?>
+<p:sld xmlns:a="http://schemas.openxmlformats.org/drawingml/2006/main" xmlns:r="http://schemas.openxmlformats.org/officeDocument/2006/relationships" xmlns:mc="http://schemas.openxmlformats.org/markup-compatibility/2006" xmlns:mv="urn:schemas-microsoft-com:mac:vml" xmlns:p="http://schemas.openxmlformats.org/presentationml/2006/main" xmlns:c="http://schemas.openxmlformats.org/drawingml/2006/chart" xmlns:dgm="http://schemas.openxmlformats.org/drawingml/2006/diagram" xmlns:o="urn:schemas-microsoft-com:office:office" xmlns:v="urn:schemas-microsoft-com:vml" xmlns:pvml="urn:schemas-microsoft-com:office:powerpoint" xmlns:com="http://schemas.openxmlformats.org/drawingml/2006/compatibility" xmlns:p14="http://schemas.microsoft.com/office/powerpoint/2010/main">
+  <p:cSld>
+    <p:spTree>
+      <p:nvGrpSpPr>
+        <p:cNvPr id="200" name="Shape 200"/>
+        <p:cNvGrpSpPr/>
+        <p:nvPr/>
+      </p:nvGrpSpPr>
+      <p:grpSpPr>
+        <a:xfrm>
+          <a:off x="0" y="0"/>
+          <a:ext cx="0" cy="0"/>
+          <a:chOff x="0" y="0"/>
+          <a:chExt cx="0" cy="0"/>
+        </a:xfrm>
+      </p:grpSpPr>
+      <p:sp>
+        <p:nvSpPr>
+          <p:cNvPr id="201" name="Shape 201"/>
+          <p:cNvSpPr txBox="1"/>
+          <p:nvPr>
+            <p:ph idx="1" type="body"/>
+          </p:nvPr>
+        </p:nvSpPr>
+        <p:spPr>
+          <a:xfrm>
+            <a:off x="311700" y="1536623"/>
+            <a:ext cx="8520599" cy="5205600"/>
+          </a:xfrm>
+          <a:prstGeom prst="rect">
+            <a:avLst/>
+          </a:prstGeom>
+        </p:spPr>
+        <p:txBody>
+          <a:bodyPr anchorCtr="0" anchor="ctr" bIns="91425" lIns="91425" rIns="91425" tIns="91425">
+            <a:noAutofit/>
+          </a:bodyPr>
+          <a:lstStyle/>
+          <a:p>
+            <a:pPr indent="-381000" lvl="0" marL="457200" rtl="0">
+              <a:lnSpc>
+                <a:spcPct val="150000"/>
+              </a:lnSpc>
+              <a:spcBef>
+                <a:spcPts val="0"/>
+              </a:spcBef>
+              <a:buSzPct val="100000"/>
+            </a:pPr>
+            <a:r>
+              <a:rPr lang="en" sz="2400">
+                <a:highlight>
+                  <a:srgbClr val="D9D9D9"/>
+                </a:highlight>
+              </a:rPr>
+              <a:t>/hooks</a:t>
+            </a:r>
+            <a:r>
+              <a:rPr lang="en" sz="2400"/>
+              <a:t> Cordova custom commands</a:t>
+            </a:r>
+          </a:p>
+          <a:p>
+            <a:pPr indent="-381000" lvl="0" marL="457200" rtl="0">
+              <a:lnSpc>
+                <a:spcPct val="150000"/>
+              </a:lnSpc>
+              <a:spcBef>
+                <a:spcPts val="0"/>
+              </a:spcBef>
+              <a:buSzPct val="100000"/>
+            </a:pPr>
+            <a:r>
+              <a:rPr lang="en" sz="2400">
+                <a:highlight>
+                  <a:srgbClr val="D9D9D9"/>
+                </a:highlight>
+              </a:rPr>
+              <a:t>/platforms</a:t>
+            </a:r>
+            <a:r>
+              <a:rPr lang="en" sz="2400"/>
+              <a:t> Android, iOS, Windows, etc.</a:t>
+            </a:r>
+          </a:p>
+          <a:p>
+            <a:pPr indent="-381000" lvl="0" marL="457200" rtl="0">
+              <a:lnSpc>
+                <a:spcPct val="150000"/>
+              </a:lnSpc>
+              <a:spcBef>
+                <a:spcPts val="0"/>
+              </a:spcBef>
+              <a:buSzPct val="100000"/>
+            </a:pPr>
+            <a:r>
+              <a:rPr lang="en" sz="2400">
+                <a:highlight>
+                  <a:srgbClr val="D9D9D9"/>
+                </a:highlight>
+              </a:rPr>
+              <a:t>/plugins</a:t>
+            </a:r>
+            <a:r>
+              <a:rPr lang="en" sz="2400"/>
+              <a:t> Cordova plugins</a:t>
+            </a:r>
+          </a:p>
+          <a:p>
+            <a:pPr indent="-381000" lvl="0" marL="457200" rtl="0">
+              <a:lnSpc>
+                <a:spcPct val="150000"/>
+              </a:lnSpc>
+              <a:spcBef>
+                <a:spcPts val="0"/>
+              </a:spcBef>
+              <a:buSzPct val="100000"/>
+            </a:pPr>
+            <a:r>
+              <a:rPr lang="en" sz="2400">
+                <a:highlight>
+                  <a:srgbClr val="D9D9D9"/>
+                </a:highlight>
+              </a:rPr>
+              <a:t>/resources</a:t>
+            </a:r>
+            <a:r>
+              <a:rPr lang="en" sz="2400"/>
+              <a:t> Icon &amp; splash images</a:t>
+            </a:r>
+          </a:p>
+          <a:p>
+            <a:pPr indent="-381000" lvl="0" marL="457200" rtl="0">
+              <a:lnSpc>
+                <a:spcPct val="150000"/>
+              </a:lnSpc>
+              <a:spcBef>
+                <a:spcPts val="0"/>
+              </a:spcBef>
+              <a:buSzPct val="100000"/>
+            </a:pPr>
+            <a:r>
+              <a:rPr lang="en" sz="2400">
+                <a:highlight>
+                  <a:srgbClr val="D9D9D9"/>
+                </a:highlight>
+              </a:rPr>
+              <a:t>/scss</a:t>
+            </a:r>
+            <a:r>
+              <a:rPr lang="en" sz="2400"/>
+              <a:t> Sass stylesheet files</a:t>
+            </a:r>
+          </a:p>
+          <a:p>
+            <a:pPr indent="-381000" lvl="0" marL="457200" rtl="0">
+              <a:lnSpc>
+                <a:spcPct val="150000"/>
+              </a:lnSpc>
+              <a:spcBef>
+                <a:spcPts val="0"/>
+              </a:spcBef>
+              <a:buSzPct val="100000"/>
+            </a:pPr>
+            <a:r>
+              <a:rPr lang="en" sz="2400">
+                <a:highlight>
+                  <a:srgbClr val="D9D9D9"/>
+                </a:highlight>
+              </a:rPr>
+              <a:t>/www</a:t>
+            </a:r>
+            <a:r>
+              <a:rPr lang="en" sz="2400"/>
+              <a:t> Root directory</a:t>
+            </a:r>
+          </a:p>
+          <a:p>
+            <a:pPr indent="-381000" lvl="0" marL="457200" rtl="0">
+              <a:lnSpc>
+                <a:spcPct val="150000"/>
+              </a:lnSpc>
+              <a:spcBef>
+                <a:spcPts val="0"/>
+              </a:spcBef>
+              <a:buSzPct val="100000"/>
+            </a:pPr>
+            <a:r>
+              <a:rPr lang="en" sz="2400">
+                <a:highlight>
+                  <a:srgbClr val="D9D9D9"/>
+                </a:highlight>
+              </a:rPr>
+              <a:t>/www/lib</a:t>
+            </a:r>
+            <a:r>
+              <a:rPr lang="en" sz="2400"/>
+              <a:t> Bower packages</a:t>
+            </a:r>
+          </a:p>
+        </p:txBody>
+      </p:sp>
+      <p:sp>
+        <p:nvSpPr>
+          <p:cNvPr id="202" name="Shape 202"/>
+          <p:cNvSpPr txBox="1"/>
+          <p:nvPr>
+            <p:ph idx="12" type="sldNum"/>
+          </p:nvPr>
+        </p:nvSpPr>
+        <p:spPr>
+          <a:xfrm>
+            <a:off x="8472457" y="8290163"/>
+            <a:ext cx="548699" cy="699599"/>
+          </a:xfrm>
+          <a:prstGeom prst="rect">
+            <a:avLst/>
+          </a:prstGeom>
+        </p:spPr>
+        <p:txBody>
+          <a:bodyPr anchorCtr="0" anchor="ctr" bIns="91425" lIns="91425" rIns="91425" tIns="91425">
+            <a:noAutofit/>
+          </a:bodyPr>
+          <a:lstStyle/>
+          <a:p>
+            <a:pPr lvl="0" rtl="0">
+              <a:spcBef>
+                <a:spcPts val="0"/>
+              </a:spcBef>
+              <a:buNone/>
+            </a:pPr>
+            <a:fld id="{00000000-1234-1234-1234-123412341234}" type="slidenum">
+              <a:rPr lang="en"/>
+              <a:t>‹#›</a:t>
+            </a:fld>
+          </a:p>
+        </p:txBody>
+      </p:sp>
+      <p:sp>
+        <p:nvSpPr>
+          <p:cNvPr id="203" name="Shape 203"/>
+          <p:cNvSpPr txBox="1"/>
+          <p:nvPr>
+            <p:ph type="title"/>
+          </p:nvPr>
+        </p:nvSpPr>
+        <p:spPr>
+          <a:xfrm>
+            <a:off x="311650" y="123291"/>
+            <a:ext cx="8520599" cy="763500"/>
+          </a:xfrm>
+          <a:prstGeom prst="rect">
+            <a:avLst/>
+          </a:prstGeom>
+        </p:spPr>
+        <p:txBody>
+          <a:bodyPr anchorCtr="0" anchor="t" bIns="91425" lIns="91425" rIns="91425" tIns="91425">
+            <a:noAutofit/>
+          </a:bodyPr>
+          <a:lstStyle/>
+          <a:p>
+            <a:pPr lvl="0" rtl="0">
+              <a:spcBef>
+                <a:spcPts val="0"/>
+              </a:spcBef>
+              <a:buNone/>
+            </a:pPr>
+            <a:r>
+              <a:rPr lang="en"/>
+              <a:t>Folder structure</a:t>
+            </a:r>
+          </a:p>
+        </p:txBody>
+      </p:sp>
+      <p:sp>
+        <p:nvSpPr>
+          <p:cNvPr id="204" name="Shape 204"/>
+          <p:cNvSpPr txBox="1"/>
+          <p:nvPr>
+            <p:ph idx="2" type="sldNum"/>
+          </p:nvPr>
+        </p:nvSpPr>
+        <p:spPr>
+          <a:xfrm>
+            <a:off x="8472457" y="6217622"/>
+            <a:ext cx="548699" cy="524699"/>
+          </a:xfrm>
+          <a:prstGeom prst="rect">
+            <a:avLst/>
+          </a:prstGeom>
+        </p:spPr>
+        <p:txBody>
+          <a:bodyPr anchorCtr="0" anchor="ctr" bIns="91425" lIns="91425" rIns="91425" tIns="91425">
+            <a:noAutofit/>
+          </a:bodyPr>
+          <a:lstStyle/>
+          <a:p>
+            <a:pPr lvl="0" rtl="0">
+              <a:spcBef>
+                <a:spcPts val="0"/>
+              </a:spcBef>
+              <a:buNone/>
+            </a:pPr>
+            <a:fld id="{00000000-1234-1234-1234-123412341234}" type="slidenum">
+              <a:rPr lang="en"/>
+              <a:t>‹#›</a:t>
+            </a:fld>
+          </a:p>
+        </p:txBody>
+      </p:sp>
+    </p:spTree>
+  </p:cSld>
+  <p:clrMapOvr>
+    <a:masterClrMapping/>
+  </p:clrMapOvr>
+  <p:transition spd="slow">
+    <p:cut/>
+  </p:transition>
+</p:sld>
+</file>
+
+<file path=ppt/slides/slide18.xml><?xml version="1.0" encoding="utf-8"?>
+<p:sld xmlns:a="http://schemas.openxmlformats.org/drawingml/2006/main" xmlns:r="http://schemas.openxmlformats.org/officeDocument/2006/relationships" xmlns:mc="http://schemas.openxmlformats.org/markup-compatibility/2006" xmlns:mv="urn:schemas-microsoft-com:mac:vml" xmlns:p="http://schemas.openxmlformats.org/presentationml/2006/main" xmlns:c="http://schemas.openxmlformats.org/drawingml/2006/chart" xmlns:dgm="http://schemas.openxmlformats.org/drawingml/2006/diagram" xmlns:o="urn:schemas-microsoft-com:office:office" xmlns:v="urn:schemas-microsoft-com:vml" xmlns:pvml="urn:schemas-microsoft-com:office:powerpoint" xmlns:com="http://schemas.openxmlformats.org/drawingml/2006/compatibility" xmlns:p14="http://schemas.microsoft.com/office/powerpoint/2010/main">
+  <p:cSld>
+    <p:spTree>
+      <p:nvGrpSpPr>
+        <p:cNvPr id="208" name="Shape 208"/>
+        <p:cNvGrpSpPr/>
+        <p:nvPr/>
+      </p:nvGrpSpPr>
+      <p:grpSpPr>
+        <a:xfrm>
+          <a:off x="0" y="0"/>
+          <a:ext cx="0" cy="0"/>
+          <a:chOff x="0" y="0"/>
+          <a:chExt cx="0" cy="0"/>
+        </a:xfrm>
+      </p:grpSpPr>
+      <p:sp>
+        <p:nvSpPr>
+          <p:cNvPr id="209" name="Shape 209"/>
+          <p:cNvSpPr txBox="1"/>
+          <p:nvPr>
+            <p:ph idx="12" type="sldNum"/>
+          </p:nvPr>
+        </p:nvSpPr>
+        <p:spPr>
+          <a:xfrm>
+            <a:off x="8472457" y="8290163"/>
+            <a:ext cx="548699" cy="699599"/>
+          </a:xfrm>
+          <a:prstGeom prst="rect">
+            <a:avLst/>
+          </a:prstGeom>
+        </p:spPr>
+        <p:txBody>
+          <a:bodyPr anchorCtr="0" anchor="ctr" bIns="91425" lIns="91425" rIns="91425" tIns="91425">
+            <a:noAutofit/>
+          </a:bodyPr>
+          <a:lstStyle/>
+          <a:p>
+            <a:pPr lvl="0" rtl="0">
+              <a:spcBef>
+                <a:spcPts val="0"/>
+              </a:spcBef>
+              <a:buNone/>
+            </a:pPr>
+            <a:fld id="{00000000-1234-1234-1234-123412341234}" type="slidenum">
+              <a:rPr lang="en"/>
+              <a:t>‹#›</a:t>
+            </a:fld>
+          </a:p>
+        </p:txBody>
+      </p:sp>
+      <p:sp>
+        <p:nvSpPr>
+          <p:cNvPr id="210" name="Shape 210"/>
+          <p:cNvSpPr txBox="1"/>
+          <p:nvPr>
+            <p:ph type="title"/>
+          </p:nvPr>
+        </p:nvSpPr>
+        <p:spPr>
+          <a:xfrm>
+            <a:off x="311650" y="123291"/>
+            <a:ext cx="8520599" cy="763500"/>
+          </a:xfrm>
+          <a:prstGeom prst="rect">
+            <a:avLst/>
+          </a:prstGeom>
+        </p:spPr>
+        <p:txBody>
+          <a:bodyPr anchorCtr="0" anchor="t" bIns="91425" lIns="91425" rIns="91425" tIns="91425">
+            <a:noAutofit/>
+          </a:bodyPr>
+          <a:lstStyle/>
+          <a:p>
+            <a:pPr lvl="0" rtl="0">
+              <a:spcBef>
+                <a:spcPts val="0"/>
+              </a:spcBef>
+              <a:buNone/>
+            </a:pPr>
+            <a:r>
+              <a:rPr lang="en"/>
+              <a:t>Demo</a:t>
+            </a:r>
+          </a:p>
+        </p:txBody>
+      </p:sp>
+      <p:sp>
+        <p:nvSpPr>
+          <p:cNvPr id="211" name="Shape 211"/>
+          <p:cNvSpPr txBox="1"/>
+          <p:nvPr>
+            <p:ph idx="2" type="sldNum"/>
+          </p:nvPr>
+        </p:nvSpPr>
+        <p:spPr>
+          <a:xfrm>
+            <a:off x="8472457" y="6217622"/>
+            <a:ext cx="548699" cy="524699"/>
+          </a:xfrm>
+          <a:prstGeom prst="rect">
+            <a:avLst/>
+          </a:prstGeom>
+        </p:spPr>
+        <p:txBody>
+          <a:bodyPr anchorCtr="0" anchor="ctr" bIns="91425" lIns="91425" rIns="91425" tIns="91425">
+            <a:noAutofit/>
+          </a:bodyPr>
+          <a:lstStyle/>
+          <a:p>
+            <a:pPr lvl="0" rtl="0">
+              <a:spcBef>
+                <a:spcPts val="0"/>
+              </a:spcBef>
+              <a:buNone/>
+            </a:pPr>
+            <a:fld id="{00000000-1234-1234-1234-123412341234}" type="slidenum">
+              <a:rPr lang="en"/>
+              <a:t>‹#›</a:t>
+            </a:fld>
+          </a:p>
+        </p:txBody>
+      </p:sp>
+      <p:sp>
+        <p:nvSpPr>
+          <p:cNvPr id="212" name="Shape 212"/>
+          <p:cNvSpPr txBox="1"/>
+          <p:nvPr>
+            <p:ph idx="1" type="body"/>
+          </p:nvPr>
+        </p:nvSpPr>
+        <p:spPr>
+          <a:xfrm>
+            <a:off x="311700" y="1536633"/>
+            <a:ext cx="8520599" cy="4555199"/>
+          </a:xfrm>
+          <a:prstGeom prst="rect">
+            <a:avLst/>
+          </a:prstGeom>
+        </p:spPr>
+        <p:txBody>
+          <a:bodyPr anchorCtr="0" anchor="ctr" bIns="91425" lIns="91425" rIns="91425" tIns="91425">
+            <a:noAutofit/>
+          </a:bodyPr>
+          <a:lstStyle/>
+          <a:p>
+            <a:pPr lvl="0" rtl="0">
+              <a:spcBef>
+                <a:spcPts val="0"/>
+              </a:spcBef>
+              <a:buNone/>
+            </a:pPr>
+            <a:r>
+              <a:rPr b="1" lang="en" sz="2400"/>
+              <a:t>Install Ionic and Cordova</a:t>
+            </a:r>
+          </a:p>
+          <a:p>
+            <a:pPr indent="0" lvl="0" marL="457200" rtl="0">
+              <a:spcBef>
+                <a:spcPts val="0"/>
+              </a:spcBef>
+              <a:buNone/>
+            </a:pPr>
+            <a:r>
+              <a:rPr lang="en" sz="2400">
+                <a:solidFill>
+                  <a:srgbClr val="434343"/>
+                </a:solidFill>
+              </a:rPr>
+              <a:t>&gt; npm install -g cordova ionic</a:t>
+            </a:r>
+          </a:p>
+          <a:p>
+            <a:pPr lvl="0" rtl="0">
+              <a:spcBef>
+                <a:spcPts val="0"/>
+              </a:spcBef>
+              <a:buNone/>
+            </a:pPr>
+            <a:r>
+              <a:t/>
+            </a:r>
+            <a:endParaRPr sz="2400"/>
+          </a:p>
+          <a:p>
+            <a:pPr lvl="0" rtl="0">
+              <a:spcBef>
+                <a:spcPts val="0"/>
+              </a:spcBef>
+              <a:buNone/>
+            </a:pPr>
+            <a:r>
+              <a:rPr b="1" lang="en" sz="2400"/>
+              <a:t>Optionally</a:t>
+            </a:r>
+            <a:r>
+              <a:rPr lang="en" sz="2400"/>
+              <a:t> install Gulp and Sass</a:t>
+            </a:r>
+          </a:p>
+          <a:p>
+            <a:pPr indent="0" lvl="0" marL="457200" rtl="0">
+              <a:spcBef>
+                <a:spcPts val="0"/>
+              </a:spcBef>
+              <a:buNone/>
+            </a:pPr>
+            <a:r>
+              <a:rPr lang="en" sz="2400">
+                <a:solidFill>
+                  <a:srgbClr val="434343"/>
+                </a:solidFill>
+              </a:rPr>
+              <a:t>&gt; gem install sass</a:t>
+            </a:r>
+          </a:p>
+          <a:p>
+            <a:pPr indent="0" lvl="0" marL="457200" rtl="0">
+              <a:spcBef>
+                <a:spcPts val="0"/>
+              </a:spcBef>
+              <a:buNone/>
+            </a:pPr>
+            <a:r>
+              <a:rPr lang="en" sz="2400">
+                <a:solidFill>
+                  <a:srgbClr val="434343"/>
+                </a:solidFill>
+              </a:rPr>
+              <a:t>&gt; npm install -g gulp</a:t>
+            </a:r>
+          </a:p>
+        </p:txBody>
+      </p:sp>
+    </p:spTree>
+  </p:cSld>
+  <p:clrMapOvr>
+    <a:masterClrMapping/>
+  </p:clrMapOvr>
+  <p:transition spd="slow">
+    <p:cut/>
+  </p:transition>
+</p:sld>
+</file>
+
+<file path=ppt/slides/slide19.xml><?xml version="1.0" encoding="utf-8"?>
+<p:sld xmlns:a="http://schemas.openxmlformats.org/drawingml/2006/main" xmlns:r="http://schemas.openxmlformats.org/officeDocument/2006/relationships" xmlns:mc="http://schemas.openxmlformats.org/markup-compatibility/2006" xmlns:mv="urn:schemas-microsoft-com:mac:vml" xmlns:p="http://schemas.openxmlformats.org/presentationml/2006/main" xmlns:c="http://schemas.openxmlformats.org/drawingml/2006/chart" xmlns:dgm="http://schemas.openxmlformats.org/drawingml/2006/diagram" xmlns:o="urn:schemas-microsoft-com:office:office" xmlns:v="urn:schemas-microsoft-com:vml" xmlns:pvml="urn:schemas-microsoft-com:office:powerpoint" xmlns:com="http://schemas.openxmlformats.org/drawingml/2006/compatibility" xmlns:p14="http://schemas.microsoft.com/office/powerpoint/2010/main">
+  <p:cSld>
+    <p:spTree>
+      <p:nvGrpSpPr>
+        <p:cNvPr id="216" name="Shape 216"/>
+        <p:cNvGrpSpPr/>
+        <p:nvPr/>
+      </p:nvGrpSpPr>
+      <p:grpSpPr>
+        <a:xfrm>
+          <a:off x="0" y="0"/>
+          <a:ext cx="0" cy="0"/>
+          <a:chOff x="0" y="0"/>
+          <a:chExt cx="0" cy="0"/>
+        </a:xfrm>
+      </p:grpSpPr>
+      <p:sp>
+        <p:nvSpPr>
+          <p:cNvPr id="217" name="Shape 217"/>
+          <p:cNvSpPr txBox="1"/>
+          <p:nvPr>
+            <p:ph idx="1" type="body"/>
+          </p:nvPr>
+        </p:nvSpPr>
+        <p:spPr>
+          <a:xfrm>
+            <a:off x="311700" y="1536633"/>
+            <a:ext cx="8520599" cy="4555199"/>
+          </a:xfrm>
+          <a:prstGeom prst="rect">
+            <a:avLst/>
+          </a:prstGeom>
+        </p:spPr>
+        <p:txBody>
+          <a:bodyPr anchorCtr="0" anchor="ctr" bIns="91425" lIns="91425" rIns="91425" tIns="91425">
+            <a:noAutofit/>
+          </a:bodyPr>
+          <a:lstStyle/>
+          <a:p>
+            <a:pPr lvl="0" rtl="0">
+              <a:spcBef>
+                <a:spcPts val="0"/>
+              </a:spcBef>
+              <a:buNone/>
+            </a:pPr>
+            <a:r>
+              <a:rPr b="1" lang="en" sz="2400"/>
+              <a:t>Create project</a:t>
+            </a:r>
+          </a:p>
+          <a:p>
+            <a:pPr indent="0" lvl="0" marL="457200" rtl="0">
+              <a:spcBef>
+                <a:spcPts val="0"/>
+              </a:spcBef>
+              <a:buNone/>
+            </a:pPr>
+            <a:r>
+              <a:rPr lang="en" sz="2400">
+                <a:solidFill>
+                  <a:srgbClr val="434343"/>
+                </a:solidFill>
+              </a:rPr>
+              <a:t>&gt; ionic start SeminariFIB tabs</a:t>
+            </a:r>
+          </a:p>
+          <a:p>
+            <a:pPr lvl="0" rtl="0">
+              <a:spcBef>
+                <a:spcPts val="0"/>
+              </a:spcBef>
+              <a:buNone/>
+            </a:pPr>
+            <a:r>
+              <a:t/>
+            </a:r>
+            <a:endParaRPr sz="2400"/>
+          </a:p>
+          <a:p>
+            <a:pPr lvl="0" rtl="0">
+              <a:spcBef>
+                <a:spcPts val="0"/>
+              </a:spcBef>
+              <a:buNone/>
+            </a:pPr>
+            <a:r>
+              <a:rPr b="1" lang="en" sz="2400"/>
+              <a:t>Add platform</a:t>
+            </a:r>
+          </a:p>
+          <a:p>
+            <a:pPr indent="0" lvl="0" marL="457200" rtl="0">
+              <a:spcBef>
+                <a:spcPts val="0"/>
+              </a:spcBef>
+              <a:buNone/>
+            </a:pPr>
+            <a:r>
+              <a:rPr lang="en" sz="2400">
+                <a:solidFill>
+                  <a:srgbClr val="434343"/>
+                </a:solidFill>
+              </a:rPr>
+              <a:t>&gt; ionic platform add android</a:t>
+            </a:r>
+          </a:p>
+          <a:p>
+            <a:pPr indent="0" lvl="0" marL="457200" rtl="0">
+              <a:spcBef>
+                <a:spcPts val="0"/>
+              </a:spcBef>
+              <a:buNone/>
+            </a:pPr>
+            <a:r>
+              <a:rPr lang="en" sz="2400">
+                <a:solidFill>
+                  <a:srgbClr val="434343"/>
+                </a:solidFill>
+              </a:rPr>
+              <a:t>&gt; ionic platform build android</a:t>
+            </a:r>
+          </a:p>
+          <a:p>
+            <a:pPr indent="0" lvl="0" marL="457200" rtl="0">
+              <a:spcBef>
+                <a:spcPts val="0"/>
+              </a:spcBef>
+              <a:buNone/>
+            </a:pPr>
+            <a:r>
+              <a:rPr lang="en" sz="2400">
+                <a:solidFill>
+                  <a:srgbClr val="434343"/>
+                </a:solidFill>
+              </a:rPr>
+              <a:t>&gt; ionic platform emulate android</a:t>
+            </a:r>
+          </a:p>
+        </p:txBody>
+      </p:sp>
+      <p:sp>
+        <p:nvSpPr>
+          <p:cNvPr id="218" name="Shape 218"/>
+          <p:cNvSpPr txBox="1"/>
+          <p:nvPr>
+            <p:ph idx="12" type="sldNum"/>
+          </p:nvPr>
+        </p:nvSpPr>
+        <p:spPr>
+          <a:xfrm>
+            <a:off x="8472457" y="8290163"/>
+            <a:ext cx="548699" cy="699599"/>
+          </a:xfrm>
+          <a:prstGeom prst="rect">
+            <a:avLst/>
+          </a:prstGeom>
+        </p:spPr>
+        <p:txBody>
+          <a:bodyPr anchorCtr="0" anchor="ctr" bIns="91425" lIns="91425" rIns="91425" tIns="91425">
+            <a:noAutofit/>
+          </a:bodyPr>
+          <a:lstStyle/>
+          <a:p>
+            <a:pPr lvl="0" rtl="0">
+              <a:spcBef>
+                <a:spcPts val="0"/>
+              </a:spcBef>
+              <a:buNone/>
+            </a:pPr>
+            <a:fld id="{00000000-1234-1234-1234-123412341234}" type="slidenum">
+              <a:rPr lang="en"/>
+              <a:t>‹#›</a:t>
+            </a:fld>
+          </a:p>
+        </p:txBody>
+      </p:sp>
+      <p:sp>
+        <p:nvSpPr>
+          <p:cNvPr id="219" name="Shape 219"/>
+          <p:cNvSpPr txBox="1"/>
+          <p:nvPr>
+            <p:ph type="title"/>
+          </p:nvPr>
+        </p:nvSpPr>
+        <p:spPr>
+          <a:xfrm>
+            <a:off x="311650" y="123291"/>
+            <a:ext cx="8520599" cy="763500"/>
+          </a:xfrm>
+          <a:prstGeom prst="rect">
+            <a:avLst/>
+          </a:prstGeom>
+        </p:spPr>
+        <p:txBody>
+          <a:bodyPr anchorCtr="0" anchor="t" bIns="91425" lIns="91425" rIns="91425" tIns="91425">
+            <a:noAutofit/>
+          </a:bodyPr>
+          <a:lstStyle/>
+          <a:p>
+            <a:pPr lvl="0" rtl="0">
+              <a:spcBef>
+                <a:spcPts val="0"/>
+              </a:spcBef>
+              <a:buNone/>
+            </a:pPr>
+            <a:r>
+              <a:rPr lang="en"/>
+              <a:t>Demo</a:t>
+            </a:r>
+          </a:p>
+        </p:txBody>
+      </p:sp>
+      <p:sp>
+        <p:nvSpPr>
+          <p:cNvPr id="220" name="Shape 220"/>
+          <p:cNvSpPr txBox="1"/>
+          <p:nvPr>
+            <p:ph idx="2" type="sldNum"/>
+          </p:nvPr>
+        </p:nvSpPr>
+        <p:spPr>
+          <a:xfrm>
+            <a:off x="8472457" y="6217622"/>
+            <a:ext cx="548699" cy="524699"/>
+          </a:xfrm>
+          <a:prstGeom prst="rect">
+            <a:avLst/>
+          </a:prstGeom>
+        </p:spPr>
+        <p:txBody>
+          <a:bodyPr anchorCtr="0" anchor="ctr" bIns="91425" lIns="91425" rIns="91425" tIns="91425">
+            <a:noAutofit/>
+          </a:bodyPr>
+          <a:lstStyle/>
+          <a:p>
+            <a:pPr lvl="0" rtl="0">
               <a:spcBef>
                 <a:spcPts val="0"/>
               </a:spcBef>
@@ -4744,13 +9008,6 @@
 <file path=ppt/slides/slide2.xml><?xml version="1.0" encoding="utf-8"?>
 <p:sld xmlns:a="http://schemas.openxmlformats.org/drawingml/2006/main" xmlns:r="http://schemas.openxmlformats.org/officeDocument/2006/relationships" xmlns:mc="http://schemas.openxmlformats.org/markup-compatibility/2006" xmlns:mv="urn:schemas-microsoft-com:mac:vml" xmlns:p="http://schemas.openxmlformats.org/presentationml/2006/main" xmlns:c="http://schemas.openxmlformats.org/drawingml/2006/chart" xmlns:dgm="http://schemas.openxmlformats.org/drawingml/2006/diagram" xmlns:o="urn:schemas-microsoft-com:office:office" xmlns:v="urn:schemas-microsoft-com:vml" xmlns:pvml="urn:schemas-microsoft-com:office:powerpoint" xmlns:com="http://schemas.openxmlformats.org/drawingml/2006/compatibility" xmlns:p14="http://schemas.microsoft.com/office/powerpoint/2010/main">
   <p:cSld>
-    <p:bg>
-      <p:bgPr>
-        <a:solidFill>
-          <a:srgbClr val="FF8533"/>
-        </a:solidFill>
-      </p:bgPr>
-    </p:bg>
     <p:spTree>
       <p:nvGrpSpPr>
         <p:cNvPr id="74" name="Shape 74"/>
@@ -4770,6 +9027,499 @@
           <p:cNvPr id="75" name="Shape 75"/>
           <p:cNvSpPr txBox="1"/>
           <p:nvPr>
+            <p:ph idx="1" type="body"/>
+          </p:nvPr>
+        </p:nvSpPr>
+        <p:spPr>
+          <a:xfrm>
+            <a:off x="311700" y="4372425"/>
+            <a:ext cx="8520599" cy="1719299"/>
+          </a:xfrm>
+          <a:prstGeom prst="rect">
+            <a:avLst/>
+          </a:prstGeom>
+        </p:spPr>
+        <p:txBody>
+          <a:bodyPr anchorCtr="0" anchor="ctr" bIns="91425" lIns="91425" rIns="91425" tIns="91425">
+            <a:noAutofit/>
+          </a:bodyPr>
+          <a:lstStyle/>
+          <a:p>
+            <a:pPr lvl="0" rtl="0" algn="ctr">
+              <a:lnSpc>
+                <a:spcPct val="150000"/>
+              </a:lnSpc>
+              <a:spcBef>
+                <a:spcPts val="0"/>
+              </a:spcBef>
+              <a:spcAft>
+                <a:spcPts val="0"/>
+              </a:spcAft>
+              <a:buNone/>
+            </a:pPr>
+            <a:r>
+              <a:rPr lang="en" sz="3600"/>
+              <a:t>A frontend framework, built on Cordova, Angular and Sass</a:t>
+            </a:r>
+          </a:p>
+        </p:txBody>
+      </p:sp>
+      <p:sp>
+        <p:nvSpPr>
+          <p:cNvPr id="76" name="Shape 76"/>
+          <p:cNvSpPr txBox="1"/>
+          <p:nvPr>
+            <p:ph idx="12" type="sldNum"/>
+          </p:nvPr>
+        </p:nvSpPr>
+        <p:spPr>
+          <a:xfrm>
+            <a:off x="8472457" y="8290163"/>
+            <a:ext cx="548699" cy="699599"/>
+          </a:xfrm>
+          <a:prstGeom prst="rect">
+            <a:avLst/>
+          </a:prstGeom>
+        </p:spPr>
+        <p:txBody>
+          <a:bodyPr anchorCtr="0" anchor="ctr" bIns="91425" lIns="91425" rIns="91425" tIns="91425">
+            <a:noAutofit/>
+          </a:bodyPr>
+          <a:lstStyle/>
+          <a:p>
+            <a:pPr lvl="0" rtl="0">
+              <a:spcBef>
+                <a:spcPts val="0"/>
+              </a:spcBef>
+              <a:buNone/>
+            </a:pPr>
+            <a:fld id="{00000000-1234-1234-1234-123412341234}" type="slidenum">
+              <a:rPr lang="en"/>
+              <a:t>‹#›</a:t>
+            </a:fld>
+          </a:p>
+        </p:txBody>
+      </p:sp>
+      <p:sp>
+        <p:nvSpPr>
+          <p:cNvPr id="77" name="Shape 77"/>
+          <p:cNvSpPr txBox="1"/>
+          <p:nvPr>
+            <p:ph type="title"/>
+          </p:nvPr>
+        </p:nvSpPr>
+        <p:spPr>
+          <a:xfrm>
+            <a:off x="311650" y="123291"/>
+            <a:ext cx="8520599" cy="763500"/>
+          </a:xfrm>
+          <a:prstGeom prst="rect">
+            <a:avLst/>
+          </a:prstGeom>
+        </p:spPr>
+        <p:txBody>
+          <a:bodyPr anchorCtr="0" anchor="t" bIns="91425" lIns="91425" rIns="91425" tIns="91425">
+            <a:noAutofit/>
+          </a:bodyPr>
+          <a:lstStyle/>
+          <a:p>
+            <a:pPr lvl="0" rtl="0">
+              <a:spcBef>
+                <a:spcPts val="0"/>
+              </a:spcBef>
+              <a:buNone/>
+            </a:pPr>
+            <a:r>
+              <a:rPr lang="en"/>
+              <a:t>What is Ionic?</a:t>
+            </a:r>
+          </a:p>
+        </p:txBody>
+      </p:sp>
+      <p:sp>
+        <p:nvSpPr>
+          <p:cNvPr id="78" name="Shape 78"/>
+          <p:cNvSpPr txBox="1"/>
+          <p:nvPr>
+            <p:ph idx="2" type="sldNum"/>
+          </p:nvPr>
+        </p:nvSpPr>
+        <p:spPr>
+          <a:xfrm>
+            <a:off x="8472457" y="6217622"/>
+            <a:ext cx="548699" cy="524699"/>
+          </a:xfrm>
+          <a:prstGeom prst="rect">
+            <a:avLst/>
+          </a:prstGeom>
+        </p:spPr>
+        <p:txBody>
+          <a:bodyPr anchorCtr="0" anchor="ctr" bIns="91425" lIns="91425" rIns="91425" tIns="91425">
+            <a:noAutofit/>
+          </a:bodyPr>
+          <a:lstStyle/>
+          <a:p>
+            <a:pPr lvl="0" rtl="0">
+              <a:spcBef>
+                <a:spcPts val="0"/>
+              </a:spcBef>
+              <a:buNone/>
+            </a:pPr>
+            <a:fld id="{00000000-1234-1234-1234-123412341234}" type="slidenum">
+              <a:rPr lang="en"/>
+              <a:t>‹#›</a:t>
+            </a:fld>
+          </a:p>
+        </p:txBody>
+      </p:sp>
+      <p:pic>
+        <p:nvPicPr>
+          <p:cNvPr id="79" name="Shape 79"/>
+          <p:cNvPicPr preferRelativeResize="0"/>
+          <p:nvPr/>
+        </p:nvPicPr>
+        <p:blipFill>
+          <a:blip r:embed="rId3">
+            <a:alphaModFix/>
+          </a:blip>
+          <a:stretch>
+            <a:fillRect/>
+          </a:stretch>
+        </p:blipFill>
+        <p:spPr>
+          <a:xfrm>
+            <a:off x="1770198" y="1956200"/>
+            <a:ext cx="5603499" cy="1947224"/>
+          </a:xfrm>
+          <a:prstGeom prst="rect">
+            <a:avLst/>
+          </a:prstGeom>
+          <a:noFill/>
+          <a:ln>
+            <a:noFill/>
+          </a:ln>
+        </p:spPr>
+      </p:pic>
+    </p:spTree>
+  </p:cSld>
+  <p:clrMapOvr>
+    <a:masterClrMapping/>
+  </p:clrMapOvr>
+  <p:transition spd="slow">
+    <p:cut/>
+  </p:transition>
+</p:sld>
+</file>
+
+<file path=ppt/slides/slide20.xml><?xml version="1.0" encoding="utf-8"?>
+<p:sld xmlns:a="http://schemas.openxmlformats.org/drawingml/2006/main" xmlns:r="http://schemas.openxmlformats.org/officeDocument/2006/relationships" xmlns:mc="http://schemas.openxmlformats.org/markup-compatibility/2006" xmlns:mv="urn:schemas-microsoft-com:mac:vml" xmlns:p="http://schemas.openxmlformats.org/presentationml/2006/main" xmlns:c="http://schemas.openxmlformats.org/drawingml/2006/chart" xmlns:dgm="http://schemas.openxmlformats.org/drawingml/2006/diagram" xmlns:o="urn:schemas-microsoft-com:office:office" xmlns:v="urn:schemas-microsoft-com:vml" xmlns:pvml="urn:schemas-microsoft-com:office:powerpoint" xmlns:com="http://schemas.openxmlformats.org/drawingml/2006/compatibility" xmlns:p14="http://schemas.microsoft.com/office/powerpoint/2010/main">
+  <p:cSld>
+    <p:spTree>
+      <p:nvGrpSpPr>
+        <p:cNvPr id="224" name="Shape 224"/>
+        <p:cNvGrpSpPr/>
+        <p:nvPr/>
+      </p:nvGrpSpPr>
+      <p:grpSpPr>
+        <a:xfrm>
+          <a:off x="0" y="0"/>
+          <a:ext cx="0" cy="0"/>
+          <a:chOff x="0" y="0"/>
+          <a:chExt cx="0" cy="0"/>
+        </a:xfrm>
+      </p:grpSpPr>
+      <p:sp>
+        <p:nvSpPr>
+          <p:cNvPr id="225" name="Shape 225"/>
+          <p:cNvSpPr txBox="1"/>
+          <p:nvPr>
+            <p:ph idx="1" type="body"/>
+          </p:nvPr>
+        </p:nvSpPr>
+        <p:spPr>
+          <a:xfrm>
+            <a:off x="311700" y="1536623"/>
+            <a:ext cx="8520599" cy="5121899"/>
+          </a:xfrm>
+          <a:prstGeom prst="rect">
+            <a:avLst/>
+          </a:prstGeom>
+        </p:spPr>
+        <p:txBody>
+          <a:bodyPr anchorCtr="0" anchor="ctr" bIns="91425" lIns="91425" rIns="91425" tIns="91425">
+            <a:noAutofit/>
+          </a:bodyPr>
+          <a:lstStyle/>
+          <a:p>
+            <a:pPr lvl="0" rtl="0">
+              <a:spcBef>
+                <a:spcPts val="0"/>
+              </a:spcBef>
+              <a:buNone/>
+            </a:pPr>
+            <a:r>
+              <a:rPr b="1" lang="en" sz="2400"/>
+              <a:t>Test it in the browser</a:t>
+            </a:r>
+          </a:p>
+          <a:p>
+            <a:pPr indent="0" lvl="0" marL="457200" rtl="0">
+              <a:spcBef>
+                <a:spcPts val="0"/>
+              </a:spcBef>
+              <a:buNone/>
+            </a:pPr>
+            <a:r>
+              <a:rPr lang="en" sz="2400">
+                <a:solidFill>
+                  <a:srgbClr val="434343"/>
+                </a:solidFill>
+              </a:rPr>
+              <a:t>&gt; ionic serve</a:t>
+            </a:r>
+          </a:p>
+          <a:p>
+            <a:pPr indent="0" lvl="0" marL="457200" rtl="0">
+              <a:spcBef>
+                <a:spcPts val="0"/>
+              </a:spcBef>
+              <a:buNone/>
+            </a:pPr>
+            <a:r>
+              <a:t/>
+            </a:r>
+            <a:endParaRPr sz="2400">
+              <a:solidFill>
+                <a:srgbClr val="434343"/>
+              </a:solidFill>
+            </a:endParaRPr>
+          </a:p>
+          <a:p>
+            <a:pPr lvl="0" rtl="0">
+              <a:spcBef>
+                <a:spcPts val="0"/>
+              </a:spcBef>
+              <a:buNone/>
+            </a:pPr>
+            <a:r>
+              <a:rPr b="1" lang="en" sz="2400"/>
+              <a:t>See how it will look like in Android and iOS</a:t>
+            </a:r>
+          </a:p>
+          <a:p>
+            <a:pPr indent="0" lvl="0" marL="457200" rtl="0">
+              <a:spcBef>
+                <a:spcPts val="0"/>
+              </a:spcBef>
+              <a:buNone/>
+            </a:pPr>
+            <a:r>
+              <a:rPr lang="en" sz="2400">
+                <a:solidFill>
+                  <a:srgbClr val="434343"/>
+                </a:solidFill>
+              </a:rPr>
+              <a:t>&gt; ionic serve --lab</a:t>
+            </a:r>
+          </a:p>
+          <a:p>
+            <a:pPr indent="0" lvl="0" marL="457200" rtl="0">
+              <a:spcBef>
+                <a:spcPts val="0"/>
+              </a:spcBef>
+              <a:buNone/>
+            </a:pPr>
+            <a:r>
+              <a:t/>
+            </a:r>
+            <a:endParaRPr sz="2400">
+              <a:solidFill>
+                <a:srgbClr val="434343"/>
+              </a:solidFill>
+            </a:endParaRPr>
+          </a:p>
+          <a:p>
+            <a:pPr lvl="0" rtl="0">
+              <a:spcBef>
+                <a:spcPts val="0"/>
+              </a:spcBef>
+              <a:buNone/>
+            </a:pPr>
+            <a:r>
+              <a:rPr b="1" lang="en" sz="2400">
+                <a:solidFill>
+                  <a:srgbClr val="434343"/>
+                </a:solidFill>
+              </a:rPr>
+              <a:t>See changes live</a:t>
+            </a:r>
+          </a:p>
+          <a:p>
+            <a:pPr indent="0" lvl="0" marL="457200" rtl="0">
+              <a:spcBef>
+                <a:spcPts val="0"/>
+              </a:spcBef>
+              <a:buNone/>
+            </a:pPr>
+            <a:r>
+              <a:rPr lang="en" sz="2400">
+                <a:solidFill>
+                  <a:srgbClr val="434343"/>
+                </a:solidFill>
+              </a:rPr>
+              <a:t>&gt; ionic serve --livereload</a:t>
+            </a:r>
+          </a:p>
+        </p:txBody>
+      </p:sp>
+      <p:sp>
+        <p:nvSpPr>
+          <p:cNvPr id="226" name="Shape 226"/>
+          <p:cNvSpPr txBox="1"/>
+          <p:nvPr>
+            <p:ph idx="12" type="sldNum"/>
+          </p:nvPr>
+        </p:nvSpPr>
+        <p:spPr>
+          <a:xfrm>
+            <a:off x="8472457" y="8290163"/>
+            <a:ext cx="548699" cy="699599"/>
+          </a:xfrm>
+          <a:prstGeom prst="rect">
+            <a:avLst/>
+          </a:prstGeom>
+        </p:spPr>
+        <p:txBody>
+          <a:bodyPr anchorCtr="0" anchor="ctr" bIns="91425" lIns="91425" rIns="91425" tIns="91425">
+            <a:noAutofit/>
+          </a:bodyPr>
+          <a:lstStyle/>
+          <a:p>
+            <a:pPr lvl="0" rtl="0">
+              <a:spcBef>
+                <a:spcPts val="0"/>
+              </a:spcBef>
+              <a:buNone/>
+            </a:pPr>
+            <a:fld id="{00000000-1234-1234-1234-123412341234}" type="slidenum">
+              <a:rPr lang="en"/>
+              <a:t>‹#›</a:t>
+            </a:fld>
+          </a:p>
+        </p:txBody>
+      </p:sp>
+      <p:sp>
+        <p:nvSpPr>
+          <p:cNvPr id="227" name="Shape 227"/>
+          <p:cNvSpPr txBox="1"/>
+          <p:nvPr>
+            <p:ph type="title"/>
+          </p:nvPr>
+        </p:nvSpPr>
+        <p:spPr>
+          <a:xfrm>
+            <a:off x="311650" y="123291"/>
+            <a:ext cx="8520599" cy="763500"/>
+          </a:xfrm>
+          <a:prstGeom prst="rect">
+            <a:avLst/>
+          </a:prstGeom>
+        </p:spPr>
+        <p:txBody>
+          <a:bodyPr anchorCtr="0" anchor="t" bIns="91425" lIns="91425" rIns="91425" tIns="91425">
+            <a:noAutofit/>
+          </a:bodyPr>
+          <a:lstStyle/>
+          <a:p>
+            <a:pPr lvl="0" rtl="0">
+              <a:spcBef>
+                <a:spcPts val="0"/>
+              </a:spcBef>
+              <a:buNone/>
+            </a:pPr>
+            <a:r>
+              <a:rPr lang="en"/>
+              <a:t>Demo</a:t>
+            </a:r>
+          </a:p>
+        </p:txBody>
+      </p:sp>
+      <p:sp>
+        <p:nvSpPr>
+          <p:cNvPr id="228" name="Shape 228"/>
+          <p:cNvSpPr txBox="1"/>
+          <p:nvPr>
+            <p:ph idx="2" type="sldNum"/>
+          </p:nvPr>
+        </p:nvSpPr>
+        <p:spPr>
+          <a:xfrm>
+            <a:off x="8472457" y="6217622"/>
+            <a:ext cx="548699" cy="524699"/>
+          </a:xfrm>
+          <a:prstGeom prst="rect">
+            <a:avLst/>
+          </a:prstGeom>
+        </p:spPr>
+        <p:txBody>
+          <a:bodyPr anchorCtr="0" anchor="ctr" bIns="91425" lIns="91425" rIns="91425" tIns="91425">
+            <a:noAutofit/>
+          </a:bodyPr>
+          <a:lstStyle/>
+          <a:p>
+            <a:pPr lvl="0" rtl="0">
+              <a:spcBef>
+                <a:spcPts val="0"/>
+              </a:spcBef>
+              <a:buNone/>
+            </a:pPr>
+            <a:fld id="{00000000-1234-1234-1234-123412341234}" type="slidenum">
+              <a:rPr lang="en"/>
+              <a:t>‹#›</a:t>
+            </a:fld>
+          </a:p>
+        </p:txBody>
+      </p:sp>
+    </p:spTree>
+  </p:cSld>
+  <p:clrMapOvr>
+    <a:masterClrMapping/>
+  </p:clrMapOvr>
+  <p:transition spd="slow">
+    <p:cut/>
+  </p:transition>
+</p:sld>
+</file>
+
+<file path=ppt/slides/slide21.xml><?xml version="1.0" encoding="utf-8"?>
+<p:sld xmlns:a="http://schemas.openxmlformats.org/drawingml/2006/main" xmlns:r="http://schemas.openxmlformats.org/officeDocument/2006/relationships" xmlns:mc="http://schemas.openxmlformats.org/markup-compatibility/2006" xmlns:mv="urn:schemas-microsoft-com:mac:vml" xmlns:p="http://schemas.openxmlformats.org/presentationml/2006/main" xmlns:c="http://schemas.openxmlformats.org/drawingml/2006/chart" xmlns:dgm="http://schemas.openxmlformats.org/drawingml/2006/diagram" xmlns:o="urn:schemas-microsoft-com:office:office" xmlns:v="urn:schemas-microsoft-com:vml" xmlns:pvml="urn:schemas-microsoft-com:office:powerpoint" xmlns:com="http://schemas.openxmlformats.org/drawingml/2006/compatibility" xmlns:p14="http://schemas.microsoft.com/office/powerpoint/2010/main">
+  <p:cSld>
+    <p:bg>
+      <p:bgPr>
+        <a:solidFill>
+          <a:srgbClr val="FF8533"/>
+        </a:solidFill>
+      </p:bgPr>
+    </p:bg>
+    <p:spTree>
+      <p:nvGrpSpPr>
+        <p:cNvPr id="232" name="Shape 232"/>
+        <p:cNvGrpSpPr/>
+        <p:nvPr/>
+      </p:nvGrpSpPr>
+      <p:grpSpPr>
+        <a:xfrm>
+          <a:off x="0" y="0"/>
+          <a:ext cx="0" cy="0"/>
+          <a:chOff x="0" y="0"/>
+          <a:chExt cx="0" cy="0"/>
+        </a:xfrm>
+      </p:grpSpPr>
+      <p:sp>
+        <p:nvSpPr>
+          <p:cNvPr id="233" name="Shape 233"/>
+          <p:cNvSpPr txBox="1"/>
+          <p:nvPr>
             <p:ph type="title"/>
           </p:nvPr>
         </p:nvSpPr>
@@ -4811,10 +9561,1749 @@
       </p:sp>
       <p:sp>
         <p:nvSpPr>
-          <p:cNvPr id="76" name="Shape 76"/>
+          <p:cNvPr id="234" name="Shape 234"/>
           <p:cNvSpPr txBox="1"/>
           <p:nvPr>
             <p:ph idx="12" type="sldNum"/>
+          </p:nvPr>
+        </p:nvSpPr>
+        <p:spPr>
+          <a:xfrm>
+            <a:off x="8472457" y="6217622"/>
+            <a:ext cx="548699" cy="524699"/>
+          </a:xfrm>
+          <a:prstGeom prst="rect">
+            <a:avLst/>
+          </a:prstGeom>
+        </p:spPr>
+        <p:txBody>
+          <a:bodyPr anchorCtr="0" anchor="ctr" bIns="91425" lIns="91425" rIns="91425" tIns="91425">
+            <a:noAutofit/>
+          </a:bodyPr>
+          <a:lstStyle/>
+          <a:p>
+            <a:pPr lvl="0">
+              <a:spcBef>
+                <a:spcPts val="0"/>
+              </a:spcBef>
+              <a:buNone/>
+            </a:pPr>
+            <a:fld id="{00000000-1234-1234-1234-123412341234}" type="slidenum">
+              <a:rPr lang="en"/>
+              <a:t>‹#›</a:t>
+            </a:fld>
+          </a:p>
+        </p:txBody>
+      </p:sp>
+    </p:spTree>
+  </p:cSld>
+  <p:clrMapOvr>
+    <a:masterClrMapping/>
+  </p:clrMapOvr>
+  <p:transition spd="slow">
+    <p:cut/>
+  </p:transition>
+</p:sld>
+</file>
+
+<file path=ppt/slides/slide22.xml><?xml version="1.0" encoding="utf-8"?>
+<p:sld xmlns:a="http://schemas.openxmlformats.org/drawingml/2006/main" xmlns:r="http://schemas.openxmlformats.org/officeDocument/2006/relationships" xmlns:mc="http://schemas.openxmlformats.org/markup-compatibility/2006" xmlns:mv="urn:schemas-microsoft-com:mac:vml" xmlns:p="http://schemas.openxmlformats.org/presentationml/2006/main" xmlns:c="http://schemas.openxmlformats.org/drawingml/2006/chart" xmlns:dgm="http://schemas.openxmlformats.org/drawingml/2006/diagram" xmlns:o="urn:schemas-microsoft-com:office:office" xmlns:v="urn:schemas-microsoft-com:vml" xmlns:pvml="urn:schemas-microsoft-com:office:powerpoint" xmlns:com="http://schemas.openxmlformats.org/drawingml/2006/compatibility" xmlns:p14="http://schemas.microsoft.com/office/powerpoint/2010/main">
+  <p:cSld>
+    <p:spTree>
+      <p:nvGrpSpPr>
+        <p:cNvPr id="238" name="Shape 238"/>
+        <p:cNvGrpSpPr/>
+        <p:nvPr/>
+      </p:nvGrpSpPr>
+      <p:grpSpPr>
+        <a:xfrm>
+          <a:off x="0" y="0"/>
+          <a:ext cx="0" cy="0"/>
+          <a:chOff x="0" y="0"/>
+          <a:chExt cx="0" cy="0"/>
+        </a:xfrm>
+      </p:grpSpPr>
+      <p:sp>
+        <p:nvSpPr>
+          <p:cNvPr id="239" name="Shape 239"/>
+          <p:cNvSpPr txBox="1"/>
+          <p:nvPr>
+            <p:ph idx="1" type="body"/>
+          </p:nvPr>
+        </p:nvSpPr>
+        <p:spPr>
+          <a:xfrm>
+            <a:off x="311700" y="1536633"/>
+            <a:ext cx="8520599" cy="4555199"/>
+          </a:xfrm>
+          <a:prstGeom prst="rect">
+            <a:avLst/>
+          </a:prstGeom>
+        </p:spPr>
+        <p:txBody>
+          <a:bodyPr anchorCtr="0" anchor="ctr" bIns="91425" lIns="91425" rIns="91425" tIns="91425">
+            <a:noAutofit/>
+          </a:bodyPr>
+          <a:lstStyle/>
+          <a:p>
+            <a:pPr indent="0" lvl="0" marL="914400" rtl="0">
+              <a:spcBef>
+                <a:spcPts val="0"/>
+              </a:spcBef>
+              <a:spcAft>
+                <a:spcPts val="0"/>
+              </a:spcAft>
+              <a:buNone/>
+            </a:pPr>
+            <a:r>
+              <a:rPr b="1" lang="en" sz="3000"/>
+              <a:t>Getting started guide</a:t>
+            </a:r>
+          </a:p>
+          <a:p>
+            <a:pPr indent="0" lvl="0" marL="914400" rtl="0">
+              <a:spcBef>
+                <a:spcPts val="0"/>
+              </a:spcBef>
+              <a:spcAft>
+                <a:spcPts val="0"/>
+              </a:spcAft>
+              <a:buNone/>
+            </a:pPr>
+            <a:r>
+              <a:rPr lang="en" sz="3000" u="sng">
+                <a:solidFill>
+                  <a:srgbClr val="4A86E8"/>
+                </a:solidFill>
+                <a:hlinkClick r:id="rId3"/>
+              </a:rPr>
+              <a:t>ionicframework.com/getting-started</a:t>
+            </a:r>
+          </a:p>
+          <a:p>
+            <a:pPr indent="0" lvl="0" marL="914400" rtl="0">
+              <a:spcBef>
+                <a:spcPts val="0"/>
+              </a:spcBef>
+              <a:spcAft>
+                <a:spcPts val="0"/>
+              </a:spcAft>
+              <a:buNone/>
+            </a:pPr>
+            <a:r>
+              <a:t/>
+            </a:r>
+            <a:endParaRPr sz="3000"/>
+          </a:p>
+          <a:p>
+            <a:pPr indent="0" lvl="0" marL="914400" rtl="0">
+              <a:spcBef>
+                <a:spcPts val="0"/>
+              </a:spcBef>
+              <a:spcAft>
+                <a:spcPts val="0"/>
+              </a:spcAft>
+              <a:buNone/>
+            </a:pPr>
+            <a:r>
+              <a:rPr b="1" lang="en" sz="3000"/>
+              <a:t>Documentation</a:t>
+            </a:r>
+          </a:p>
+          <a:p>
+            <a:pPr indent="0" lvl="0" marL="914400" rtl="0">
+              <a:spcBef>
+                <a:spcPts val="0"/>
+              </a:spcBef>
+              <a:spcAft>
+                <a:spcPts val="0"/>
+              </a:spcAft>
+              <a:buNone/>
+            </a:pPr>
+            <a:r>
+              <a:rPr lang="en" sz="3000" u="sng">
+                <a:solidFill>
+                  <a:srgbClr val="4A86E8"/>
+                </a:solidFill>
+                <a:hlinkClick r:id="rId4"/>
+              </a:rPr>
+              <a:t>ionicframework.com/docs</a:t>
+            </a:r>
+          </a:p>
+        </p:txBody>
+      </p:sp>
+      <p:sp>
+        <p:nvSpPr>
+          <p:cNvPr id="240" name="Shape 240"/>
+          <p:cNvSpPr txBox="1"/>
+          <p:nvPr>
+            <p:ph idx="12" type="sldNum"/>
+          </p:nvPr>
+        </p:nvSpPr>
+        <p:spPr>
+          <a:xfrm>
+            <a:off x="8472457" y="8290163"/>
+            <a:ext cx="548699" cy="699599"/>
+          </a:xfrm>
+          <a:prstGeom prst="rect">
+            <a:avLst/>
+          </a:prstGeom>
+        </p:spPr>
+        <p:txBody>
+          <a:bodyPr anchorCtr="0" anchor="ctr" bIns="91425" lIns="91425" rIns="91425" tIns="91425">
+            <a:noAutofit/>
+          </a:bodyPr>
+          <a:lstStyle/>
+          <a:p>
+            <a:pPr lvl="0" rtl="0">
+              <a:spcBef>
+                <a:spcPts val="0"/>
+              </a:spcBef>
+              <a:buNone/>
+            </a:pPr>
+            <a:fld id="{00000000-1234-1234-1234-123412341234}" type="slidenum">
+              <a:rPr lang="en"/>
+              <a:t>‹#›</a:t>
+            </a:fld>
+          </a:p>
+        </p:txBody>
+      </p:sp>
+      <p:sp>
+        <p:nvSpPr>
+          <p:cNvPr id="241" name="Shape 241"/>
+          <p:cNvSpPr txBox="1"/>
+          <p:nvPr>
+            <p:ph type="title"/>
+          </p:nvPr>
+        </p:nvSpPr>
+        <p:spPr>
+          <a:xfrm>
+            <a:off x="311650" y="123291"/>
+            <a:ext cx="8520599" cy="763500"/>
+          </a:xfrm>
+          <a:prstGeom prst="rect">
+            <a:avLst/>
+          </a:prstGeom>
+        </p:spPr>
+        <p:txBody>
+          <a:bodyPr anchorCtr="0" anchor="t" bIns="91425" lIns="91425" rIns="91425" tIns="91425">
+            <a:noAutofit/>
+          </a:bodyPr>
+          <a:lstStyle/>
+          <a:p>
+            <a:pPr lvl="0" rtl="0">
+              <a:spcBef>
+                <a:spcPts val="0"/>
+              </a:spcBef>
+              <a:buNone/>
+            </a:pPr>
+            <a:r>
+              <a:rPr lang="en"/>
+              <a:t>Reference</a:t>
+            </a:r>
+          </a:p>
+        </p:txBody>
+      </p:sp>
+      <p:sp>
+        <p:nvSpPr>
+          <p:cNvPr id="242" name="Shape 242"/>
+          <p:cNvSpPr txBox="1"/>
+          <p:nvPr>
+            <p:ph idx="2" type="sldNum"/>
+          </p:nvPr>
+        </p:nvSpPr>
+        <p:spPr>
+          <a:xfrm>
+            <a:off x="8472457" y="6217622"/>
+            <a:ext cx="548699" cy="524699"/>
+          </a:xfrm>
+          <a:prstGeom prst="rect">
+            <a:avLst/>
+          </a:prstGeom>
+        </p:spPr>
+        <p:txBody>
+          <a:bodyPr anchorCtr="0" anchor="ctr" bIns="91425" lIns="91425" rIns="91425" tIns="91425">
+            <a:noAutofit/>
+          </a:bodyPr>
+          <a:lstStyle/>
+          <a:p>
+            <a:pPr lvl="0" rtl="0">
+              <a:spcBef>
+                <a:spcPts val="0"/>
+              </a:spcBef>
+              <a:buNone/>
+            </a:pPr>
+            <a:fld id="{00000000-1234-1234-1234-123412341234}" type="slidenum">
+              <a:rPr lang="en"/>
+              <a:t>‹#›</a:t>
+            </a:fld>
+          </a:p>
+        </p:txBody>
+      </p:sp>
+    </p:spTree>
+  </p:cSld>
+  <p:clrMapOvr>
+    <a:masterClrMapping/>
+  </p:clrMapOvr>
+  <p:transition spd="slow">
+    <p:cut/>
+  </p:transition>
+</p:sld>
+</file>
+
+<file path=ppt/slides/slide3.xml><?xml version="1.0" encoding="utf-8"?>
+<p:sld xmlns:a="http://schemas.openxmlformats.org/drawingml/2006/main" xmlns:r="http://schemas.openxmlformats.org/officeDocument/2006/relationships" xmlns:mc="http://schemas.openxmlformats.org/markup-compatibility/2006" xmlns:mv="urn:schemas-microsoft-com:mac:vml" xmlns:p="http://schemas.openxmlformats.org/presentationml/2006/main" xmlns:c="http://schemas.openxmlformats.org/drawingml/2006/chart" xmlns:dgm="http://schemas.openxmlformats.org/drawingml/2006/diagram" xmlns:o="urn:schemas-microsoft-com:office:office" xmlns:v="urn:schemas-microsoft-com:vml" xmlns:pvml="urn:schemas-microsoft-com:office:powerpoint" xmlns:com="http://schemas.openxmlformats.org/drawingml/2006/compatibility" xmlns:p14="http://schemas.microsoft.com/office/powerpoint/2010/main">
+  <p:cSld>
+    <p:spTree>
+      <p:nvGrpSpPr>
+        <p:cNvPr id="83" name="Shape 83"/>
+        <p:cNvGrpSpPr/>
+        <p:nvPr/>
+      </p:nvGrpSpPr>
+      <p:grpSpPr>
+        <a:xfrm>
+          <a:off x="0" y="0"/>
+          <a:ext cx="0" cy="0"/>
+          <a:chOff x="0" y="0"/>
+          <a:chExt cx="0" cy="0"/>
+        </a:xfrm>
+      </p:grpSpPr>
+      <p:sp>
+        <p:nvSpPr>
+          <p:cNvPr id="84" name="Shape 84"/>
+          <p:cNvSpPr txBox="1"/>
+          <p:nvPr>
+            <p:ph idx="12" type="sldNum"/>
+          </p:nvPr>
+        </p:nvSpPr>
+        <p:spPr>
+          <a:xfrm>
+            <a:off x="8472457" y="8290163"/>
+            <a:ext cx="548699" cy="699599"/>
+          </a:xfrm>
+          <a:prstGeom prst="rect">
+            <a:avLst/>
+          </a:prstGeom>
+        </p:spPr>
+        <p:txBody>
+          <a:bodyPr anchorCtr="0" anchor="ctr" bIns="91425" lIns="91425" rIns="91425" tIns="91425">
+            <a:noAutofit/>
+          </a:bodyPr>
+          <a:lstStyle/>
+          <a:p>
+            <a:pPr lvl="0">
+              <a:spcBef>
+                <a:spcPts val="0"/>
+              </a:spcBef>
+              <a:buNone/>
+            </a:pPr>
+            <a:fld id="{00000000-1234-1234-1234-123412341234}" type="slidenum">
+              <a:rPr lang="en"/>
+              <a:t>‹#›</a:t>
+            </a:fld>
+          </a:p>
+        </p:txBody>
+      </p:sp>
+      <p:sp>
+        <p:nvSpPr>
+          <p:cNvPr id="85" name="Shape 85"/>
+          <p:cNvSpPr txBox="1"/>
+          <p:nvPr>
+            <p:ph type="title"/>
+          </p:nvPr>
+        </p:nvSpPr>
+        <p:spPr>
+          <a:xfrm>
+            <a:off x="311650" y="123291"/>
+            <a:ext cx="8520599" cy="763500"/>
+          </a:xfrm>
+          <a:prstGeom prst="rect">
+            <a:avLst/>
+          </a:prstGeom>
+        </p:spPr>
+        <p:txBody>
+          <a:bodyPr anchorCtr="0" anchor="t" bIns="91425" lIns="91425" rIns="91425" tIns="91425">
+            <a:noAutofit/>
+          </a:bodyPr>
+          <a:lstStyle/>
+          <a:p>
+            <a:pPr lvl="0" rtl="0">
+              <a:spcBef>
+                <a:spcPts val="0"/>
+              </a:spcBef>
+              <a:buClr>
+                <a:schemeClr val="dk1"/>
+              </a:buClr>
+              <a:buSzPct val="30555"/>
+              <a:buFont typeface="Arial"/>
+              <a:buNone/>
+            </a:pPr>
+            <a:r>
+              <a:rPr lang="en"/>
+              <a:t>What is Ionic?</a:t>
+            </a:r>
+          </a:p>
+          <a:p>
+            <a:pPr lvl="0">
+              <a:spcBef>
+                <a:spcPts val="0"/>
+              </a:spcBef>
+              <a:buNone/>
+            </a:pPr>
+            <a:r>
+              <a:t/>
+            </a:r>
+            <a:endParaRPr/>
+          </a:p>
+        </p:txBody>
+      </p:sp>
+      <p:sp>
+        <p:nvSpPr>
+          <p:cNvPr id="86" name="Shape 86"/>
+          <p:cNvSpPr txBox="1"/>
+          <p:nvPr>
+            <p:ph idx="2" type="sldNum"/>
+          </p:nvPr>
+        </p:nvSpPr>
+        <p:spPr>
+          <a:xfrm>
+            <a:off x="8472457" y="6217622"/>
+            <a:ext cx="548699" cy="524699"/>
+          </a:xfrm>
+          <a:prstGeom prst="rect">
+            <a:avLst/>
+          </a:prstGeom>
+        </p:spPr>
+        <p:txBody>
+          <a:bodyPr anchorCtr="0" anchor="ctr" bIns="91425" lIns="91425" rIns="91425" tIns="91425">
+            <a:noAutofit/>
+          </a:bodyPr>
+          <a:lstStyle/>
+          <a:p>
+            <a:pPr lvl="0">
+              <a:spcBef>
+                <a:spcPts val="0"/>
+              </a:spcBef>
+              <a:buNone/>
+            </a:pPr>
+            <a:fld id="{00000000-1234-1234-1234-123412341234}" type="slidenum">
+              <a:rPr lang="en"/>
+              <a:t>‹#›</a:t>
+            </a:fld>
+          </a:p>
+        </p:txBody>
+      </p:sp>
+      <p:pic>
+        <p:nvPicPr>
+          <p:cNvPr id="87" name="Shape 87"/>
+          <p:cNvPicPr preferRelativeResize="0"/>
+          <p:nvPr/>
+        </p:nvPicPr>
+        <p:blipFill>
+          <a:blip r:embed="rId3">
+            <a:alphaModFix/>
+          </a:blip>
+          <a:stretch>
+            <a:fillRect/>
+          </a:stretch>
+        </p:blipFill>
+        <p:spPr>
+          <a:xfrm>
+            <a:off x="575124" y="2340427"/>
+            <a:ext cx="2295949" cy="3226724"/>
+          </a:xfrm>
+          <a:prstGeom prst="rect">
+            <a:avLst/>
+          </a:prstGeom>
+          <a:noFill/>
+          <a:ln>
+            <a:noFill/>
+          </a:ln>
+        </p:spPr>
+      </p:pic>
+      <p:pic>
+        <p:nvPicPr>
+          <p:cNvPr id="88" name="Shape 88"/>
+          <p:cNvPicPr preferRelativeResize="0"/>
+          <p:nvPr/>
+        </p:nvPicPr>
+        <p:blipFill>
+          <a:blip r:embed="rId4">
+            <a:alphaModFix/>
+          </a:blip>
+          <a:stretch>
+            <a:fillRect/>
+          </a:stretch>
+        </p:blipFill>
+        <p:spPr>
+          <a:xfrm>
+            <a:off x="3424025" y="2340427"/>
+            <a:ext cx="2295949" cy="3226746"/>
+          </a:xfrm>
+          <a:prstGeom prst="rect">
+            <a:avLst/>
+          </a:prstGeom>
+          <a:noFill/>
+          <a:ln>
+            <a:noFill/>
+          </a:ln>
+        </p:spPr>
+      </p:pic>
+      <p:pic>
+        <p:nvPicPr>
+          <p:cNvPr id="89" name="Shape 89"/>
+          <p:cNvPicPr preferRelativeResize="0"/>
+          <p:nvPr/>
+        </p:nvPicPr>
+        <p:blipFill>
+          <a:blip r:embed="rId5">
+            <a:alphaModFix/>
+          </a:blip>
+          <a:stretch>
+            <a:fillRect/>
+          </a:stretch>
+        </p:blipFill>
+        <p:spPr>
+          <a:xfrm>
+            <a:off x="6416775" y="2340427"/>
+            <a:ext cx="2295949" cy="3226746"/>
+          </a:xfrm>
+          <a:prstGeom prst="rect">
+            <a:avLst/>
+          </a:prstGeom>
+          <a:noFill/>
+          <a:ln>
+            <a:noFill/>
+          </a:ln>
+        </p:spPr>
+      </p:pic>
+    </p:spTree>
+  </p:cSld>
+  <p:clrMapOvr>
+    <a:masterClrMapping/>
+  </p:clrMapOvr>
+  <p:transition spd="slow">
+    <p:cut/>
+  </p:transition>
+</p:sld>
+</file>
+
+<file path=ppt/slides/slide4.xml><?xml version="1.0" encoding="utf-8"?>
+<p:sld xmlns:a="http://schemas.openxmlformats.org/drawingml/2006/main" xmlns:r="http://schemas.openxmlformats.org/officeDocument/2006/relationships" xmlns:mc="http://schemas.openxmlformats.org/markup-compatibility/2006" xmlns:mv="urn:schemas-microsoft-com:mac:vml" xmlns:p="http://schemas.openxmlformats.org/presentationml/2006/main" xmlns:c="http://schemas.openxmlformats.org/drawingml/2006/chart" xmlns:dgm="http://schemas.openxmlformats.org/drawingml/2006/diagram" xmlns:o="urn:schemas-microsoft-com:office:office" xmlns:v="urn:schemas-microsoft-com:vml" xmlns:pvml="urn:schemas-microsoft-com:office:powerpoint" xmlns:com="http://schemas.openxmlformats.org/drawingml/2006/compatibility" xmlns:p14="http://schemas.microsoft.com/office/powerpoint/2010/main">
+  <p:cSld>
+    <p:spTree>
+      <p:nvGrpSpPr>
+        <p:cNvPr id="93" name="Shape 93"/>
+        <p:cNvGrpSpPr/>
+        <p:nvPr/>
+      </p:nvGrpSpPr>
+      <p:grpSpPr>
+        <a:xfrm>
+          <a:off x="0" y="0"/>
+          <a:ext cx="0" cy="0"/>
+          <a:chOff x="0" y="0"/>
+          <a:chExt cx="0" cy="0"/>
+        </a:xfrm>
+      </p:grpSpPr>
+      <p:sp>
+        <p:nvSpPr>
+          <p:cNvPr id="94" name="Shape 94"/>
+          <p:cNvSpPr txBox="1"/>
+          <p:nvPr>
+            <p:ph idx="1" type="body"/>
+          </p:nvPr>
+        </p:nvSpPr>
+        <p:spPr>
+          <a:xfrm>
+            <a:off x="311700" y="3636475"/>
+            <a:ext cx="8520599" cy="2749799"/>
+          </a:xfrm>
+          <a:prstGeom prst="rect">
+            <a:avLst/>
+          </a:prstGeom>
+        </p:spPr>
+        <p:txBody>
+          <a:bodyPr anchorCtr="0" anchor="ctr" bIns="91425" lIns="91425" rIns="91425" tIns="91425">
+            <a:noAutofit/>
+          </a:bodyPr>
+          <a:lstStyle/>
+          <a:p>
+            <a:pPr lvl="0" rtl="0" algn="ctr">
+              <a:spcBef>
+                <a:spcPts val="0"/>
+              </a:spcBef>
+              <a:spcAft>
+                <a:spcPts val="0"/>
+              </a:spcAft>
+              <a:buNone/>
+            </a:pPr>
+            <a:r>
+              <a:rPr lang="en" sz="3600"/>
+              <a:t>Apache Cordova is a platform for building native mobile applications using HTML, CSS and Javascript.</a:t>
+            </a:r>
+          </a:p>
+        </p:txBody>
+      </p:sp>
+      <p:sp>
+        <p:nvSpPr>
+          <p:cNvPr id="95" name="Shape 95"/>
+          <p:cNvSpPr txBox="1"/>
+          <p:nvPr>
+            <p:ph idx="12" type="sldNum"/>
+          </p:nvPr>
+        </p:nvSpPr>
+        <p:spPr>
+          <a:xfrm>
+            <a:off x="8472457" y="8290163"/>
+            <a:ext cx="548699" cy="699599"/>
+          </a:xfrm>
+          <a:prstGeom prst="rect">
+            <a:avLst/>
+          </a:prstGeom>
+        </p:spPr>
+        <p:txBody>
+          <a:bodyPr anchorCtr="0" anchor="ctr" bIns="91425" lIns="91425" rIns="91425" tIns="91425">
+            <a:noAutofit/>
+          </a:bodyPr>
+          <a:lstStyle/>
+          <a:p>
+            <a:pPr lvl="0" rtl="0">
+              <a:spcBef>
+                <a:spcPts val="0"/>
+              </a:spcBef>
+              <a:buNone/>
+            </a:pPr>
+            <a:fld id="{00000000-1234-1234-1234-123412341234}" type="slidenum">
+              <a:rPr lang="en"/>
+              <a:t>‹#›</a:t>
+            </a:fld>
+          </a:p>
+        </p:txBody>
+      </p:sp>
+      <p:sp>
+        <p:nvSpPr>
+          <p:cNvPr id="96" name="Shape 96"/>
+          <p:cNvSpPr txBox="1"/>
+          <p:nvPr>
+            <p:ph type="title"/>
+          </p:nvPr>
+        </p:nvSpPr>
+        <p:spPr>
+          <a:xfrm>
+            <a:off x="311650" y="123291"/>
+            <a:ext cx="8520599" cy="763500"/>
+          </a:xfrm>
+          <a:prstGeom prst="rect">
+            <a:avLst/>
+          </a:prstGeom>
+        </p:spPr>
+        <p:txBody>
+          <a:bodyPr anchorCtr="0" anchor="t" bIns="91425" lIns="91425" rIns="91425" tIns="91425">
+            <a:noAutofit/>
+          </a:bodyPr>
+          <a:lstStyle/>
+          <a:p>
+            <a:pPr lvl="0" rtl="0">
+              <a:spcBef>
+                <a:spcPts val="0"/>
+              </a:spcBef>
+              <a:buNone/>
+            </a:pPr>
+            <a:r>
+              <a:rPr lang="en"/>
+              <a:t>Apache Cordova</a:t>
+            </a:r>
+          </a:p>
+        </p:txBody>
+      </p:sp>
+      <p:sp>
+        <p:nvSpPr>
+          <p:cNvPr id="97" name="Shape 97"/>
+          <p:cNvSpPr txBox="1"/>
+          <p:nvPr>
+            <p:ph idx="2" type="sldNum"/>
+          </p:nvPr>
+        </p:nvSpPr>
+        <p:spPr>
+          <a:xfrm>
+            <a:off x="8472457" y="6217622"/>
+            <a:ext cx="548699" cy="524699"/>
+          </a:xfrm>
+          <a:prstGeom prst="rect">
+            <a:avLst/>
+          </a:prstGeom>
+        </p:spPr>
+        <p:txBody>
+          <a:bodyPr anchorCtr="0" anchor="ctr" bIns="91425" lIns="91425" rIns="91425" tIns="91425">
+            <a:noAutofit/>
+          </a:bodyPr>
+          <a:lstStyle/>
+          <a:p>
+            <a:pPr lvl="0" rtl="0">
+              <a:spcBef>
+                <a:spcPts val="0"/>
+              </a:spcBef>
+              <a:buNone/>
+            </a:pPr>
+            <a:fld id="{00000000-1234-1234-1234-123412341234}" type="slidenum">
+              <a:rPr lang="en"/>
+              <a:t>‹#›</a:t>
+            </a:fld>
+          </a:p>
+        </p:txBody>
+      </p:sp>
+      <p:pic>
+        <p:nvPicPr>
+          <p:cNvPr id="98" name="Shape 98"/>
+          <p:cNvPicPr preferRelativeResize="0"/>
+          <p:nvPr/>
+        </p:nvPicPr>
+        <p:blipFill>
+          <a:blip r:embed="rId3">
+            <a:alphaModFix/>
+          </a:blip>
+          <a:stretch>
+            <a:fillRect/>
+          </a:stretch>
+        </p:blipFill>
+        <p:spPr>
+          <a:xfrm>
+            <a:off x="1069728" y="1473847"/>
+            <a:ext cx="7004421" cy="2079437"/>
+          </a:xfrm>
+          <a:prstGeom prst="rect">
+            <a:avLst/>
+          </a:prstGeom>
+          <a:noFill/>
+          <a:ln>
+            <a:noFill/>
+          </a:ln>
+        </p:spPr>
+      </p:pic>
+    </p:spTree>
+  </p:cSld>
+  <p:clrMapOvr>
+    <a:masterClrMapping/>
+  </p:clrMapOvr>
+  <p:transition spd="slow">
+    <p:cut/>
+  </p:transition>
+</p:sld>
+</file>
+
+<file path=ppt/slides/slide5.xml><?xml version="1.0" encoding="utf-8"?>
+<p:sld xmlns:a="http://schemas.openxmlformats.org/drawingml/2006/main" xmlns:r="http://schemas.openxmlformats.org/officeDocument/2006/relationships" xmlns:mc="http://schemas.openxmlformats.org/markup-compatibility/2006" xmlns:mv="urn:schemas-microsoft-com:mac:vml" xmlns:p="http://schemas.openxmlformats.org/presentationml/2006/main" xmlns:c="http://schemas.openxmlformats.org/drawingml/2006/chart" xmlns:dgm="http://schemas.openxmlformats.org/drawingml/2006/diagram" xmlns:o="urn:schemas-microsoft-com:office:office" xmlns:v="urn:schemas-microsoft-com:vml" xmlns:pvml="urn:schemas-microsoft-com:office:powerpoint" xmlns:com="http://schemas.openxmlformats.org/drawingml/2006/compatibility" xmlns:p14="http://schemas.microsoft.com/office/powerpoint/2010/main">
+  <p:cSld>
+    <p:spTree>
+      <p:nvGrpSpPr>
+        <p:cNvPr id="102" name="Shape 102"/>
+        <p:cNvGrpSpPr/>
+        <p:nvPr/>
+      </p:nvGrpSpPr>
+      <p:grpSpPr>
+        <a:xfrm>
+          <a:off x="0" y="0"/>
+          <a:ext cx="0" cy="0"/>
+          <a:chOff x="0" y="0"/>
+          <a:chExt cx="0" cy="0"/>
+        </a:xfrm>
+      </p:grpSpPr>
+      <p:sp>
+        <p:nvSpPr>
+          <p:cNvPr id="103" name="Shape 103"/>
+          <p:cNvSpPr txBox="1"/>
+          <p:nvPr>
+            <p:ph idx="1" type="body"/>
+          </p:nvPr>
+        </p:nvSpPr>
+        <p:spPr>
+          <a:xfrm>
+            <a:off x="311700" y="4590150"/>
+            <a:ext cx="8520599" cy="1705499"/>
+          </a:xfrm>
+          <a:prstGeom prst="rect">
+            <a:avLst/>
+          </a:prstGeom>
+        </p:spPr>
+        <p:txBody>
+          <a:bodyPr anchorCtr="0" anchor="ctr" bIns="91425" lIns="91425" rIns="91425" tIns="91425">
+            <a:noAutofit/>
+          </a:bodyPr>
+          <a:lstStyle/>
+          <a:p>
+            <a:pPr lvl="0" rtl="0" algn="ctr">
+              <a:lnSpc>
+                <a:spcPct val="150000"/>
+              </a:lnSpc>
+              <a:spcBef>
+                <a:spcPts val="0"/>
+              </a:spcBef>
+              <a:spcAft>
+                <a:spcPts val="0"/>
+              </a:spcAft>
+              <a:buNone/>
+            </a:pPr>
+            <a:r>
+              <a:rPr lang="en" sz="3600"/>
+              <a:t>Client-side framework for building webapps</a:t>
+            </a:r>
+          </a:p>
+        </p:txBody>
+      </p:sp>
+      <p:sp>
+        <p:nvSpPr>
+          <p:cNvPr id="104" name="Shape 104"/>
+          <p:cNvSpPr txBox="1"/>
+          <p:nvPr>
+            <p:ph type="title"/>
+          </p:nvPr>
+        </p:nvSpPr>
+        <p:spPr>
+          <a:xfrm>
+            <a:off x="311650" y="123291"/>
+            <a:ext cx="8520599" cy="763500"/>
+          </a:xfrm>
+          <a:prstGeom prst="rect">
+            <a:avLst/>
+          </a:prstGeom>
+        </p:spPr>
+        <p:txBody>
+          <a:bodyPr anchorCtr="0" anchor="t" bIns="91425" lIns="91425" rIns="91425" tIns="91425">
+            <a:noAutofit/>
+          </a:bodyPr>
+          <a:lstStyle/>
+          <a:p>
+            <a:pPr lvl="0" rtl="0">
+              <a:spcBef>
+                <a:spcPts val="0"/>
+              </a:spcBef>
+              <a:buNone/>
+            </a:pPr>
+            <a:r>
+              <a:rPr lang="en"/>
+              <a:t>AngularJS</a:t>
+            </a:r>
+          </a:p>
+        </p:txBody>
+      </p:sp>
+      <p:sp>
+        <p:nvSpPr>
+          <p:cNvPr id="105" name="Shape 105"/>
+          <p:cNvSpPr txBox="1"/>
+          <p:nvPr>
+            <p:ph idx="2" type="sldNum"/>
+          </p:nvPr>
+        </p:nvSpPr>
+        <p:spPr>
+          <a:xfrm>
+            <a:off x="8472457" y="6217622"/>
+            <a:ext cx="548699" cy="524699"/>
+          </a:xfrm>
+          <a:prstGeom prst="rect">
+            <a:avLst/>
+          </a:prstGeom>
+        </p:spPr>
+        <p:txBody>
+          <a:bodyPr anchorCtr="0" anchor="ctr" bIns="91425" lIns="91425" rIns="91425" tIns="91425">
+            <a:noAutofit/>
+          </a:bodyPr>
+          <a:lstStyle/>
+          <a:p>
+            <a:pPr lvl="0" rtl="0">
+              <a:spcBef>
+                <a:spcPts val="0"/>
+              </a:spcBef>
+              <a:buNone/>
+            </a:pPr>
+            <a:fld id="{00000000-1234-1234-1234-123412341234}" type="slidenum">
+              <a:rPr lang="en"/>
+              <a:t>‹#›</a:t>
+            </a:fld>
+          </a:p>
+        </p:txBody>
+      </p:sp>
+      <p:pic>
+        <p:nvPicPr>
+          <p:cNvPr id="106" name="Shape 106"/>
+          <p:cNvPicPr preferRelativeResize="0"/>
+          <p:nvPr/>
+        </p:nvPicPr>
+        <p:blipFill>
+          <a:blip r:embed="rId3">
+            <a:alphaModFix/>
+          </a:blip>
+          <a:stretch>
+            <a:fillRect/>
+          </a:stretch>
+        </p:blipFill>
+        <p:spPr>
+          <a:xfrm>
+            <a:off x="3237350" y="1561500"/>
+            <a:ext cx="2669324" cy="2669324"/>
+          </a:xfrm>
+          <a:prstGeom prst="rect">
+            <a:avLst/>
+          </a:prstGeom>
+          <a:noFill/>
+          <a:ln>
+            <a:noFill/>
+          </a:ln>
+        </p:spPr>
+      </p:pic>
+      <p:sp>
+        <p:nvSpPr>
+          <p:cNvPr id="107" name="Shape 107"/>
+          <p:cNvSpPr txBox="1"/>
+          <p:nvPr>
+            <p:ph idx="12" type="sldNum"/>
+          </p:nvPr>
+        </p:nvSpPr>
+        <p:spPr>
+          <a:xfrm>
+            <a:off x="8472457" y="8290163"/>
+            <a:ext cx="548699" cy="699599"/>
+          </a:xfrm>
+          <a:prstGeom prst="rect">
+            <a:avLst/>
+          </a:prstGeom>
+        </p:spPr>
+        <p:txBody>
+          <a:bodyPr anchorCtr="0" anchor="ctr" bIns="91425" lIns="91425" rIns="91425" tIns="91425">
+            <a:noAutofit/>
+          </a:bodyPr>
+          <a:lstStyle/>
+          <a:p>
+            <a:pPr lvl="0" rtl="0">
+              <a:spcBef>
+                <a:spcPts val="0"/>
+              </a:spcBef>
+              <a:buNone/>
+            </a:pPr>
+            <a:fld id="{00000000-1234-1234-1234-123412341234}" type="slidenum">
+              <a:rPr lang="en"/>
+              <a:t>‹#›</a:t>
+            </a:fld>
+          </a:p>
+        </p:txBody>
+      </p:sp>
+    </p:spTree>
+  </p:cSld>
+  <p:clrMapOvr>
+    <a:masterClrMapping/>
+  </p:clrMapOvr>
+  <p:transition spd="slow">
+    <p:cut/>
+  </p:transition>
+</p:sld>
+</file>
+
+<file path=ppt/slides/slide6.xml><?xml version="1.0" encoding="utf-8"?>
+<p:sld xmlns:a="http://schemas.openxmlformats.org/drawingml/2006/main" xmlns:r="http://schemas.openxmlformats.org/officeDocument/2006/relationships" xmlns:mc="http://schemas.openxmlformats.org/markup-compatibility/2006" xmlns:mv="urn:schemas-microsoft-com:mac:vml" xmlns:p="http://schemas.openxmlformats.org/presentationml/2006/main" xmlns:c="http://schemas.openxmlformats.org/drawingml/2006/chart" xmlns:dgm="http://schemas.openxmlformats.org/drawingml/2006/diagram" xmlns:o="urn:schemas-microsoft-com:office:office" xmlns:v="urn:schemas-microsoft-com:vml" xmlns:pvml="urn:schemas-microsoft-com:office:powerpoint" xmlns:com="http://schemas.openxmlformats.org/drawingml/2006/compatibility" xmlns:p14="http://schemas.microsoft.com/office/powerpoint/2010/main">
+  <p:cSld>
+    <p:spTree>
+      <p:nvGrpSpPr>
+        <p:cNvPr id="111" name="Shape 111"/>
+        <p:cNvGrpSpPr/>
+        <p:nvPr/>
+      </p:nvGrpSpPr>
+      <p:grpSpPr>
+        <a:xfrm>
+          <a:off x="0" y="0"/>
+          <a:ext cx="0" cy="0"/>
+          <a:chOff x="0" y="0"/>
+          <a:chExt cx="0" cy="0"/>
+        </a:xfrm>
+      </p:grpSpPr>
+      <p:sp>
+        <p:nvSpPr>
+          <p:cNvPr id="112" name="Shape 112"/>
+          <p:cNvSpPr txBox="1"/>
+          <p:nvPr>
+            <p:ph idx="1" type="body"/>
+          </p:nvPr>
+        </p:nvSpPr>
+        <p:spPr>
+          <a:xfrm>
+            <a:off x="311700" y="4081054"/>
+            <a:ext cx="8520599" cy="2010900"/>
+          </a:xfrm>
+          <a:prstGeom prst="rect">
+            <a:avLst/>
+          </a:prstGeom>
+        </p:spPr>
+        <p:txBody>
+          <a:bodyPr anchorCtr="0" anchor="ctr" bIns="91425" lIns="91425" rIns="91425" tIns="91425">
+            <a:noAutofit/>
+          </a:bodyPr>
+          <a:lstStyle/>
+          <a:p>
+            <a:pPr lvl="0" rtl="0" algn="ctr">
+              <a:lnSpc>
+                <a:spcPct val="150000"/>
+              </a:lnSpc>
+              <a:spcBef>
+                <a:spcPts val="0"/>
+              </a:spcBef>
+              <a:spcAft>
+                <a:spcPts val="0"/>
+              </a:spcAft>
+              <a:buNone/>
+            </a:pPr>
+            <a:r>
+              <a:rPr lang="en" sz="3600"/>
+              <a:t>Sass is an extension of CSS that adds power and elegance to the basic language.</a:t>
+            </a:r>
+          </a:p>
+        </p:txBody>
+      </p:sp>
+      <p:sp>
+        <p:nvSpPr>
+          <p:cNvPr id="113" name="Shape 113"/>
+          <p:cNvSpPr txBox="1"/>
+          <p:nvPr>
+            <p:ph idx="12" type="sldNum"/>
+          </p:nvPr>
+        </p:nvSpPr>
+        <p:spPr>
+          <a:xfrm>
+            <a:off x="8472457" y="8290163"/>
+            <a:ext cx="548699" cy="699599"/>
+          </a:xfrm>
+          <a:prstGeom prst="rect">
+            <a:avLst/>
+          </a:prstGeom>
+        </p:spPr>
+        <p:txBody>
+          <a:bodyPr anchorCtr="0" anchor="ctr" bIns="91425" lIns="91425" rIns="91425" tIns="91425">
+            <a:noAutofit/>
+          </a:bodyPr>
+          <a:lstStyle/>
+          <a:p>
+            <a:pPr lvl="0" rtl="0">
+              <a:spcBef>
+                <a:spcPts val="0"/>
+              </a:spcBef>
+              <a:buNone/>
+            </a:pPr>
+            <a:fld id="{00000000-1234-1234-1234-123412341234}" type="slidenum">
+              <a:rPr lang="en"/>
+              <a:t>‹#›</a:t>
+            </a:fld>
+          </a:p>
+        </p:txBody>
+      </p:sp>
+      <p:sp>
+        <p:nvSpPr>
+          <p:cNvPr id="114" name="Shape 114"/>
+          <p:cNvSpPr txBox="1"/>
+          <p:nvPr>
+            <p:ph type="title"/>
+          </p:nvPr>
+        </p:nvSpPr>
+        <p:spPr>
+          <a:xfrm>
+            <a:off x="311650" y="123291"/>
+            <a:ext cx="8520599" cy="763500"/>
+          </a:xfrm>
+          <a:prstGeom prst="rect">
+            <a:avLst/>
+          </a:prstGeom>
+        </p:spPr>
+        <p:txBody>
+          <a:bodyPr anchorCtr="0" anchor="t" bIns="91425" lIns="91425" rIns="91425" tIns="91425">
+            <a:noAutofit/>
+          </a:bodyPr>
+          <a:lstStyle/>
+          <a:p>
+            <a:pPr lvl="0" rtl="0">
+              <a:spcBef>
+                <a:spcPts val="0"/>
+              </a:spcBef>
+              <a:buNone/>
+            </a:pPr>
+            <a:r>
+              <a:rPr lang="en"/>
+              <a:t>Sass</a:t>
+            </a:r>
+          </a:p>
+        </p:txBody>
+      </p:sp>
+      <p:sp>
+        <p:nvSpPr>
+          <p:cNvPr id="115" name="Shape 115"/>
+          <p:cNvSpPr txBox="1"/>
+          <p:nvPr>
+            <p:ph idx="2" type="sldNum"/>
+          </p:nvPr>
+        </p:nvSpPr>
+        <p:spPr>
+          <a:xfrm>
+            <a:off x="8472457" y="6217622"/>
+            <a:ext cx="548699" cy="524699"/>
+          </a:xfrm>
+          <a:prstGeom prst="rect">
+            <a:avLst/>
+          </a:prstGeom>
+        </p:spPr>
+        <p:txBody>
+          <a:bodyPr anchorCtr="0" anchor="ctr" bIns="91425" lIns="91425" rIns="91425" tIns="91425">
+            <a:noAutofit/>
+          </a:bodyPr>
+          <a:lstStyle/>
+          <a:p>
+            <a:pPr lvl="0" rtl="0">
+              <a:spcBef>
+                <a:spcPts val="0"/>
+              </a:spcBef>
+              <a:buNone/>
+            </a:pPr>
+            <a:fld id="{00000000-1234-1234-1234-123412341234}" type="slidenum">
+              <a:rPr lang="en"/>
+              <a:t>‹#›</a:t>
+            </a:fld>
+          </a:p>
+        </p:txBody>
+      </p:sp>
+      <p:pic>
+        <p:nvPicPr>
+          <p:cNvPr id="116" name="Shape 116"/>
+          <p:cNvPicPr preferRelativeResize="0"/>
+          <p:nvPr/>
+        </p:nvPicPr>
+        <p:blipFill>
+          <a:blip r:embed="rId3">
+            <a:alphaModFix/>
+          </a:blip>
+          <a:stretch>
+            <a:fillRect/>
+          </a:stretch>
+        </p:blipFill>
+        <p:spPr>
+          <a:xfrm>
+            <a:off x="3381375" y="1464050"/>
+            <a:ext cx="2381250" cy="2381250"/>
+          </a:xfrm>
+          <a:prstGeom prst="rect">
+            <a:avLst/>
+          </a:prstGeom>
+          <a:noFill/>
+          <a:ln>
+            <a:noFill/>
+          </a:ln>
+        </p:spPr>
+      </p:pic>
+    </p:spTree>
+  </p:cSld>
+  <p:clrMapOvr>
+    <a:masterClrMapping/>
+  </p:clrMapOvr>
+  <p:transition spd="slow">
+    <p:cut/>
+  </p:transition>
+</p:sld>
+</file>
+
+<file path=ppt/slides/slide7.xml><?xml version="1.0" encoding="utf-8"?>
+<p:sld xmlns:a="http://schemas.openxmlformats.org/drawingml/2006/main" xmlns:r="http://schemas.openxmlformats.org/officeDocument/2006/relationships" xmlns:mc="http://schemas.openxmlformats.org/markup-compatibility/2006" xmlns:mv="urn:schemas-microsoft-com:mac:vml" xmlns:p="http://schemas.openxmlformats.org/presentationml/2006/main" xmlns:c="http://schemas.openxmlformats.org/drawingml/2006/chart" xmlns:dgm="http://schemas.openxmlformats.org/drawingml/2006/diagram" xmlns:o="urn:schemas-microsoft-com:office:office" xmlns:v="urn:schemas-microsoft-com:vml" xmlns:pvml="urn:schemas-microsoft-com:office:powerpoint" xmlns:com="http://schemas.openxmlformats.org/drawingml/2006/compatibility" xmlns:p14="http://schemas.microsoft.com/office/powerpoint/2010/main">
+  <p:cSld>
+    <p:spTree>
+      <p:nvGrpSpPr>
+        <p:cNvPr id="120" name="Shape 120"/>
+        <p:cNvGrpSpPr/>
+        <p:nvPr/>
+      </p:nvGrpSpPr>
+      <p:grpSpPr>
+        <a:xfrm>
+          <a:off x="0" y="0"/>
+          <a:ext cx="0" cy="0"/>
+          <a:chOff x="0" y="0"/>
+          <a:chExt cx="0" cy="0"/>
+        </a:xfrm>
+      </p:grpSpPr>
+      <p:sp>
+        <p:nvSpPr>
+          <p:cNvPr id="121" name="Shape 121"/>
+          <p:cNvSpPr txBox="1"/>
+          <p:nvPr>
+            <p:ph idx="1" type="body"/>
+          </p:nvPr>
+        </p:nvSpPr>
+        <p:spPr>
+          <a:xfrm>
+            <a:off x="311700" y="1536633"/>
+            <a:ext cx="8520599" cy="4555199"/>
+          </a:xfrm>
+          <a:prstGeom prst="rect">
+            <a:avLst/>
+          </a:prstGeom>
+        </p:spPr>
+        <p:txBody>
+          <a:bodyPr anchorCtr="0" anchor="ctr" bIns="91425" lIns="91425" rIns="91425" tIns="91425">
+            <a:noAutofit/>
+          </a:bodyPr>
+          <a:lstStyle/>
+          <a:p>
+            <a:pPr indent="-457200" lvl="0" marL="457200" rtl="0">
+              <a:lnSpc>
+                <a:spcPct val="150000"/>
+              </a:lnSpc>
+              <a:spcBef>
+                <a:spcPts val="0"/>
+              </a:spcBef>
+              <a:spcAft>
+                <a:spcPts val="0"/>
+              </a:spcAft>
+              <a:buSzPct val="100000"/>
+            </a:pPr>
+            <a:r>
+              <a:rPr lang="en" sz="3600">
+                <a:solidFill>
+                  <a:schemeClr val="dk1"/>
+                </a:solidFill>
+              </a:rPr>
+              <a:t>Cross-platform: Android, iOS, Windows, Blackberry.</a:t>
+            </a:r>
+          </a:p>
+          <a:p>
+            <a:pPr indent="-457200" lvl="0" marL="457200" rtl="0">
+              <a:lnSpc>
+                <a:spcPct val="150000"/>
+              </a:lnSpc>
+              <a:spcBef>
+                <a:spcPts val="0"/>
+              </a:spcBef>
+              <a:spcAft>
+                <a:spcPts val="0"/>
+              </a:spcAft>
+              <a:buSzPct val="100000"/>
+            </a:pPr>
+            <a:r>
+              <a:rPr lang="en" sz="3600">
+                <a:solidFill>
+                  <a:schemeClr val="dk1"/>
+                </a:solidFill>
+              </a:rPr>
+              <a:t>Smaller learning curve if you have a web development background.</a:t>
+            </a:r>
+          </a:p>
+          <a:p>
+            <a:pPr indent="-457200" lvl="0" marL="457200" rtl="0">
+              <a:lnSpc>
+                <a:spcPct val="150000"/>
+              </a:lnSpc>
+              <a:spcBef>
+                <a:spcPts val="0"/>
+              </a:spcBef>
+              <a:spcAft>
+                <a:spcPts val="0"/>
+              </a:spcAft>
+              <a:buSzPct val="100000"/>
+            </a:pPr>
+            <a:r>
+              <a:rPr lang="en" sz="3600">
+                <a:solidFill>
+                  <a:schemeClr val="dk1"/>
+                </a:solidFill>
+              </a:rPr>
+              <a:t>Faster development</a:t>
+            </a:r>
+          </a:p>
+        </p:txBody>
+      </p:sp>
+      <p:sp>
+        <p:nvSpPr>
+          <p:cNvPr id="122" name="Shape 122"/>
+          <p:cNvSpPr txBox="1"/>
+          <p:nvPr>
+            <p:ph idx="12" type="sldNum"/>
+          </p:nvPr>
+        </p:nvSpPr>
+        <p:spPr>
+          <a:xfrm>
+            <a:off x="8472457" y="8290163"/>
+            <a:ext cx="548699" cy="699599"/>
+          </a:xfrm>
+          <a:prstGeom prst="rect">
+            <a:avLst/>
+          </a:prstGeom>
+        </p:spPr>
+        <p:txBody>
+          <a:bodyPr anchorCtr="0" anchor="ctr" bIns="91425" lIns="91425" rIns="91425" tIns="91425">
+            <a:noAutofit/>
+          </a:bodyPr>
+          <a:lstStyle/>
+          <a:p>
+            <a:pPr lvl="0" rtl="0">
+              <a:spcBef>
+                <a:spcPts val="0"/>
+              </a:spcBef>
+              <a:buNone/>
+            </a:pPr>
+            <a:fld id="{00000000-1234-1234-1234-123412341234}" type="slidenum">
+              <a:rPr lang="en"/>
+              <a:t>‹#›</a:t>
+            </a:fld>
+          </a:p>
+        </p:txBody>
+      </p:sp>
+      <p:sp>
+        <p:nvSpPr>
+          <p:cNvPr id="123" name="Shape 123"/>
+          <p:cNvSpPr txBox="1"/>
+          <p:nvPr>
+            <p:ph type="title"/>
+          </p:nvPr>
+        </p:nvSpPr>
+        <p:spPr>
+          <a:xfrm>
+            <a:off x="311650" y="123291"/>
+            <a:ext cx="8520599" cy="763500"/>
+          </a:xfrm>
+          <a:prstGeom prst="rect">
+            <a:avLst/>
+          </a:prstGeom>
+        </p:spPr>
+        <p:txBody>
+          <a:bodyPr anchorCtr="0" anchor="t" bIns="91425" lIns="91425" rIns="91425" tIns="91425">
+            <a:noAutofit/>
+          </a:bodyPr>
+          <a:lstStyle/>
+          <a:p>
+            <a:pPr lvl="0" rtl="0">
+              <a:spcBef>
+                <a:spcPts val="0"/>
+              </a:spcBef>
+              <a:buNone/>
+            </a:pPr>
+            <a:r>
+              <a:rPr lang="en"/>
+              <a:t>Pros</a:t>
+            </a:r>
+          </a:p>
+        </p:txBody>
+      </p:sp>
+      <p:sp>
+        <p:nvSpPr>
+          <p:cNvPr id="124" name="Shape 124"/>
+          <p:cNvSpPr txBox="1"/>
+          <p:nvPr>
+            <p:ph idx="2" type="sldNum"/>
+          </p:nvPr>
+        </p:nvSpPr>
+        <p:spPr>
+          <a:xfrm>
+            <a:off x="8472457" y="6217622"/>
+            <a:ext cx="548699" cy="524699"/>
+          </a:xfrm>
+          <a:prstGeom prst="rect">
+            <a:avLst/>
+          </a:prstGeom>
+        </p:spPr>
+        <p:txBody>
+          <a:bodyPr anchorCtr="0" anchor="ctr" bIns="91425" lIns="91425" rIns="91425" tIns="91425">
+            <a:noAutofit/>
+          </a:bodyPr>
+          <a:lstStyle/>
+          <a:p>
+            <a:pPr lvl="0" rtl="0">
+              <a:spcBef>
+                <a:spcPts val="0"/>
+              </a:spcBef>
+              <a:buNone/>
+            </a:pPr>
+            <a:fld id="{00000000-1234-1234-1234-123412341234}" type="slidenum">
+              <a:rPr lang="en"/>
+              <a:t>‹#›</a:t>
+            </a:fld>
+          </a:p>
+        </p:txBody>
+      </p:sp>
+    </p:spTree>
+  </p:cSld>
+  <p:clrMapOvr>
+    <a:masterClrMapping/>
+  </p:clrMapOvr>
+  <p:transition spd="slow">
+    <p:cut/>
+  </p:transition>
+</p:sld>
+</file>
+
+<file path=ppt/slides/slide8.xml><?xml version="1.0" encoding="utf-8"?>
+<p:sld xmlns:a="http://schemas.openxmlformats.org/drawingml/2006/main" xmlns:r="http://schemas.openxmlformats.org/officeDocument/2006/relationships" xmlns:mc="http://schemas.openxmlformats.org/markup-compatibility/2006" xmlns:mv="urn:schemas-microsoft-com:mac:vml" xmlns:p="http://schemas.openxmlformats.org/presentationml/2006/main" xmlns:c="http://schemas.openxmlformats.org/drawingml/2006/chart" xmlns:dgm="http://schemas.openxmlformats.org/drawingml/2006/diagram" xmlns:o="urn:schemas-microsoft-com:office:office" xmlns:v="urn:schemas-microsoft-com:vml" xmlns:pvml="urn:schemas-microsoft-com:office:powerpoint" xmlns:com="http://schemas.openxmlformats.org/drawingml/2006/compatibility" xmlns:p14="http://schemas.microsoft.com/office/powerpoint/2010/main">
+  <p:cSld>
+    <p:spTree>
+      <p:nvGrpSpPr>
+        <p:cNvPr id="128" name="Shape 128"/>
+        <p:cNvGrpSpPr/>
+        <p:nvPr/>
+      </p:nvGrpSpPr>
+      <p:grpSpPr>
+        <a:xfrm>
+          <a:off x="0" y="0"/>
+          <a:ext cx="0" cy="0"/>
+          <a:chOff x="0" y="0"/>
+          <a:chExt cx="0" cy="0"/>
+        </a:xfrm>
+      </p:grpSpPr>
+      <p:sp>
+        <p:nvSpPr>
+          <p:cNvPr id="129" name="Shape 129"/>
+          <p:cNvSpPr txBox="1"/>
+          <p:nvPr>
+            <p:ph idx="1" type="body"/>
+          </p:nvPr>
+        </p:nvSpPr>
+        <p:spPr>
+          <a:xfrm>
+            <a:off x="311700" y="1536633"/>
+            <a:ext cx="8520599" cy="4555199"/>
+          </a:xfrm>
+          <a:prstGeom prst="rect">
+            <a:avLst/>
+          </a:prstGeom>
+        </p:spPr>
+        <p:txBody>
+          <a:bodyPr anchorCtr="0" anchor="ctr" bIns="91425" lIns="91425" rIns="91425" tIns="91425">
+            <a:noAutofit/>
+          </a:bodyPr>
+          <a:lstStyle/>
+          <a:p>
+            <a:pPr indent="-457200" lvl="0" marL="457200" rtl="0">
+              <a:lnSpc>
+                <a:spcPct val="150000"/>
+              </a:lnSpc>
+              <a:spcBef>
+                <a:spcPts val="0"/>
+              </a:spcBef>
+              <a:spcAft>
+                <a:spcPts val="0"/>
+              </a:spcAft>
+              <a:buSzPct val="100000"/>
+            </a:pPr>
+            <a:r>
+              <a:rPr lang="en" sz="3600"/>
+              <a:t>Poor performance</a:t>
+            </a:r>
+          </a:p>
+          <a:p>
+            <a:pPr indent="-457200" lvl="0" marL="457200" rtl="0">
+              <a:lnSpc>
+                <a:spcPct val="150000"/>
+              </a:lnSpc>
+              <a:spcBef>
+                <a:spcPts val="0"/>
+              </a:spcBef>
+              <a:spcAft>
+                <a:spcPts val="0"/>
+              </a:spcAft>
+              <a:buSzPct val="100000"/>
+            </a:pPr>
+            <a:r>
+              <a:rPr lang="en" sz="3600"/>
+              <a:t>Common UI across platforms</a:t>
+            </a:r>
+          </a:p>
+        </p:txBody>
+      </p:sp>
+      <p:sp>
+        <p:nvSpPr>
+          <p:cNvPr id="130" name="Shape 130"/>
+          <p:cNvSpPr txBox="1"/>
+          <p:nvPr>
+            <p:ph idx="12" type="sldNum"/>
+          </p:nvPr>
+        </p:nvSpPr>
+        <p:spPr>
+          <a:xfrm>
+            <a:off x="8472457" y="8290163"/>
+            <a:ext cx="548699" cy="699599"/>
+          </a:xfrm>
+          <a:prstGeom prst="rect">
+            <a:avLst/>
+          </a:prstGeom>
+        </p:spPr>
+        <p:txBody>
+          <a:bodyPr anchorCtr="0" anchor="ctr" bIns="91425" lIns="91425" rIns="91425" tIns="91425">
+            <a:noAutofit/>
+          </a:bodyPr>
+          <a:lstStyle/>
+          <a:p>
+            <a:pPr lvl="0" rtl="0">
+              <a:spcBef>
+                <a:spcPts val="0"/>
+              </a:spcBef>
+              <a:buNone/>
+            </a:pPr>
+            <a:fld id="{00000000-1234-1234-1234-123412341234}" type="slidenum">
+              <a:rPr lang="en"/>
+              <a:t>‹#›</a:t>
+            </a:fld>
+          </a:p>
+        </p:txBody>
+      </p:sp>
+      <p:sp>
+        <p:nvSpPr>
+          <p:cNvPr id="131" name="Shape 131"/>
+          <p:cNvSpPr txBox="1"/>
+          <p:nvPr>
+            <p:ph type="title"/>
+          </p:nvPr>
+        </p:nvSpPr>
+        <p:spPr>
+          <a:xfrm>
+            <a:off x="311650" y="123291"/>
+            <a:ext cx="8520599" cy="763500"/>
+          </a:xfrm>
+          <a:prstGeom prst="rect">
+            <a:avLst/>
+          </a:prstGeom>
+        </p:spPr>
+        <p:txBody>
+          <a:bodyPr anchorCtr="0" anchor="t" bIns="91425" lIns="91425" rIns="91425" tIns="91425">
+            <a:noAutofit/>
+          </a:bodyPr>
+          <a:lstStyle/>
+          <a:p>
+            <a:pPr lvl="0" rtl="0">
+              <a:spcBef>
+                <a:spcPts val="0"/>
+              </a:spcBef>
+              <a:buNone/>
+            </a:pPr>
+            <a:r>
+              <a:rPr lang="en"/>
+              <a:t>Cons</a:t>
+            </a:r>
+          </a:p>
+        </p:txBody>
+      </p:sp>
+      <p:sp>
+        <p:nvSpPr>
+          <p:cNvPr id="132" name="Shape 132"/>
+          <p:cNvSpPr txBox="1"/>
+          <p:nvPr>
+            <p:ph idx="2" type="sldNum"/>
+          </p:nvPr>
+        </p:nvSpPr>
+        <p:spPr>
+          <a:xfrm>
+            <a:off x="8472457" y="6217622"/>
+            <a:ext cx="548699" cy="524699"/>
+          </a:xfrm>
+          <a:prstGeom prst="rect">
+            <a:avLst/>
+          </a:prstGeom>
+        </p:spPr>
+        <p:txBody>
+          <a:bodyPr anchorCtr="0" anchor="ctr" bIns="91425" lIns="91425" rIns="91425" tIns="91425">
+            <a:noAutofit/>
+          </a:bodyPr>
+          <a:lstStyle/>
+          <a:p>
+            <a:pPr lvl="0" rtl="0">
+              <a:spcBef>
+                <a:spcPts val="0"/>
+              </a:spcBef>
+              <a:buNone/>
+            </a:pPr>
+            <a:fld id="{00000000-1234-1234-1234-123412341234}" type="slidenum">
+              <a:rPr lang="en"/>
+              <a:t>‹#›</a:t>
+            </a:fld>
+          </a:p>
+        </p:txBody>
+      </p:sp>
+    </p:spTree>
+  </p:cSld>
+  <p:clrMapOvr>
+    <a:masterClrMapping/>
+  </p:clrMapOvr>
+  <p:transition spd="slow">
+    <p:cut/>
+  </p:transition>
+</p:sld>
+</file>
+
+<file path=ppt/slides/slide9.xml><?xml version="1.0" encoding="utf-8"?>
+<p:sld xmlns:a="http://schemas.openxmlformats.org/drawingml/2006/main" xmlns:r="http://schemas.openxmlformats.org/officeDocument/2006/relationships" xmlns:mc="http://schemas.openxmlformats.org/markup-compatibility/2006" xmlns:mv="urn:schemas-microsoft-com:mac:vml" xmlns:p="http://schemas.openxmlformats.org/presentationml/2006/main" xmlns:c="http://schemas.openxmlformats.org/drawingml/2006/chart" xmlns:dgm="http://schemas.openxmlformats.org/drawingml/2006/diagram" xmlns:o="urn:schemas-microsoft-com:office:office" xmlns:v="urn:schemas-microsoft-com:vml" xmlns:pvml="urn:schemas-microsoft-com:office:powerpoint" xmlns:com="http://schemas.openxmlformats.org/drawingml/2006/compatibility" xmlns:p14="http://schemas.microsoft.com/office/powerpoint/2010/main">
+  <p:cSld>
+    <p:spTree>
+      <p:nvGrpSpPr>
+        <p:cNvPr id="136" name="Shape 136"/>
+        <p:cNvGrpSpPr/>
+        <p:nvPr/>
+      </p:nvGrpSpPr>
+      <p:grpSpPr>
+        <a:xfrm>
+          <a:off x="0" y="0"/>
+          <a:ext cx="0" cy="0"/>
+          <a:chOff x="0" y="0"/>
+          <a:chExt cx="0" cy="0"/>
+        </a:xfrm>
+      </p:grpSpPr>
+      <p:sp>
+        <p:nvSpPr>
+          <p:cNvPr id="137" name="Shape 137"/>
+          <p:cNvSpPr txBox="1"/>
+          <p:nvPr>
+            <p:ph idx="1" type="body"/>
+          </p:nvPr>
+        </p:nvSpPr>
+        <p:spPr>
+          <a:xfrm>
+            <a:off x="311700" y="1536633"/>
+            <a:ext cx="8520599" cy="4555199"/>
+          </a:xfrm>
+          <a:prstGeom prst="rect">
+            <a:avLst/>
+          </a:prstGeom>
+        </p:spPr>
+        <p:txBody>
+          <a:bodyPr anchorCtr="0" anchor="ctr" bIns="91425" lIns="91425" rIns="91425" tIns="91425">
+            <a:noAutofit/>
+          </a:bodyPr>
+          <a:lstStyle/>
+          <a:p>
+            <a:pPr indent="-381000" lvl="0" marL="457200" rtl="0">
+              <a:lnSpc>
+                <a:spcPct val="200000"/>
+              </a:lnSpc>
+              <a:spcBef>
+                <a:spcPts val="0"/>
+              </a:spcBef>
+              <a:buSzPct val="100000"/>
+            </a:pPr>
+            <a:r>
+              <a:rPr lang="en" sz="2400"/>
+              <a:t>Node/NPM</a:t>
+            </a:r>
+          </a:p>
+          <a:p>
+            <a:pPr indent="-381000" lvl="0" marL="457200" rtl="0">
+              <a:lnSpc>
+                <a:spcPct val="200000"/>
+              </a:lnSpc>
+              <a:spcBef>
+                <a:spcPts val="0"/>
+              </a:spcBef>
+              <a:buSzPct val="100000"/>
+            </a:pPr>
+            <a:r>
+              <a:rPr lang="en" sz="2400"/>
+              <a:t>Ruby/Sass</a:t>
+            </a:r>
+          </a:p>
+          <a:p>
+            <a:pPr indent="-381000" lvl="0" marL="457200" rtl="0">
+              <a:lnSpc>
+                <a:spcPct val="200000"/>
+              </a:lnSpc>
+              <a:spcBef>
+                <a:spcPts val="0"/>
+              </a:spcBef>
+              <a:buSzPct val="100000"/>
+            </a:pPr>
+            <a:r>
+              <a:rPr lang="en" sz="2400"/>
+              <a:t>(optional) Gulp</a:t>
+            </a:r>
+          </a:p>
+          <a:p>
+            <a:pPr indent="-381000" lvl="0" marL="457200" rtl="0">
+              <a:lnSpc>
+                <a:spcPct val="200000"/>
+              </a:lnSpc>
+              <a:spcBef>
+                <a:spcPts val="0"/>
+              </a:spcBef>
+              <a:buSzPct val="100000"/>
+            </a:pPr>
+            <a:r>
+              <a:rPr lang="en" sz="2400"/>
+              <a:t>(optional) Android Studio or Xcode</a:t>
+            </a:r>
+          </a:p>
+        </p:txBody>
+      </p:sp>
+      <p:sp>
+        <p:nvSpPr>
+          <p:cNvPr id="138" name="Shape 138"/>
+          <p:cNvSpPr txBox="1"/>
+          <p:nvPr>
+            <p:ph idx="12" type="sldNum"/>
+          </p:nvPr>
+        </p:nvSpPr>
+        <p:spPr>
+          <a:xfrm>
+            <a:off x="8472457" y="8290163"/>
+            <a:ext cx="548699" cy="699599"/>
+          </a:xfrm>
+          <a:prstGeom prst="rect">
+            <a:avLst/>
+          </a:prstGeom>
+        </p:spPr>
+        <p:txBody>
+          <a:bodyPr anchorCtr="0" anchor="ctr" bIns="91425" lIns="91425" rIns="91425" tIns="91425">
+            <a:noAutofit/>
+          </a:bodyPr>
+          <a:lstStyle/>
+          <a:p>
+            <a:pPr lvl="0">
+              <a:spcBef>
+                <a:spcPts val="0"/>
+              </a:spcBef>
+              <a:buNone/>
+            </a:pPr>
+            <a:fld id="{00000000-1234-1234-1234-123412341234}" type="slidenum">
+              <a:rPr lang="en"/>
+              <a:t>‹#›</a:t>
+            </a:fld>
+          </a:p>
+        </p:txBody>
+      </p:sp>
+      <p:sp>
+        <p:nvSpPr>
+          <p:cNvPr id="139" name="Shape 139"/>
+          <p:cNvSpPr txBox="1"/>
+          <p:nvPr>
+            <p:ph type="title"/>
+          </p:nvPr>
+        </p:nvSpPr>
+        <p:spPr>
+          <a:xfrm>
+            <a:off x="311650" y="123291"/>
+            <a:ext cx="8520599" cy="763500"/>
+          </a:xfrm>
+          <a:prstGeom prst="rect">
+            <a:avLst/>
+          </a:prstGeom>
+        </p:spPr>
+        <p:txBody>
+          <a:bodyPr anchorCtr="0" anchor="t" bIns="91425" lIns="91425" rIns="91425" tIns="91425">
+            <a:noAutofit/>
+          </a:bodyPr>
+          <a:lstStyle/>
+          <a:p>
+            <a:pPr lvl="0">
+              <a:spcBef>
+                <a:spcPts val="0"/>
+              </a:spcBef>
+              <a:buNone/>
+            </a:pPr>
+            <a:r>
+              <a:rPr lang="en"/>
+              <a:t>Pre-requisites</a:t>
+            </a:r>
+          </a:p>
+        </p:txBody>
+      </p:sp>
+      <p:sp>
+        <p:nvSpPr>
+          <p:cNvPr id="140" name="Shape 140"/>
+          <p:cNvSpPr txBox="1"/>
+          <p:nvPr>
+            <p:ph idx="2" type="sldNum"/>
           </p:nvPr>
         </p:nvSpPr>
         <p:spPr>
